--- a/Application structure.pptx
+++ b/Application structure.pptx
@@ -2,7 +2,7 @@
 <file path=ppt/presentation.xml><?xml version="1.0" encoding="utf-8"?>
 <p:presentation xmlns:a="http://schemas.openxmlformats.org/drawingml/2006/main" xmlns:r="http://schemas.openxmlformats.org/officeDocument/2006/relationships" xmlns:mc="http://schemas.openxmlformats.org/markup-compatibility/2006" xmlns:mv="urn:schemas-microsoft-com:mac:vml" xmlns:p="http://schemas.openxmlformats.org/presentationml/2006/main" xmlns:c="http://schemas.openxmlformats.org/drawingml/2006/chart" xmlns:dgm="http://schemas.openxmlformats.org/drawingml/2006/diagram" xmlns:o="urn:schemas-microsoft-com:office:office" xmlns:v="urn:schemas-microsoft-com:vml" xmlns:pvml="urn:schemas-microsoft-com:office:powerpoint" xmlns:com="http://schemas.openxmlformats.org/drawingml/2006/compatibility" xmlns:p14="http://schemas.microsoft.com/office/powerpoint/2010/main" xmlns:p15="http://schemas.microsoft.com/office/powerpoint/2012/main" xmlns:ahyp="http://schemas.microsoft.com/office/drawing/2018/hyperlinkcolor" autoCompressPictures="0" strictFirstAndLastChars="0" saveSubsetFonts="1">
   <p:sldMasterIdLst>
-    <p:sldMasterId id="2147483659" r:id="rId3"/>
+    <p:sldMasterId id="2147483648" r:id="rId3"/>
   </p:sldMasterIdLst>
   <p:notesMasterIdLst>
     <p:notesMasterId r:id="rId4"/>
@@ -10,6 +10,8 @@
   <p:sldIdLst>
     <p:sldId id="256" r:id="rId5"/>
     <p:sldId id="257" r:id="rId6"/>
+    <p:sldId id="258" r:id="rId7"/>
+    <p:sldId id="259" r:id="rId8"/>
   </p:sldIdLst>
   <p:sldSz cy="5143500" cx="9144000"/>
   <p:notesSz cx="6858000" cy="9144000"/>
@@ -242,6 +244,11 @@
       </a:defRPr>
     </a:lvl9pPr>
   </p:defaultTextStyle>
+  <p:extLst>
+    <p:ext uri="http://customooxmlschemas.google.com/">
+      <go:slidesCustomData xmlns:go="http://customooxmlschemas.google.com/" r:id="rId9" roundtripDataSignature="AMtx7mgSkKa4SXEmxY7mkMV+ZxNrIbU2gg=="/>
+    </p:ext>
+  </p:extLst>
 </p:presentation>
 </file>
 
@@ -333,104 +340,239 @@
             <a:noAutofit/>
           </a:bodyPr>
           <a:lstStyle>
-            <a:lvl1pPr indent="-298450" lvl="0" marL="457200">
-              <a:spcBef>
-                <a:spcPts val="0"/>
-              </a:spcBef>
-              <a:spcAft>
-                <a:spcPts val="0"/>
-              </a:spcAft>
+            <a:lvl1pPr indent="-298450" lvl="0" marL="457200" marR="0" rtl="0" algn="l">
+              <a:lnSpc>
+                <a:spcPct val="100000"/>
+              </a:lnSpc>
+              <a:spcBef>
+                <a:spcPts val="0"/>
+              </a:spcBef>
+              <a:spcAft>
+                <a:spcPts val="0"/>
+              </a:spcAft>
+              <a:buClr>
+                <a:srgbClr val="000000"/>
+              </a:buClr>
               <a:buSzPts val="1100"/>
+              <a:buFont typeface="Arial"/>
               <a:buChar char="●"/>
-              <a:defRPr sz="1100"/>
+              <a:defRPr b="0" i="0" sz="1100" u="none" cap="none" strike="noStrike">
+                <a:solidFill>
+                  <a:srgbClr val="000000"/>
+                </a:solidFill>
+                <a:latin typeface="Arial"/>
+                <a:ea typeface="Arial"/>
+                <a:cs typeface="Arial"/>
+                <a:sym typeface="Arial"/>
+              </a:defRPr>
             </a:lvl1pPr>
-            <a:lvl2pPr indent="-298450" lvl="1" marL="914400">
-              <a:spcBef>
-                <a:spcPts val="0"/>
-              </a:spcBef>
-              <a:spcAft>
-                <a:spcPts val="0"/>
-              </a:spcAft>
+            <a:lvl2pPr indent="-298450" lvl="1" marL="914400" marR="0" rtl="0" algn="l">
+              <a:lnSpc>
+                <a:spcPct val="100000"/>
+              </a:lnSpc>
+              <a:spcBef>
+                <a:spcPts val="0"/>
+              </a:spcBef>
+              <a:spcAft>
+                <a:spcPts val="0"/>
+              </a:spcAft>
+              <a:buClr>
+                <a:srgbClr val="000000"/>
+              </a:buClr>
               <a:buSzPts val="1100"/>
+              <a:buFont typeface="Arial"/>
               <a:buChar char="○"/>
-              <a:defRPr sz="1100"/>
+              <a:defRPr b="0" i="0" sz="1100" u="none" cap="none" strike="noStrike">
+                <a:solidFill>
+                  <a:srgbClr val="000000"/>
+                </a:solidFill>
+                <a:latin typeface="Arial"/>
+                <a:ea typeface="Arial"/>
+                <a:cs typeface="Arial"/>
+                <a:sym typeface="Arial"/>
+              </a:defRPr>
             </a:lvl2pPr>
-            <a:lvl3pPr indent="-298450" lvl="2" marL="1371600">
-              <a:spcBef>
-                <a:spcPts val="0"/>
-              </a:spcBef>
-              <a:spcAft>
-                <a:spcPts val="0"/>
-              </a:spcAft>
+            <a:lvl3pPr indent="-298450" lvl="2" marL="1371600" marR="0" rtl="0" algn="l">
+              <a:lnSpc>
+                <a:spcPct val="100000"/>
+              </a:lnSpc>
+              <a:spcBef>
+                <a:spcPts val="0"/>
+              </a:spcBef>
+              <a:spcAft>
+                <a:spcPts val="0"/>
+              </a:spcAft>
+              <a:buClr>
+                <a:srgbClr val="000000"/>
+              </a:buClr>
               <a:buSzPts val="1100"/>
+              <a:buFont typeface="Arial"/>
               <a:buChar char="■"/>
-              <a:defRPr sz="1100"/>
+              <a:defRPr b="0" i="0" sz="1100" u="none" cap="none" strike="noStrike">
+                <a:solidFill>
+                  <a:srgbClr val="000000"/>
+                </a:solidFill>
+                <a:latin typeface="Arial"/>
+                <a:ea typeface="Arial"/>
+                <a:cs typeface="Arial"/>
+                <a:sym typeface="Arial"/>
+              </a:defRPr>
             </a:lvl3pPr>
-            <a:lvl4pPr indent="-298450" lvl="3" marL="1828800">
-              <a:spcBef>
-                <a:spcPts val="0"/>
-              </a:spcBef>
-              <a:spcAft>
-                <a:spcPts val="0"/>
-              </a:spcAft>
+            <a:lvl4pPr indent="-298450" lvl="3" marL="1828800" marR="0" rtl="0" algn="l">
+              <a:lnSpc>
+                <a:spcPct val="100000"/>
+              </a:lnSpc>
+              <a:spcBef>
+                <a:spcPts val="0"/>
+              </a:spcBef>
+              <a:spcAft>
+                <a:spcPts val="0"/>
+              </a:spcAft>
+              <a:buClr>
+                <a:srgbClr val="000000"/>
+              </a:buClr>
               <a:buSzPts val="1100"/>
+              <a:buFont typeface="Arial"/>
               <a:buChar char="●"/>
-              <a:defRPr sz="1100"/>
+              <a:defRPr b="0" i="0" sz="1100" u="none" cap="none" strike="noStrike">
+                <a:solidFill>
+                  <a:srgbClr val="000000"/>
+                </a:solidFill>
+                <a:latin typeface="Arial"/>
+                <a:ea typeface="Arial"/>
+                <a:cs typeface="Arial"/>
+                <a:sym typeface="Arial"/>
+              </a:defRPr>
             </a:lvl4pPr>
-            <a:lvl5pPr indent="-298450" lvl="4" marL="2286000">
-              <a:spcBef>
-                <a:spcPts val="0"/>
-              </a:spcBef>
-              <a:spcAft>
-                <a:spcPts val="0"/>
-              </a:spcAft>
+            <a:lvl5pPr indent="-298450" lvl="4" marL="2286000" marR="0" rtl="0" algn="l">
+              <a:lnSpc>
+                <a:spcPct val="100000"/>
+              </a:lnSpc>
+              <a:spcBef>
+                <a:spcPts val="0"/>
+              </a:spcBef>
+              <a:spcAft>
+                <a:spcPts val="0"/>
+              </a:spcAft>
+              <a:buClr>
+                <a:srgbClr val="000000"/>
+              </a:buClr>
               <a:buSzPts val="1100"/>
+              <a:buFont typeface="Arial"/>
               <a:buChar char="○"/>
-              <a:defRPr sz="1100"/>
+              <a:defRPr b="0" i="0" sz="1100" u="none" cap="none" strike="noStrike">
+                <a:solidFill>
+                  <a:srgbClr val="000000"/>
+                </a:solidFill>
+                <a:latin typeface="Arial"/>
+                <a:ea typeface="Arial"/>
+                <a:cs typeface="Arial"/>
+                <a:sym typeface="Arial"/>
+              </a:defRPr>
             </a:lvl5pPr>
-            <a:lvl6pPr indent="-298450" lvl="5" marL="2743200">
-              <a:spcBef>
-                <a:spcPts val="0"/>
-              </a:spcBef>
-              <a:spcAft>
-                <a:spcPts val="0"/>
-              </a:spcAft>
+            <a:lvl6pPr indent="-298450" lvl="5" marL="2743200" marR="0" rtl="0" algn="l">
+              <a:lnSpc>
+                <a:spcPct val="100000"/>
+              </a:lnSpc>
+              <a:spcBef>
+                <a:spcPts val="0"/>
+              </a:spcBef>
+              <a:spcAft>
+                <a:spcPts val="0"/>
+              </a:spcAft>
+              <a:buClr>
+                <a:srgbClr val="000000"/>
+              </a:buClr>
               <a:buSzPts val="1100"/>
+              <a:buFont typeface="Arial"/>
               <a:buChar char="■"/>
-              <a:defRPr sz="1100"/>
+              <a:defRPr b="0" i="0" sz="1100" u="none" cap="none" strike="noStrike">
+                <a:solidFill>
+                  <a:srgbClr val="000000"/>
+                </a:solidFill>
+                <a:latin typeface="Arial"/>
+                <a:ea typeface="Arial"/>
+                <a:cs typeface="Arial"/>
+                <a:sym typeface="Arial"/>
+              </a:defRPr>
             </a:lvl6pPr>
-            <a:lvl7pPr indent="-298450" lvl="6" marL="3200400">
-              <a:spcBef>
-                <a:spcPts val="0"/>
-              </a:spcBef>
-              <a:spcAft>
-                <a:spcPts val="0"/>
-              </a:spcAft>
+            <a:lvl7pPr indent="-298450" lvl="6" marL="3200400" marR="0" rtl="0" algn="l">
+              <a:lnSpc>
+                <a:spcPct val="100000"/>
+              </a:lnSpc>
+              <a:spcBef>
+                <a:spcPts val="0"/>
+              </a:spcBef>
+              <a:spcAft>
+                <a:spcPts val="0"/>
+              </a:spcAft>
+              <a:buClr>
+                <a:srgbClr val="000000"/>
+              </a:buClr>
               <a:buSzPts val="1100"/>
+              <a:buFont typeface="Arial"/>
               <a:buChar char="●"/>
-              <a:defRPr sz="1100"/>
+              <a:defRPr b="0" i="0" sz="1100" u="none" cap="none" strike="noStrike">
+                <a:solidFill>
+                  <a:srgbClr val="000000"/>
+                </a:solidFill>
+                <a:latin typeface="Arial"/>
+                <a:ea typeface="Arial"/>
+                <a:cs typeface="Arial"/>
+                <a:sym typeface="Arial"/>
+              </a:defRPr>
             </a:lvl7pPr>
-            <a:lvl8pPr indent="-298450" lvl="7" marL="3657600">
-              <a:spcBef>
-                <a:spcPts val="0"/>
-              </a:spcBef>
-              <a:spcAft>
-                <a:spcPts val="0"/>
-              </a:spcAft>
+            <a:lvl8pPr indent="-298450" lvl="7" marL="3657600" marR="0" rtl="0" algn="l">
+              <a:lnSpc>
+                <a:spcPct val="100000"/>
+              </a:lnSpc>
+              <a:spcBef>
+                <a:spcPts val="0"/>
+              </a:spcBef>
+              <a:spcAft>
+                <a:spcPts val="0"/>
+              </a:spcAft>
+              <a:buClr>
+                <a:srgbClr val="000000"/>
+              </a:buClr>
               <a:buSzPts val="1100"/>
+              <a:buFont typeface="Arial"/>
               <a:buChar char="○"/>
-              <a:defRPr sz="1100"/>
+              <a:defRPr b="0" i="0" sz="1100" u="none" cap="none" strike="noStrike">
+                <a:solidFill>
+                  <a:srgbClr val="000000"/>
+                </a:solidFill>
+                <a:latin typeface="Arial"/>
+                <a:ea typeface="Arial"/>
+                <a:cs typeface="Arial"/>
+                <a:sym typeface="Arial"/>
+              </a:defRPr>
             </a:lvl8pPr>
-            <a:lvl9pPr indent="-298450" lvl="8" marL="4114800">
-              <a:spcBef>
-                <a:spcPts val="0"/>
-              </a:spcBef>
-              <a:spcAft>
-                <a:spcPts val="0"/>
-              </a:spcAft>
+            <a:lvl9pPr indent="-298450" lvl="8" marL="4114800" marR="0" rtl="0" algn="l">
+              <a:lnSpc>
+                <a:spcPct val="100000"/>
+              </a:lnSpc>
+              <a:spcBef>
+                <a:spcPts val="0"/>
+              </a:spcBef>
+              <a:spcAft>
+                <a:spcPts val="0"/>
+              </a:spcAft>
+              <a:buClr>
+                <a:srgbClr val="000000"/>
+              </a:buClr>
               <a:buSzPts val="1100"/>
+              <a:buFont typeface="Arial"/>
               <a:buChar char="■"/>
-              <a:defRPr sz="1100"/>
+              <a:defRPr b="0" i="0" sz="1100" u="none" cap="none" strike="noStrike">
+                <a:solidFill>
+                  <a:srgbClr val="000000"/>
+                </a:solidFill>
+                <a:latin typeface="Arial"/>
+                <a:ea typeface="Arial"/>
+                <a:cs typeface="Arial"/>
+                <a:sym typeface="Arial"/>
+              </a:defRPr>
             </a:lvl9pPr>
           </a:lstStyle>
           <a:p/>
@@ -690,7 +832,7 @@
       </p:grpSpPr>
       <p:sp>
         <p:nvSpPr>
-          <p:cNvPr id="51" name="Google Shape;51;p:notes"/>
+          <p:cNvPr id="51" name="Google Shape;51;p1:notes"/>
           <p:cNvSpPr/>
           <p:nvPr>
             <p:ph idx="2" type="sldImg"/>
@@ -721,11 +863,21 @@
               </a:path>
             </a:pathLst>
           </a:custGeom>
+          <a:noFill/>
+          <a:ln cap="flat" cmpd="sng" w="9525">
+            <a:solidFill>
+              <a:srgbClr val="000000"/>
+            </a:solidFill>
+            <a:prstDash val="solid"/>
+            <a:round/>
+            <a:headEnd len="sm" w="sm" type="none"/>
+            <a:tailEnd len="sm" w="sm" type="none"/>
+          </a:ln>
         </p:spPr>
       </p:sp>
       <p:sp>
         <p:nvSpPr>
-          <p:cNvPr id="52" name="Google Shape;52;p:notes"/>
+          <p:cNvPr id="52" name="Google Shape;52;p1:notes"/>
           <p:cNvSpPr txBox="1"/>
           <p:nvPr>
             <p:ph idx="1" type="body"/>
@@ -739,6 +891,10 @@
           <a:prstGeom prst="rect">
             <a:avLst/>
           </a:prstGeom>
+          <a:noFill/>
+          <a:ln>
+            <a:noFill/>
+          </a:ln>
         </p:spPr>
         <p:txBody>
           <a:bodyPr anchorCtr="0" anchor="t" bIns="91425" lIns="91425" spcFirstLastPara="1" rIns="91425" wrap="square" tIns="91425">
@@ -747,12 +903,16 @@
           <a:lstStyle/>
           <a:p>
             <a:pPr indent="0" lvl="0" marL="0" rtl="0" algn="l">
-              <a:spcBef>
-                <a:spcPts val="0"/>
-              </a:spcBef>
-              <a:spcAft>
-                <a:spcPts val="0"/>
-              </a:spcAft>
+              <a:lnSpc>
+                <a:spcPct val="100000"/>
+              </a:lnSpc>
+              <a:spcBef>
+                <a:spcPts val="0"/>
+              </a:spcBef>
+              <a:spcAft>
+                <a:spcPts val="0"/>
+              </a:spcAft>
+              <a:buSzPts val="1100"/>
               <a:buNone/>
             </a:pPr>
             <a:r>
@@ -789,7 +949,124 @@
       </p:grpSpPr>
       <p:sp>
         <p:nvSpPr>
-          <p:cNvPr id="57" name="Google Shape;57;g1160217cf36_0_0:notes"/>
+          <p:cNvPr id="57" name="Google Shape;57;p2:notes"/>
+          <p:cNvSpPr/>
+          <p:nvPr>
+            <p:ph idx="2" type="sldImg"/>
+          </p:nvPr>
+        </p:nvSpPr>
+        <p:spPr>
+          <a:xfrm>
+            <a:off x="381300" y="685800"/>
+            <a:ext cx="6096000" cy="3429000"/>
+          </a:xfrm>
+          <a:custGeom>
+            <a:rect b="b" l="l" r="r" t="t"/>
+            <a:pathLst>
+              <a:path extrusionOk="0" h="120000" w="120000">
+                <a:moveTo>
+                  <a:pt x="0" y="0"/>
+                </a:moveTo>
+                <a:lnTo>
+                  <a:pt x="120000" y="0"/>
+                </a:lnTo>
+                <a:lnTo>
+                  <a:pt x="120000" y="120000"/>
+                </a:lnTo>
+                <a:lnTo>
+                  <a:pt x="0" y="120000"/>
+                </a:lnTo>
+                <a:close/>
+              </a:path>
+            </a:pathLst>
+          </a:custGeom>
+          <a:noFill/>
+          <a:ln cap="flat" cmpd="sng" w="9525">
+            <a:solidFill>
+              <a:srgbClr val="000000"/>
+            </a:solidFill>
+            <a:prstDash val="solid"/>
+            <a:round/>
+            <a:headEnd len="sm" w="sm" type="none"/>
+            <a:tailEnd len="sm" w="sm" type="none"/>
+          </a:ln>
+        </p:spPr>
+      </p:sp>
+      <p:sp>
+        <p:nvSpPr>
+          <p:cNvPr id="58" name="Google Shape;58;p2:notes"/>
+          <p:cNvSpPr txBox="1"/>
+          <p:nvPr>
+            <p:ph idx="1" type="body"/>
+          </p:nvPr>
+        </p:nvSpPr>
+        <p:spPr>
+          <a:xfrm>
+            <a:off x="685800" y="4343400"/>
+            <a:ext cx="5486400" cy="4114800"/>
+          </a:xfrm>
+          <a:prstGeom prst="rect">
+            <a:avLst/>
+          </a:prstGeom>
+          <a:noFill/>
+          <a:ln>
+            <a:noFill/>
+          </a:ln>
+        </p:spPr>
+        <p:txBody>
+          <a:bodyPr anchorCtr="0" anchor="t" bIns="91425" lIns="91425" spcFirstLastPara="1" rIns="91425" wrap="square" tIns="91425">
+            <a:noAutofit/>
+          </a:bodyPr>
+          <a:lstStyle/>
+          <a:p>
+            <a:pPr indent="0" lvl="0" marL="0" rtl="0" algn="l">
+              <a:lnSpc>
+                <a:spcPct val="100000"/>
+              </a:lnSpc>
+              <a:spcBef>
+                <a:spcPts val="0"/>
+              </a:spcBef>
+              <a:spcAft>
+                <a:spcPts val="0"/>
+              </a:spcAft>
+              <a:buSzPts val="1100"/>
+              <a:buNone/>
+            </a:pPr>
+            <a:r>
+              <a:t/>
+            </a:r>
+            <a:endParaRPr/>
+          </a:p>
+        </p:txBody>
+      </p:sp>
+    </p:spTree>
+  </p:cSld>
+  <p:clrMapOvr>
+    <a:masterClrMapping/>
+  </p:clrMapOvr>
+</p:notes>
+</file>
+
+<file path=ppt/notesSlides/notesSlide3.xml><?xml version="1.0" encoding="utf-8"?>
+<p:notes xmlns:a="http://schemas.openxmlformats.org/drawingml/2006/main" xmlns:r="http://schemas.openxmlformats.org/officeDocument/2006/relationships" xmlns:mc="http://schemas.openxmlformats.org/markup-compatibility/2006" xmlns:mv="urn:schemas-microsoft-com:mac:vml" xmlns:p="http://schemas.openxmlformats.org/presentationml/2006/main" xmlns:c="http://schemas.openxmlformats.org/drawingml/2006/chart" xmlns:dgm="http://schemas.openxmlformats.org/drawingml/2006/diagram" xmlns:o="urn:schemas-microsoft-com:office:office" xmlns:v="urn:schemas-microsoft-com:vml" xmlns:pvml="urn:schemas-microsoft-com:office:powerpoint" xmlns:com="http://schemas.openxmlformats.org/drawingml/2006/compatibility" xmlns:p14="http://schemas.microsoft.com/office/powerpoint/2010/main" xmlns:p15="http://schemas.microsoft.com/office/powerpoint/2012/main" xmlns:ahyp="http://schemas.microsoft.com/office/drawing/2018/hyperlinkcolor" showMasterPhAnim="0" showMasterSp="0">
+  <p:cSld>
+    <p:spTree>
+      <p:nvGrpSpPr>
+        <p:cNvPr id="81" name="Shape 81"/>
+        <p:cNvGrpSpPr/>
+        <p:nvPr/>
+      </p:nvGrpSpPr>
+      <p:grpSpPr>
+        <a:xfrm>
+          <a:off x="0" y="0"/>
+          <a:ext cx="0" cy="0"/>
+          <a:chOff x="0" y="0"/>
+          <a:chExt cx="0" cy="0"/>
+        </a:xfrm>
+      </p:grpSpPr>
+      <p:sp>
+        <p:nvSpPr>
+          <p:cNvPr id="82" name="Google Shape;82;g11e33226e34_0_9:notes"/>
           <p:cNvSpPr/>
           <p:nvPr>
             <p:ph idx="2" type="sldImg"/>
@@ -824,7 +1101,106 @@
       </p:sp>
       <p:sp>
         <p:nvSpPr>
-          <p:cNvPr id="58" name="Google Shape;58;g1160217cf36_0_0:notes"/>
+          <p:cNvPr id="83" name="Google Shape;83;g11e33226e34_0_9:notes"/>
+          <p:cNvSpPr txBox="1"/>
+          <p:nvPr>
+            <p:ph idx="1" type="body"/>
+          </p:nvPr>
+        </p:nvSpPr>
+        <p:spPr>
+          <a:xfrm>
+            <a:off x="685800" y="4343400"/>
+            <a:ext cx="5486400" cy="4114800"/>
+          </a:xfrm>
+          <a:prstGeom prst="rect">
+            <a:avLst/>
+          </a:prstGeom>
+        </p:spPr>
+        <p:txBody>
+          <a:bodyPr anchorCtr="0" anchor="t" bIns="91425" lIns="91425" spcFirstLastPara="1" rIns="91425" wrap="square" tIns="91425">
+            <a:noAutofit/>
+          </a:bodyPr>
+          <a:lstStyle/>
+          <a:p>
+            <a:pPr indent="0" lvl="0" marL="0" rtl="0" algn="l">
+              <a:spcBef>
+                <a:spcPts val="0"/>
+              </a:spcBef>
+              <a:spcAft>
+                <a:spcPts val="0"/>
+              </a:spcAft>
+              <a:buNone/>
+            </a:pPr>
+            <a:r>
+              <a:t/>
+            </a:r>
+            <a:endParaRPr/>
+          </a:p>
+        </p:txBody>
+      </p:sp>
+    </p:spTree>
+  </p:cSld>
+  <p:clrMapOvr>
+    <a:masterClrMapping/>
+  </p:clrMapOvr>
+</p:notes>
+</file>
+
+<file path=ppt/notesSlides/notesSlide4.xml><?xml version="1.0" encoding="utf-8"?>
+<p:notes xmlns:a="http://schemas.openxmlformats.org/drawingml/2006/main" xmlns:r="http://schemas.openxmlformats.org/officeDocument/2006/relationships" xmlns:mc="http://schemas.openxmlformats.org/markup-compatibility/2006" xmlns:mv="urn:schemas-microsoft-com:mac:vml" xmlns:p="http://schemas.openxmlformats.org/presentationml/2006/main" xmlns:c="http://schemas.openxmlformats.org/drawingml/2006/chart" xmlns:dgm="http://schemas.openxmlformats.org/drawingml/2006/diagram" xmlns:o="urn:schemas-microsoft-com:office:office" xmlns:v="urn:schemas-microsoft-com:vml" xmlns:pvml="urn:schemas-microsoft-com:office:powerpoint" xmlns:com="http://schemas.openxmlformats.org/drawingml/2006/compatibility" xmlns:p14="http://schemas.microsoft.com/office/powerpoint/2010/main" xmlns:p15="http://schemas.microsoft.com/office/powerpoint/2012/main" xmlns:ahyp="http://schemas.microsoft.com/office/drawing/2018/hyperlinkcolor" showMasterPhAnim="0" showMasterSp="0">
+  <p:cSld>
+    <p:spTree>
+      <p:nvGrpSpPr>
+        <p:cNvPr id="87" name="Shape 87"/>
+        <p:cNvGrpSpPr/>
+        <p:nvPr/>
+      </p:nvGrpSpPr>
+      <p:grpSpPr>
+        <a:xfrm>
+          <a:off x="0" y="0"/>
+          <a:ext cx="0" cy="0"/>
+          <a:chOff x="0" y="0"/>
+          <a:chExt cx="0" cy="0"/>
+        </a:xfrm>
+      </p:grpSpPr>
+      <p:sp>
+        <p:nvSpPr>
+          <p:cNvPr id="88" name="Google Shape;88;g11e33226e34_0_4:notes"/>
+          <p:cNvSpPr/>
+          <p:nvPr>
+            <p:ph idx="2" type="sldImg"/>
+          </p:nvPr>
+        </p:nvSpPr>
+        <p:spPr>
+          <a:xfrm>
+            <a:off x="381300" y="685800"/>
+            <a:ext cx="6096000" cy="3429000"/>
+          </a:xfrm>
+          <a:custGeom>
+            <a:rect b="b" l="l" r="r" t="t"/>
+            <a:pathLst>
+              <a:path extrusionOk="0" h="120000" w="120000">
+                <a:moveTo>
+                  <a:pt x="0" y="0"/>
+                </a:moveTo>
+                <a:lnTo>
+                  <a:pt x="120000" y="0"/>
+                </a:lnTo>
+                <a:lnTo>
+                  <a:pt x="120000" y="120000"/>
+                </a:lnTo>
+                <a:lnTo>
+                  <a:pt x="0" y="120000"/>
+                </a:lnTo>
+                <a:close/>
+              </a:path>
+            </a:pathLst>
+          </a:custGeom>
+        </p:spPr>
+      </p:sp>
+      <p:sp>
+        <p:nvSpPr>
+          <p:cNvPr id="89" name="Google Shape;89;g11e33226e34_0_4:notes"/>
           <p:cNvSpPr txBox="1"/>
           <p:nvPr>
             <p:ph idx="1" type="body"/>
@@ -888,7 +1264,7 @@
       </p:grpSpPr>
       <p:sp>
         <p:nvSpPr>
-          <p:cNvPr id="10" name="Google Shape;10;p2"/>
+          <p:cNvPr id="10" name="Google Shape;10;p4"/>
           <p:cNvSpPr txBox="1"/>
           <p:nvPr>
             <p:ph type="ctrTitle"/>
@@ -902,6 +1278,10 @@
           <a:prstGeom prst="rect">
             <a:avLst/>
           </a:prstGeom>
+          <a:noFill/>
+          <a:ln>
+            <a:noFill/>
+          </a:ln>
         </p:spPr>
         <p:txBody>
           <a:bodyPr anchorCtr="0" anchor="b" bIns="91425" lIns="91425" spcFirstLastPara="1" rIns="91425" wrap="square" tIns="91425">
@@ -909,6 +1289,9 @@
           </a:bodyPr>
           <a:lstStyle>
             <a:lvl1pPr lvl="0" algn="ctr">
+              <a:lnSpc>
+                <a:spcPct val="100000"/>
+              </a:lnSpc>
               <a:spcBef>
                 <a:spcPts val="0"/>
               </a:spcBef>
@@ -920,6 +1303,9 @@
               <a:defRPr sz="5200"/>
             </a:lvl1pPr>
             <a:lvl2pPr lvl="1" algn="ctr">
+              <a:lnSpc>
+                <a:spcPct val="100000"/>
+              </a:lnSpc>
               <a:spcBef>
                 <a:spcPts val="0"/>
               </a:spcBef>
@@ -931,6 +1317,9 @@
               <a:defRPr sz="5200"/>
             </a:lvl2pPr>
             <a:lvl3pPr lvl="2" algn="ctr">
+              <a:lnSpc>
+                <a:spcPct val="100000"/>
+              </a:lnSpc>
               <a:spcBef>
                 <a:spcPts val="0"/>
               </a:spcBef>
@@ -942,6 +1331,9 @@
               <a:defRPr sz="5200"/>
             </a:lvl3pPr>
             <a:lvl4pPr lvl="3" algn="ctr">
+              <a:lnSpc>
+                <a:spcPct val="100000"/>
+              </a:lnSpc>
               <a:spcBef>
                 <a:spcPts val="0"/>
               </a:spcBef>
@@ -953,6 +1345,9 @@
               <a:defRPr sz="5200"/>
             </a:lvl4pPr>
             <a:lvl5pPr lvl="4" algn="ctr">
+              <a:lnSpc>
+                <a:spcPct val="100000"/>
+              </a:lnSpc>
               <a:spcBef>
                 <a:spcPts val="0"/>
               </a:spcBef>
@@ -964,6 +1359,9 @@
               <a:defRPr sz="5200"/>
             </a:lvl5pPr>
             <a:lvl6pPr lvl="5" algn="ctr">
+              <a:lnSpc>
+                <a:spcPct val="100000"/>
+              </a:lnSpc>
               <a:spcBef>
                 <a:spcPts val="0"/>
               </a:spcBef>
@@ -975,6 +1373,9 @@
               <a:defRPr sz="5200"/>
             </a:lvl6pPr>
             <a:lvl7pPr lvl="6" algn="ctr">
+              <a:lnSpc>
+                <a:spcPct val="100000"/>
+              </a:lnSpc>
               <a:spcBef>
                 <a:spcPts val="0"/>
               </a:spcBef>
@@ -986,6 +1387,9 @@
               <a:defRPr sz="5200"/>
             </a:lvl7pPr>
             <a:lvl8pPr lvl="7" algn="ctr">
+              <a:lnSpc>
+                <a:spcPct val="100000"/>
+              </a:lnSpc>
               <a:spcBef>
                 <a:spcPts val="0"/>
               </a:spcBef>
@@ -997,6 +1401,9 @@
               <a:defRPr sz="5200"/>
             </a:lvl8pPr>
             <a:lvl9pPr lvl="8" algn="ctr">
+              <a:lnSpc>
+                <a:spcPct val="100000"/>
+              </a:lnSpc>
               <a:spcBef>
                 <a:spcPts val="0"/>
               </a:spcBef>
@@ -1013,7 +1420,7 @@
       </p:sp>
       <p:sp>
         <p:nvSpPr>
-          <p:cNvPr id="11" name="Google Shape;11;p2"/>
+          <p:cNvPr id="11" name="Google Shape;11;p4"/>
           <p:cNvSpPr txBox="1"/>
           <p:nvPr>
             <p:ph idx="1" type="subTitle"/>
@@ -1027,6 +1434,10 @@
           <a:prstGeom prst="rect">
             <a:avLst/>
           </a:prstGeom>
+          <a:noFill/>
+          <a:ln>
+            <a:noFill/>
+          </a:ln>
         </p:spPr>
         <p:txBody>
           <a:bodyPr anchorCtr="0" anchor="t" bIns="91425" lIns="91425" spcFirstLastPara="1" rIns="91425" wrap="square" tIns="91425">
@@ -1165,7 +1576,7 @@
       </p:sp>
       <p:sp>
         <p:nvSpPr>
-          <p:cNvPr id="12" name="Google Shape;12;p2"/>
+          <p:cNvPr id="12" name="Google Shape;12;p4"/>
           <p:cNvSpPr txBox="1"/>
           <p:nvPr>
             <p:ph idx="12" type="sldNum"/>
@@ -1179,47 +1590,249 @@
           <a:prstGeom prst="rect">
             <a:avLst/>
           </a:prstGeom>
+          <a:noFill/>
+          <a:ln>
+            <a:noFill/>
+          </a:ln>
         </p:spPr>
         <p:txBody>
           <a:bodyPr anchorCtr="0" anchor="ctr" bIns="91425" lIns="91425" spcFirstLastPara="1" rIns="91425" wrap="square" tIns="91425">
             <a:normAutofit/>
           </a:bodyPr>
           <a:lstStyle>
-            <a:lvl1pPr lvl="0">
-              <a:buNone/>
-              <a:defRPr/>
+            <a:lvl1pPr indent="0" lvl="0" marL="0" marR="0" algn="r">
+              <a:lnSpc>
+                <a:spcPct val="100000"/>
+              </a:lnSpc>
+              <a:spcBef>
+                <a:spcPts val="0"/>
+              </a:spcBef>
+              <a:spcAft>
+                <a:spcPts val="0"/>
+              </a:spcAft>
+              <a:buClr>
+                <a:srgbClr val="000000"/>
+              </a:buClr>
+              <a:buSzPts val="1000"/>
+              <a:buFont typeface="Arial"/>
+              <a:buNone/>
+              <a:defRPr b="0" i="0" sz="1000" u="none" cap="none" strike="noStrike">
+                <a:solidFill>
+                  <a:schemeClr val="dk2"/>
+                </a:solidFill>
+                <a:latin typeface="Arial"/>
+                <a:ea typeface="Arial"/>
+                <a:cs typeface="Arial"/>
+                <a:sym typeface="Arial"/>
+              </a:defRPr>
             </a:lvl1pPr>
-            <a:lvl2pPr lvl="1">
-              <a:buNone/>
-              <a:defRPr/>
+            <a:lvl2pPr indent="0" lvl="1" marL="0" marR="0" algn="r">
+              <a:lnSpc>
+                <a:spcPct val="100000"/>
+              </a:lnSpc>
+              <a:spcBef>
+                <a:spcPts val="0"/>
+              </a:spcBef>
+              <a:spcAft>
+                <a:spcPts val="0"/>
+              </a:spcAft>
+              <a:buClr>
+                <a:srgbClr val="000000"/>
+              </a:buClr>
+              <a:buSzPts val="1000"/>
+              <a:buFont typeface="Arial"/>
+              <a:buNone/>
+              <a:defRPr b="0" i="0" sz="1000" u="none" cap="none" strike="noStrike">
+                <a:solidFill>
+                  <a:schemeClr val="dk2"/>
+                </a:solidFill>
+                <a:latin typeface="Arial"/>
+                <a:ea typeface="Arial"/>
+                <a:cs typeface="Arial"/>
+                <a:sym typeface="Arial"/>
+              </a:defRPr>
             </a:lvl2pPr>
-            <a:lvl3pPr lvl="2">
-              <a:buNone/>
-              <a:defRPr/>
+            <a:lvl3pPr indent="0" lvl="2" marL="0" marR="0" algn="r">
+              <a:lnSpc>
+                <a:spcPct val="100000"/>
+              </a:lnSpc>
+              <a:spcBef>
+                <a:spcPts val="0"/>
+              </a:spcBef>
+              <a:spcAft>
+                <a:spcPts val="0"/>
+              </a:spcAft>
+              <a:buClr>
+                <a:srgbClr val="000000"/>
+              </a:buClr>
+              <a:buSzPts val="1000"/>
+              <a:buFont typeface="Arial"/>
+              <a:buNone/>
+              <a:defRPr b="0" i="0" sz="1000" u="none" cap="none" strike="noStrike">
+                <a:solidFill>
+                  <a:schemeClr val="dk2"/>
+                </a:solidFill>
+                <a:latin typeface="Arial"/>
+                <a:ea typeface="Arial"/>
+                <a:cs typeface="Arial"/>
+                <a:sym typeface="Arial"/>
+              </a:defRPr>
             </a:lvl3pPr>
-            <a:lvl4pPr lvl="3">
-              <a:buNone/>
-              <a:defRPr/>
+            <a:lvl4pPr indent="0" lvl="3" marL="0" marR="0" algn="r">
+              <a:lnSpc>
+                <a:spcPct val="100000"/>
+              </a:lnSpc>
+              <a:spcBef>
+                <a:spcPts val="0"/>
+              </a:spcBef>
+              <a:spcAft>
+                <a:spcPts val="0"/>
+              </a:spcAft>
+              <a:buClr>
+                <a:srgbClr val="000000"/>
+              </a:buClr>
+              <a:buSzPts val="1000"/>
+              <a:buFont typeface="Arial"/>
+              <a:buNone/>
+              <a:defRPr b="0" i="0" sz="1000" u="none" cap="none" strike="noStrike">
+                <a:solidFill>
+                  <a:schemeClr val="dk2"/>
+                </a:solidFill>
+                <a:latin typeface="Arial"/>
+                <a:ea typeface="Arial"/>
+                <a:cs typeface="Arial"/>
+                <a:sym typeface="Arial"/>
+              </a:defRPr>
             </a:lvl4pPr>
-            <a:lvl5pPr lvl="4">
-              <a:buNone/>
-              <a:defRPr/>
+            <a:lvl5pPr indent="0" lvl="4" marL="0" marR="0" algn="r">
+              <a:lnSpc>
+                <a:spcPct val="100000"/>
+              </a:lnSpc>
+              <a:spcBef>
+                <a:spcPts val="0"/>
+              </a:spcBef>
+              <a:spcAft>
+                <a:spcPts val="0"/>
+              </a:spcAft>
+              <a:buClr>
+                <a:srgbClr val="000000"/>
+              </a:buClr>
+              <a:buSzPts val="1000"/>
+              <a:buFont typeface="Arial"/>
+              <a:buNone/>
+              <a:defRPr b="0" i="0" sz="1000" u="none" cap="none" strike="noStrike">
+                <a:solidFill>
+                  <a:schemeClr val="dk2"/>
+                </a:solidFill>
+                <a:latin typeface="Arial"/>
+                <a:ea typeface="Arial"/>
+                <a:cs typeface="Arial"/>
+                <a:sym typeface="Arial"/>
+              </a:defRPr>
             </a:lvl5pPr>
-            <a:lvl6pPr lvl="5">
-              <a:buNone/>
-              <a:defRPr/>
+            <a:lvl6pPr indent="0" lvl="5" marL="0" marR="0" algn="r">
+              <a:lnSpc>
+                <a:spcPct val="100000"/>
+              </a:lnSpc>
+              <a:spcBef>
+                <a:spcPts val="0"/>
+              </a:spcBef>
+              <a:spcAft>
+                <a:spcPts val="0"/>
+              </a:spcAft>
+              <a:buClr>
+                <a:srgbClr val="000000"/>
+              </a:buClr>
+              <a:buSzPts val="1000"/>
+              <a:buFont typeface="Arial"/>
+              <a:buNone/>
+              <a:defRPr b="0" i="0" sz="1000" u="none" cap="none" strike="noStrike">
+                <a:solidFill>
+                  <a:schemeClr val="dk2"/>
+                </a:solidFill>
+                <a:latin typeface="Arial"/>
+                <a:ea typeface="Arial"/>
+                <a:cs typeface="Arial"/>
+                <a:sym typeface="Arial"/>
+              </a:defRPr>
             </a:lvl6pPr>
-            <a:lvl7pPr lvl="6">
-              <a:buNone/>
-              <a:defRPr/>
+            <a:lvl7pPr indent="0" lvl="6" marL="0" marR="0" algn="r">
+              <a:lnSpc>
+                <a:spcPct val="100000"/>
+              </a:lnSpc>
+              <a:spcBef>
+                <a:spcPts val="0"/>
+              </a:spcBef>
+              <a:spcAft>
+                <a:spcPts val="0"/>
+              </a:spcAft>
+              <a:buClr>
+                <a:srgbClr val="000000"/>
+              </a:buClr>
+              <a:buSzPts val="1000"/>
+              <a:buFont typeface="Arial"/>
+              <a:buNone/>
+              <a:defRPr b="0" i="0" sz="1000" u="none" cap="none" strike="noStrike">
+                <a:solidFill>
+                  <a:schemeClr val="dk2"/>
+                </a:solidFill>
+                <a:latin typeface="Arial"/>
+                <a:ea typeface="Arial"/>
+                <a:cs typeface="Arial"/>
+                <a:sym typeface="Arial"/>
+              </a:defRPr>
             </a:lvl7pPr>
-            <a:lvl8pPr lvl="7">
-              <a:buNone/>
-              <a:defRPr/>
+            <a:lvl8pPr indent="0" lvl="7" marL="0" marR="0" algn="r">
+              <a:lnSpc>
+                <a:spcPct val="100000"/>
+              </a:lnSpc>
+              <a:spcBef>
+                <a:spcPts val="0"/>
+              </a:spcBef>
+              <a:spcAft>
+                <a:spcPts val="0"/>
+              </a:spcAft>
+              <a:buClr>
+                <a:srgbClr val="000000"/>
+              </a:buClr>
+              <a:buSzPts val="1000"/>
+              <a:buFont typeface="Arial"/>
+              <a:buNone/>
+              <a:defRPr b="0" i="0" sz="1000" u="none" cap="none" strike="noStrike">
+                <a:solidFill>
+                  <a:schemeClr val="dk2"/>
+                </a:solidFill>
+                <a:latin typeface="Arial"/>
+                <a:ea typeface="Arial"/>
+                <a:cs typeface="Arial"/>
+                <a:sym typeface="Arial"/>
+              </a:defRPr>
             </a:lvl8pPr>
-            <a:lvl9pPr lvl="8">
-              <a:buNone/>
-              <a:defRPr/>
+            <a:lvl9pPr indent="0" lvl="8" marL="0" marR="0" algn="r">
+              <a:lnSpc>
+                <a:spcPct val="100000"/>
+              </a:lnSpc>
+              <a:spcBef>
+                <a:spcPts val="0"/>
+              </a:spcBef>
+              <a:spcAft>
+                <a:spcPts val="0"/>
+              </a:spcAft>
+              <a:buClr>
+                <a:srgbClr val="000000"/>
+              </a:buClr>
+              <a:buSzPts val="1000"/>
+              <a:buFont typeface="Arial"/>
+              <a:buNone/>
+              <a:defRPr b="0" i="0" sz="1000" u="none" cap="none" strike="noStrike">
+                <a:solidFill>
+                  <a:schemeClr val="dk2"/>
+                </a:solidFill>
+                <a:latin typeface="Arial"/>
+                <a:ea typeface="Arial"/>
+                <a:cs typeface="Arial"/>
+                <a:sym typeface="Arial"/>
+              </a:defRPr>
             </a:lvl9pPr>
           </a:lstStyle>
           <a:p>
@@ -1267,7 +1880,7 @@
       </p:grpSpPr>
       <p:sp>
         <p:nvSpPr>
-          <p:cNvPr id="45" name="Google Shape;45;p11"/>
+          <p:cNvPr id="45" name="Google Shape;45;p13"/>
           <p:cNvSpPr txBox="1"/>
           <p:nvPr>
             <p:ph hasCustomPrompt="1" type="title"/>
@@ -1281,6 +1894,10 @@
           <a:prstGeom prst="rect">
             <a:avLst/>
           </a:prstGeom>
+          <a:noFill/>
+          <a:ln>
+            <a:noFill/>
+          </a:ln>
         </p:spPr>
         <p:txBody>
           <a:bodyPr anchorCtr="0" anchor="b" bIns="91425" lIns="91425" spcFirstLastPara="1" rIns="91425" wrap="square" tIns="91425">
@@ -1288,6 +1905,9 @@
           </a:bodyPr>
           <a:lstStyle>
             <a:lvl1pPr lvl="0" algn="ctr">
+              <a:lnSpc>
+                <a:spcPct val="100000"/>
+              </a:lnSpc>
               <a:spcBef>
                 <a:spcPts val="0"/>
               </a:spcBef>
@@ -1299,6 +1919,9 @@
               <a:defRPr sz="12000"/>
             </a:lvl1pPr>
             <a:lvl2pPr lvl="1" algn="ctr">
+              <a:lnSpc>
+                <a:spcPct val="100000"/>
+              </a:lnSpc>
               <a:spcBef>
                 <a:spcPts val="0"/>
               </a:spcBef>
@@ -1310,6 +1933,9 @@
               <a:defRPr sz="12000"/>
             </a:lvl2pPr>
             <a:lvl3pPr lvl="2" algn="ctr">
+              <a:lnSpc>
+                <a:spcPct val="100000"/>
+              </a:lnSpc>
               <a:spcBef>
                 <a:spcPts val="0"/>
               </a:spcBef>
@@ -1321,6 +1947,9 @@
               <a:defRPr sz="12000"/>
             </a:lvl3pPr>
             <a:lvl4pPr lvl="3" algn="ctr">
+              <a:lnSpc>
+                <a:spcPct val="100000"/>
+              </a:lnSpc>
               <a:spcBef>
                 <a:spcPts val="0"/>
               </a:spcBef>
@@ -1332,6 +1961,9 @@
               <a:defRPr sz="12000"/>
             </a:lvl4pPr>
             <a:lvl5pPr lvl="4" algn="ctr">
+              <a:lnSpc>
+                <a:spcPct val="100000"/>
+              </a:lnSpc>
               <a:spcBef>
                 <a:spcPts val="0"/>
               </a:spcBef>
@@ -1343,6 +1975,9 @@
               <a:defRPr sz="12000"/>
             </a:lvl5pPr>
             <a:lvl6pPr lvl="5" algn="ctr">
+              <a:lnSpc>
+                <a:spcPct val="100000"/>
+              </a:lnSpc>
               <a:spcBef>
                 <a:spcPts val="0"/>
               </a:spcBef>
@@ -1354,6 +1989,9 @@
               <a:defRPr sz="12000"/>
             </a:lvl6pPr>
             <a:lvl7pPr lvl="6" algn="ctr">
+              <a:lnSpc>
+                <a:spcPct val="100000"/>
+              </a:lnSpc>
               <a:spcBef>
                 <a:spcPts val="0"/>
               </a:spcBef>
@@ -1365,6 +2003,9 @@
               <a:defRPr sz="12000"/>
             </a:lvl7pPr>
             <a:lvl8pPr lvl="7" algn="ctr">
+              <a:lnSpc>
+                <a:spcPct val="100000"/>
+              </a:lnSpc>
               <a:spcBef>
                 <a:spcPts val="0"/>
               </a:spcBef>
@@ -1376,6 +2017,9 @@
               <a:defRPr sz="12000"/>
             </a:lvl8pPr>
             <a:lvl9pPr lvl="8" algn="ctr">
+              <a:lnSpc>
+                <a:spcPct val="100000"/>
+              </a:lnSpc>
               <a:spcBef>
                 <a:spcPts val="0"/>
               </a:spcBef>
@@ -1396,7 +2040,7 @@
       </p:sp>
       <p:sp>
         <p:nvSpPr>
-          <p:cNvPr id="46" name="Google Shape;46;p11"/>
+          <p:cNvPr id="46" name="Google Shape;46;p13"/>
           <p:cNvSpPr txBox="1"/>
           <p:nvPr>
             <p:ph idx="1" type="body"/>
@@ -1410,6 +2054,10 @@
           <a:prstGeom prst="rect">
             <a:avLst/>
           </a:prstGeom>
+          <a:noFill/>
+          <a:ln>
+            <a:noFill/>
+          </a:ln>
         </p:spPr>
         <p:txBody>
           <a:bodyPr anchorCtr="0" anchor="t" bIns="91425" lIns="91425" spcFirstLastPara="1" rIns="91425" wrap="square" tIns="91425">
@@ -1417,6 +2065,9 @@
           </a:bodyPr>
           <a:lstStyle>
             <a:lvl1pPr indent="-342900" lvl="0" marL="457200" algn="ctr">
+              <a:lnSpc>
+                <a:spcPct val="115000"/>
+              </a:lnSpc>
               <a:spcBef>
                 <a:spcPts val="0"/>
               </a:spcBef>
@@ -1428,6 +2079,9 @@
               <a:defRPr/>
             </a:lvl1pPr>
             <a:lvl2pPr indent="-317500" lvl="1" marL="914400" algn="ctr">
+              <a:lnSpc>
+                <a:spcPct val="115000"/>
+              </a:lnSpc>
               <a:spcBef>
                 <a:spcPts val="0"/>
               </a:spcBef>
@@ -1439,6 +2093,9 @@
               <a:defRPr/>
             </a:lvl2pPr>
             <a:lvl3pPr indent="-317500" lvl="2" marL="1371600" algn="ctr">
+              <a:lnSpc>
+                <a:spcPct val="115000"/>
+              </a:lnSpc>
               <a:spcBef>
                 <a:spcPts val="0"/>
               </a:spcBef>
@@ -1450,6 +2107,9 @@
               <a:defRPr/>
             </a:lvl3pPr>
             <a:lvl4pPr indent="-317500" lvl="3" marL="1828800" algn="ctr">
+              <a:lnSpc>
+                <a:spcPct val="115000"/>
+              </a:lnSpc>
               <a:spcBef>
                 <a:spcPts val="0"/>
               </a:spcBef>
@@ -1461,6 +2121,9 @@
               <a:defRPr/>
             </a:lvl4pPr>
             <a:lvl5pPr indent="-317500" lvl="4" marL="2286000" algn="ctr">
+              <a:lnSpc>
+                <a:spcPct val="115000"/>
+              </a:lnSpc>
               <a:spcBef>
                 <a:spcPts val="0"/>
               </a:spcBef>
@@ -1472,6 +2135,9 @@
               <a:defRPr/>
             </a:lvl5pPr>
             <a:lvl6pPr indent="-317500" lvl="5" marL="2743200" algn="ctr">
+              <a:lnSpc>
+                <a:spcPct val="115000"/>
+              </a:lnSpc>
               <a:spcBef>
                 <a:spcPts val="0"/>
               </a:spcBef>
@@ -1483,6 +2149,9 @@
               <a:defRPr/>
             </a:lvl6pPr>
             <a:lvl7pPr indent="-317500" lvl="6" marL="3200400" algn="ctr">
+              <a:lnSpc>
+                <a:spcPct val="115000"/>
+              </a:lnSpc>
               <a:spcBef>
                 <a:spcPts val="0"/>
               </a:spcBef>
@@ -1494,6 +2163,9 @@
               <a:defRPr/>
             </a:lvl7pPr>
             <a:lvl8pPr indent="-317500" lvl="7" marL="3657600" algn="ctr">
+              <a:lnSpc>
+                <a:spcPct val="115000"/>
+              </a:lnSpc>
               <a:spcBef>
                 <a:spcPts val="0"/>
               </a:spcBef>
@@ -1505,6 +2177,9 @@
               <a:defRPr/>
             </a:lvl8pPr>
             <a:lvl9pPr indent="-317500" lvl="8" marL="4114800" algn="ctr">
+              <a:lnSpc>
+                <a:spcPct val="115000"/>
+              </a:lnSpc>
               <a:spcBef>
                 <a:spcPts val="0"/>
               </a:spcBef>
@@ -1521,7 +2196,7 @@
       </p:sp>
       <p:sp>
         <p:nvSpPr>
-          <p:cNvPr id="47" name="Google Shape;47;p11"/>
+          <p:cNvPr id="47" name="Google Shape;47;p13"/>
           <p:cNvSpPr txBox="1"/>
           <p:nvPr>
             <p:ph idx="12" type="sldNum"/>
@@ -1535,47 +2210,249 @@
           <a:prstGeom prst="rect">
             <a:avLst/>
           </a:prstGeom>
+          <a:noFill/>
+          <a:ln>
+            <a:noFill/>
+          </a:ln>
         </p:spPr>
         <p:txBody>
           <a:bodyPr anchorCtr="0" anchor="ctr" bIns="91425" lIns="91425" spcFirstLastPara="1" rIns="91425" wrap="square" tIns="91425">
             <a:normAutofit/>
           </a:bodyPr>
           <a:lstStyle>
-            <a:lvl1pPr lvl="0">
-              <a:buNone/>
-              <a:defRPr/>
+            <a:lvl1pPr indent="0" lvl="0" marL="0" marR="0" algn="r">
+              <a:lnSpc>
+                <a:spcPct val="100000"/>
+              </a:lnSpc>
+              <a:spcBef>
+                <a:spcPts val="0"/>
+              </a:spcBef>
+              <a:spcAft>
+                <a:spcPts val="0"/>
+              </a:spcAft>
+              <a:buClr>
+                <a:srgbClr val="000000"/>
+              </a:buClr>
+              <a:buSzPts val="1000"/>
+              <a:buFont typeface="Arial"/>
+              <a:buNone/>
+              <a:defRPr b="0" i="0" sz="1000" u="none" cap="none" strike="noStrike">
+                <a:solidFill>
+                  <a:schemeClr val="dk2"/>
+                </a:solidFill>
+                <a:latin typeface="Arial"/>
+                <a:ea typeface="Arial"/>
+                <a:cs typeface="Arial"/>
+                <a:sym typeface="Arial"/>
+              </a:defRPr>
             </a:lvl1pPr>
-            <a:lvl2pPr lvl="1">
-              <a:buNone/>
-              <a:defRPr/>
+            <a:lvl2pPr indent="0" lvl="1" marL="0" marR="0" algn="r">
+              <a:lnSpc>
+                <a:spcPct val="100000"/>
+              </a:lnSpc>
+              <a:spcBef>
+                <a:spcPts val="0"/>
+              </a:spcBef>
+              <a:spcAft>
+                <a:spcPts val="0"/>
+              </a:spcAft>
+              <a:buClr>
+                <a:srgbClr val="000000"/>
+              </a:buClr>
+              <a:buSzPts val="1000"/>
+              <a:buFont typeface="Arial"/>
+              <a:buNone/>
+              <a:defRPr b="0" i="0" sz="1000" u="none" cap="none" strike="noStrike">
+                <a:solidFill>
+                  <a:schemeClr val="dk2"/>
+                </a:solidFill>
+                <a:latin typeface="Arial"/>
+                <a:ea typeface="Arial"/>
+                <a:cs typeface="Arial"/>
+                <a:sym typeface="Arial"/>
+              </a:defRPr>
             </a:lvl2pPr>
-            <a:lvl3pPr lvl="2">
-              <a:buNone/>
-              <a:defRPr/>
+            <a:lvl3pPr indent="0" lvl="2" marL="0" marR="0" algn="r">
+              <a:lnSpc>
+                <a:spcPct val="100000"/>
+              </a:lnSpc>
+              <a:spcBef>
+                <a:spcPts val="0"/>
+              </a:spcBef>
+              <a:spcAft>
+                <a:spcPts val="0"/>
+              </a:spcAft>
+              <a:buClr>
+                <a:srgbClr val="000000"/>
+              </a:buClr>
+              <a:buSzPts val="1000"/>
+              <a:buFont typeface="Arial"/>
+              <a:buNone/>
+              <a:defRPr b="0" i="0" sz="1000" u="none" cap="none" strike="noStrike">
+                <a:solidFill>
+                  <a:schemeClr val="dk2"/>
+                </a:solidFill>
+                <a:latin typeface="Arial"/>
+                <a:ea typeface="Arial"/>
+                <a:cs typeface="Arial"/>
+                <a:sym typeface="Arial"/>
+              </a:defRPr>
             </a:lvl3pPr>
-            <a:lvl4pPr lvl="3">
-              <a:buNone/>
-              <a:defRPr/>
+            <a:lvl4pPr indent="0" lvl="3" marL="0" marR="0" algn="r">
+              <a:lnSpc>
+                <a:spcPct val="100000"/>
+              </a:lnSpc>
+              <a:spcBef>
+                <a:spcPts val="0"/>
+              </a:spcBef>
+              <a:spcAft>
+                <a:spcPts val="0"/>
+              </a:spcAft>
+              <a:buClr>
+                <a:srgbClr val="000000"/>
+              </a:buClr>
+              <a:buSzPts val="1000"/>
+              <a:buFont typeface="Arial"/>
+              <a:buNone/>
+              <a:defRPr b="0" i="0" sz="1000" u="none" cap="none" strike="noStrike">
+                <a:solidFill>
+                  <a:schemeClr val="dk2"/>
+                </a:solidFill>
+                <a:latin typeface="Arial"/>
+                <a:ea typeface="Arial"/>
+                <a:cs typeface="Arial"/>
+                <a:sym typeface="Arial"/>
+              </a:defRPr>
             </a:lvl4pPr>
-            <a:lvl5pPr lvl="4">
-              <a:buNone/>
-              <a:defRPr/>
+            <a:lvl5pPr indent="0" lvl="4" marL="0" marR="0" algn="r">
+              <a:lnSpc>
+                <a:spcPct val="100000"/>
+              </a:lnSpc>
+              <a:spcBef>
+                <a:spcPts val="0"/>
+              </a:spcBef>
+              <a:spcAft>
+                <a:spcPts val="0"/>
+              </a:spcAft>
+              <a:buClr>
+                <a:srgbClr val="000000"/>
+              </a:buClr>
+              <a:buSzPts val="1000"/>
+              <a:buFont typeface="Arial"/>
+              <a:buNone/>
+              <a:defRPr b="0" i="0" sz="1000" u="none" cap="none" strike="noStrike">
+                <a:solidFill>
+                  <a:schemeClr val="dk2"/>
+                </a:solidFill>
+                <a:latin typeface="Arial"/>
+                <a:ea typeface="Arial"/>
+                <a:cs typeface="Arial"/>
+                <a:sym typeface="Arial"/>
+              </a:defRPr>
             </a:lvl5pPr>
-            <a:lvl6pPr lvl="5">
-              <a:buNone/>
-              <a:defRPr/>
+            <a:lvl6pPr indent="0" lvl="5" marL="0" marR="0" algn="r">
+              <a:lnSpc>
+                <a:spcPct val="100000"/>
+              </a:lnSpc>
+              <a:spcBef>
+                <a:spcPts val="0"/>
+              </a:spcBef>
+              <a:spcAft>
+                <a:spcPts val="0"/>
+              </a:spcAft>
+              <a:buClr>
+                <a:srgbClr val="000000"/>
+              </a:buClr>
+              <a:buSzPts val="1000"/>
+              <a:buFont typeface="Arial"/>
+              <a:buNone/>
+              <a:defRPr b="0" i="0" sz="1000" u="none" cap="none" strike="noStrike">
+                <a:solidFill>
+                  <a:schemeClr val="dk2"/>
+                </a:solidFill>
+                <a:latin typeface="Arial"/>
+                <a:ea typeface="Arial"/>
+                <a:cs typeface="Arial"/>
+                <a:sym typeface="Arial"/>
+              </a:defRPr>
             </a:lvl6pPr>
-            <a:lvl7pPr lvl="6">
-              <a:buNone/>
-              <a:defRPr/>
+            <a:lvl7pPr indent="0" lvl="6" marL="0" marR="0" algn="r">
+              <a:lnSpc>
+                <a:spcPct val="100000"/>
+              </a:lnSpc>
+              <a:spcBef>
+                <a:spcPts val="0"/>
+              </a:spcBef>
+              <a:spcAft>
+                <a:spcPts val="0"/>
+              </a:spcAft>
+              <a:buClr>
+                <a:srgbClr val="000000"/>
+              </a:buClr>
+              <a:buSzPts val="1000"/>
+              <a:buFont typeface="Arial"/>
+              <a:buNone/>
+              <a:defRPr b="0" i="0" sz="1000" u="none" cap="none" strike="noStrike">
+                <a:solidFill>
+                  <a:schemeClr val="dk2"/>
+                </a:solidFill>
+                <a:latin typeface="Arial"/>
+                <a:ea typeface="Arial"/>
+                <a:cs typeface="Arial"/>
+                <a:sym typeface="Arial"/>
+              </a:defRPr>
             </a:lvl7pPr>
-            <a:lvl8pPr lvl="7">
-              <a:buNone/>
-              <a:defRPr/>
+            <a:lvl8pPr indent="0" lvl="7" marL="0" marR="0" algn="r">
+              <a:lnSpc>
+                <a:spcPct val="100000"/>
+              </a:lnSpc>
+              <a:spcBef>
+                <a:spcPts val="0"/>
+              </a:spcBef>
+              <a:spcAft>
+                <a:spcPts val="0"/>
+              </a:spcAft>
+              <a:buClr>
+                <a:srgbClr val="000000"/>
+              </a:buClr>
+              <a:buSzPts val="1000"/>
+              <a:buFont typeface="Arial"/>
+              <a:buNone/>
+              <a:defRPr b="0" i="0" sz="1000" u="none" cap="none" strike="noStrike">
+                <a:solidFill>
+                  <a:schemeClr val="dk2"/>
+                </a:solidFill>
+                <a:latin typeface="Arial"/>
+                <a:ea typeface="Arial"/>
+                <a:cs typeface="Arial"/>
+                <a:sym typeface="Arial"/>
+              </a:defRPr>
             </a:lvl8pPr>
-            <a:lvl9pPr lvl="8">
-              <a:buNone/>
-              <a:defRPr/>
+            <a:lvl9pPr indent="0" lvl="8" marL="0" marR="0" algn="r">
+              <a:lnSpc>
+                <a:spcPct val="100000"/>
+              </a:lnSpc>
+              <a:spcBef>
+                <a:spcPts val="0"/>
+              </a:spcBef>
+              <a:spcAft>
+                <a:spcPts val="0"/>
+              </a:spcAft>
+              <a:buClr>
+                <a:srgbClr val="000000"/>
+              </a:buClr>
+              <a:buSzPts val="1000"/>
+              <a:buFont typeface="Arial"/>
+              <a:buNone/>
+              <a:defRPr b="0" i="0" sz="1000" u="none" cap="none" strike="noStrike">
+                <a:solidFill>
+                  <a:schemeClr val="dk2"/>
+                </a:solidFill>
+                <a:latin typeface="Arial"/>
+                <a:ea typeface="Arial"/>
+                <a:cs typeface="Arial"/>
+                <a:sym typeface="Arial"/>
+              </a:defRPr>
             </a:lvl9pPr>
           </a:lstStyle>
           <a:p>
@@ -1623,7 +2500,7 @@
       </p:grpSpPr>
       <p:sp>
         <p:nvSpPr>
-          <p:cNvPr id="49" name="Google Shape;49;p12"/>
+          <p:cNvPr id="49" name="Google Shape;49;p14"/>
           <p:cNvSpPr txBox="1"/>
           <p:nvPr>
             <p:ph idx="12" type="sldNum"/>
@@ -1637,47 +2514,249 @@
           <a:prstGeom prst="rect">
             <a:avLst/>
           </a:prstGeom>
+          <a:noFill/>
+          <a:ln>
+            <a:noFill/>
+          </a:ln>
         </p:spPr>
         <p:txBody>
           <a:bodyPr anchorCtr="0" anchor="ctr" bIns="91425" lIns="91425" spcFirstLastPara="1" rIns="91425" wrap="square" tIns="91425">
             <a:normAutofit/>
           </a:bodyPr>
           <a:lstStyle>
-            <a:lvl1pPr lvl="0">
-              <a:buNone/>
-              <a:defRPr/>
+            <a:lvl1pPr indent="0" lvl="0" marL="0" marR="0" algn="r">
+              <a:lnSpc>
+                <a:spcPct val="100000"/>
+              </a:lnSpc>
+              <a:spcBef>
+                <a:spcPts val="0"/>
+              </a:spcBef>
+              <a:spcAft>
+                <a:spcPts val="0"/>
+              </a:spcAft>
+              <a:buClr>
+                <a:srgbClr val="000000"/>
+              </a:buClr>
+              <a:buSzPts val="1000"/>
+              <a:buFont typeface="Arial"/>
+              <a:buNone/>
+              <a:defRPr b="0" i="0" sz="1000" u="none" cap="none" strike="noStrike">
+                <a:solidFill>
+                  <a:schemeClr val="dk2"/>
+                </a:solidFill>
+                <a:latin typeface="Arial"/>
+                <a:ea typeface="Arial"/>
+                <a:cs typeface="Arial"/>
+                <a:sym typeface="Arial"/>
+              </a:defRPr>
             </a:lvl1pPr>
-            <a:lvl2pPr lvl="1">
-              <a:buNone/>
-              <a:defRPr/>
+            <a:lvl2pPr indent="0" lvl="1" marL="0" marR="0" algn="r">
+              <a:lnSpc>
+                <a:spcPct val="100000"/>
+              </a:lnSpc>
+              <a:spcBef>
+                <a:spcPts val="0"/>
+              </a:spcBef>
+              <a:spcAft>
+                <a:spcPts val="0"/>
+              </a:spcAft>
+              <a:buClr>
+                <a:srgbClr val="000000"/>
+              </a:buClr>
+              <a:buSzPts val="1000"/>
+              <a:buFont typeface="Arial"/>
+              <a:buNone/>
+              <a:defRPr b="0" i="0" sz="1000" u="none" cap="none" strike="noStrike">
+                <a:solidFill>
+                  <a:schemeClr val="dk2"/>
+                </a:solidFill>
+                <a:latin typeface="Arial"/>
+                <a:ea typeface="Arial"/>
+                <a:cs typeface="Arial"/>
+                <a:sym typeface="Arial"/>
+              </a:defRPr>
             </a:lvl2pPr>
-            <a:lvl3pPr lvl="2">
-              <a:buNone/>
-              <a:defRPr/>
+            <a:lvl3pPr indent="0" lvl="2" marL="0" marR="0" algn="r">
+              <a:lnSpc>
+                <a:spcPct val="100000"/>
+              </a:lnSpc>
+              <a:spcBef>
+                <a:spcPts val="0"/>
+              </a:spcBef>
+              <a:spcAft>
+                <a:spcPts val="0"/>
+              </a:spcAft>
+              <a:buClr>
+                <a:srgbClr val="000000"/>
+              </a:buClr>
+              <a:buSzPts val="1000"/>
+              <a:buFont typeface="Arial"/>
+              <a:buNone/>
+              <a:defRPr b="0" i="0" sz="1000" u="none" cap="none" strike="noStrike">
+                <a:solidFill>
+                  <a:schemeClr val="dk2"/>
+                </a:solidFill>
+                <a:latin typeface="Arial"/>
+                <a:ea typeface="Arial"/>
+                <a:cs typeface="Arial"/>
+                <a:sym typeface="Arial"/>
+              </a:defRPr>
             </a:lvl3pPr>
-            <a:lvl4pPr lvl="3">
-              <a:buNone/>
-              <a:defRPr/>
+            <a:lvl4pPr indent="0" lvl="3" marL="0" marR="0" algn="r">
+              <a:lnSpc>
+                <a:spcPct val="100000"/>
+              </a:lnSpc>
+              <a:spcBef>
+                <a:spcPts val="0"/>
+              </a:spcBef>
+              <a:spcAft>
+                <a:spcPts val="0"/>
+              </a:spcAft>
+              <a:buClr>
+                <a:srgbClr val="000000"/>
+              </a:buClr>
+              <a:buSzPts val="1000"/>
+              <a:buFont typeface="Arial"/>
+              <a:buNone/>
+              <a:defRPr b="0" i="0" sz="1000" u="none" cap="none" strike="noStrike">
+                <a:solidFill>
+                  <a:schemeClr val="dk2"/>
+                </a:solidFill>
+                <a:latin typeface="Arial"/>
+                <a:ea typeface="Arial"/>
+                <a:cs typeface="Arial"/>
+                <a:sym typeface="Arial"/>
+              </a:defRPr>
             </a:lvl4pPr>
-            <a:lvl5pPr lvl="4">
-              <a:buNone/>
-              <a:defRPr/>
+            <a:lvl5pPr indent="0" lvl="4" marL="0" marR="0" algn="r">
+              <a:lnSpc>
+                <a:spcPct val="100000"/>
+              </a:lnSpc>
+              <a:spcBef>
+                <a:spcPts val="0"/>
+              </a:spcBef>
+              <a:spcAft>
+                <a:spcPts val="0"/>
+              </a:spcAft>
+              <a:buClr>
+                <a:srgbClr val="000000"/>
+              </a:buClr>
+              <a:buSzPts val="1000"/>
+              <a:buFont typeface="Arial"/>
+              <a:buNone/>
+              <a:defRPr b="0" i="0" sz="1000" u="none" cap="none" strike="noStrike">
+                <a:solidFill>
+                  <a:schemeClr val="dk2"/>
+                </a:solidFill>
+                <a:latin typeface="Arial"/>
+                <a:ea typeface="Arial"/>
+                <a:cs typeface="Arial"/>
+                <a:sym typeface="Arial"/>
+              </a:defRPr>
             </a:lvl5pPr>
-            <a:lvl6pPr lvl="5">
-              <a:buNone/>
-              <a:defRPr/>
+            <a:lvl6pPr indent="0" lvl="5" marL="0" marR="0" algn="r">
+              <a:lnSpc>
+                <a:spcPct val="100000"/>
+              </a:lnSpc>
+              <a:spcBef>
+                <a:spcPts val="0"/>
+              </a:spcBef>
+              <a:spcAft>
+                <a:spcPts val="0"/>
+              </a:spcAft>
+              <a:buClr>
+                <a:srgbClr val="000000"/>
+              </a:buClr>
+              <a:buSzPts val="1000"/>
+              <a:buFont typeface="Arial"/>
+              <a:buNone/>
+              <a:defRPr b="0" i="0" sz="1000" u="none" cap="none" strike="noStrike">
+                <a:solidFill>
+                  <a:schemeClr val="dk2"/>
+                </a:solidFill>
+                <a:latin typeface="Arial"/>
+                <a:ea typeface="Arial"/>
+                <a:cs typeface="Arial"/>
+                <a:sym typeface="Arial"/>
+              </a:defRPr>
             </a:lvl6pPr>
-            <a:lvl7pPr lvl="6">
-              <a:buNone/>
-              <a:defRPr/>
+            <a:lvl7pPr indent="0" lvl="6" marL="0" marR="0" algn="r">
+              <a:lnSpc>
+                <a:spcPct val="100000"/>
+              </a:lnSpc>
+              <a:spcBef>
+                <a:spcPts val="0"/>
+              </a:spcBef>
+              <a:spcAft>
+                <a:spcPts val="0"/>
+              </a:spcAft>
+              <a:buClr>
+                <a:srgbClr val="000000"/>
+              </a:buClr>
+              <a:buSzPts val="1000"/>
+              <a:buFont typeface="Arial"/>
+              <a:buNone/>
+              <a:defRPr b="0" i="0" sz="1000" u="none" cap="none" strike="noStrike">
+                <a:solidFill>
+                  <a:schemeClr val="dk2"/>
+                </a:solidFill>
+                <a:latin typeface="Arial"/>
+                <a:ea typeface="Arial"/>
+                <a:cs typeface="Arial"/>
+                <a:sym typeface="Arial"/>
+              </a:defRPr>
             </a:lvl7pPr>
-            <a:lvl8pPr lvl="7">
-              <a:buNone/>
-              <a:defRPr/>
+            <a:lvl8pPr indent="0" lvl="7" marL="0" marR="0" algn="r">
+              <a:lnSpc>
+                <a:spcPct val="100000"/>
+              </a:lnSpc>
+              <a:spcBef>
+                <a:spcPts val="0"/>
+              </a:spcBef>
+              <a:spcAft>
+                <a:spcPts val="0"/>
+              </a:spcAft>
+              <a:buClr>
+                <a:srgbClr val="000000"/>
+              </a:buClr>
+              <a:buSzPts val="1000"/>
+              <a:buFont typeface="Arial"/>
+              <a:buNone/>
+              <a:defRPr b="0" i="0" sz="1000" u="none" cap="none" strike="noStrike">
+                <a:solidFill>
+                  <a:schemeClr val="dk2"/>
+                </a:solidFill>
+                <a:latin typeface="Arial"/>
+                <a:ea typeface="Arial"/>
+                <a:cs typeface="Arial"/>
+                <a:sym typeface="Arial"/>
+              </a:defRPr>
             </a:lvl8pPr>
-            <a:lvl9pPr lvl="8">
-              <a:buNone/>
-              <a:defRPr/>
+            <a:lvl9pPr indent="0" lvl="8" marL="0" marR="0" algn="r">
+              <a:lnSpc>
+                <a:spcPct val="100000"/>
+              </a:lnSpc>
+              <a:spcBef>
+                <a:spcPts val="0"/>
+              </a:spcBef>
+              <a:spcAft>
+                <a:spcPts val="0"/>
+              </a:spcAft>
+              <a:buClr>
+                <a:srgbClr val="000000"/>
+              </a:buClr>
+              <a:buSzPts val="1000"/>
+              <a:buFont typeface="Arial"/>
+              <a:buNone/>
+              <a:defRPr b="0" i="0" sz="1000" u="none" cap="none" strike="noStrike">
+                <a:solidFill>
+                  <a:schemeClr val="dk2"/>
+                </a:solidFill>
+                <a:latin typeface="Arial"/>
+                <a:ea typeface="Arial"/>
+                <a:cs typeface="Arial"/>
+                <a:sym typeface="Arial"/>
+              </a:defRPr>
             </a:lvl9pPr>
           </a:lstStyle>
           <a:p>
@@ -1707,8 +2786,8 @@
 </file>
 
 <file path=ppt/slideLayouts/slideLayout2.xml><?xml version="1.0" encoding="utf-8"?>
-<p:sldLayout xmlns:a="http://schemas.openxmlformats.org/drawingml/2006/main" xmlns:r="http://schemas.openxmlformats.org/officeDocument/2006/relationships" xmlns:mc="http://schemas.openxmlformats.org/markup-compatibility/2006" xmlns:mv="urn:schemas-microsoft-com:mac:vml" xmlns:p="http://schemas.openxmlformats.org/presentationml/2006/main" xmlns:c="http://schemas.openxmlformats.org/drawingml/2006/chart" xmlns:dgm="http://schemas.openxmlformats.org/drawingml/2006/diagram" xmlns:o="urn:schemas-microsoft-com:office:office" xmlns:v="urn:schemas-microsoft-com:vml" xmlns:pvml="urn:schemas-microsoft-com:office:powerpoint" xmlns:com="http://schemas.openxmlformats.org/drawingml/2006/compatibility" xmlns:p14="http://schemas.microsoft.com/office/powerpoint/2010/main" xmlns:p15="http://schemas.microsoft.com/office/powerpoint/2012/main" xmlns:ahyp="http://schemas.microsoft.com/office/drawing/2018/hyperlinkcolor" matchingName="Section header" type="secHead">
-  <p:cSld name="SECTION_HEADER">
+<p:sldLayout xmlns:a="http://schemas.openxmlformats.org/drawingml/2006/main" xmlns:r="http://schemas.openxmlformats.org/officeDocument/2006/relationships" xmlns:mc="http://schemas.openxmlformats.org/markup-compatibility/2006" xmlns:mv="urn:schemas-microsoft-com:mac:vml" xmlns:p="http://schemas.openxmlformats.org/presentationml/2006/main" xmlns:c="http://schemas.openxmlformats.org/drawingml/2006/chart" xmlns:dgm="http://schemas.openxmlformats.org/drawingml/2006/diagram" xmlns:o="urn:schemas-microsoft-com:office:office" xmlns:v="urn:schemas-microsoft-com:vml" xmlns:pvml="urn:schemas-microsoft-com:office:powerpoint" xmlns:com="http://schemas.openxmlformats.org/drawingml/2006/compatibility" xmlns:p14="http://schemas.microsoft.com/office/powerpoint/2010/main" xmlns:p15="http://schemas.microsoft.com/office/powerpoint/2012/main" xmlns:ahyp="http://schemas.microsoft.com/office/drawing/2018/hyperlinkcolor" matchingName="Title and body" type="tx">
+  <p:cSld name="TITLE_AND_BODY">
     <p:spTree>
       <p:nvGrpSpPr>
         <p:cNvPr id="13" name="Shape 13"/>
@@ -1725,7 +2804,7 @@
       </p:grpSpPr>
       <p:sp>
         <p:nvSpPr>
-          <p:cNvPr id="14" name="Google Shape;14;p3"/>
+          <p:cNvPr id="14" name="Google Shape;14;p5"/>
           <p:cNvSpPr txBox="1"/>
           <p:nvPr>
             <p:ph type="title"/>
@@ -1733,116 +2812,147 @@
         </p:nvSpPr>
         <p:spPr>
           <a:xfrm>
-            <a:off x="311700" y="2150850"/>
-            <a:ext cx="8520600" cy="841800"/>
+            <a:off x="311700" y="445025"/>
+            <a:ext cx="8520600" cy="572700"/>
           </a:xfrm>
           <a:prstGeom prst="rect">
             <a:avLst/>
           </a:prstGeom>
+          <a:noFill/>
+          <a:ln>
+            <a:noFill/>
+          </a:ln>
         </p:spPr>
         <p:txBody>
-          <a:bodyPr anchorCtr="0" anchor="ctr" bIns="91425" lIns="91425" spcFirstLastPara="1" rIns="91425" wrap="square" tIns="91425">
+          <a:bodyPr anchorCtr="0" anchor="t" bIns="91425" lIns="91425" spcFirstLastPara="1" rIns="91425" wrap="square" tIns="91425">
             <a:normAutofit/>
           </a:bodyPr>
           <a:lstStyle>
-            <a:lvl1pPr lvl="0" algn="ctr">
-              <a:spcBef>
-                <a:spcPts val="0"/>
-              </a:spcBef>
-              <a:spcAft>
-                <a:spcPts val="0"/>
-              </a:spcAft>
-              <a:buSzPts val="3600"/>
-              <a:buNone/>
-              <a:defRPr sz="3600"/>
+            <a:lvl1pPr lvl="0" algn="l">
+              <a:lnSpc>
+                <a:spcPct val="100000"/>
+              </a:lnSpc>
+              <a:spcBef>
+                <a:spcPts val="0"/>
+              </a:spcBef>
+              <a:spcAft>
+                <a:spcPts val="0"/>
+              </a:spcAft>
+              <a:buSzPts val="2800"/>
+              <a:buNone/>
+              <a:defRPr/>
             </a:lvl1pPr>
-            <a:lvl2pPr lvl="1" algn="ctr">
-              <a:spcBef>
-                <a:spcPts val="0"/>
-              </a:spcBef>
-              <a:spcAft>
-                <a:spcPts val="0"/>
-              </a:spcAft>
-              <a:buSzPts val="3600"/>
-              <a:buNone/>
-              <a:defRPr sz="3600"/>
+            <a:lvl2pPr lvl="1" algn="l">
+              <a:lnSpc>
+                <a:spcPct val="100000"/>
+              </a:lnSpc>
+              <a:spcBef>
+                <a:spcPts val="0"/>
+              </a:spcBef>
+              <a:spcAft>
+                <a:spcPts val="0"/>
+              </a:spcAft>
+              <a:buSzPts val="2800"/>
+              <a:buNone/>
+              <a:defRPr/>
             </a:lvl2pPr>
-            <a:lvl3pPr lvl="2" algn="ctr">
-              <a:spcBef>
-                <a:spcPts val="0"/>
-              </a:spcBef>
-              <a:spcAft>
-                <a:spcPts val="0"/>
-              </a:spcAft>
-              <a:buSzPts val="3600"/>
-              <a:buNone/>
-              <a:defRPr sz="3600"/>
+            <a:lvl3pPr lvl="2" algn="l">
+              <a:lnSpc>
+                <a:spcPct val="100000"/>
+              </a:lnSpc>
+              <a:spcBef>
+                <a:spcPts val="0"/>
+              </a:spcBef>
+              <a:spcAft>
+                <a:spcPts val="0"/>
+              </a:spcAft>
+              <a:buSzPts val="2800"/>
+              <a:buNone/>
+              <a:defRPr/>
             </a:lvl3pPr>
-            <a:lvl4pPr lvl="3" algn="ctr">
-              <a:spcBef>
-                <a:spcPts val="0"/>
-              </a:spcBef>
-              <a:spcAft>
-                <a:spcPts val="0"/>
-              </a:spcAft>
-              <a:buSzPts val="3600"/>
-              <a:buNone/>
-              <a:defRPr sz="3600"/>
+            <a:lvl4pPr lvl="3" algn="l">
+              <a:lnSpc>
+                <a:spcPct val="100000"/>
+              </a:lnSpc>
+              <a:spcBef>
+                <a:spcPts val="0"/>
+              </a:spcBef>
+              <a:spcAft>
+                <a:spcPts val="0"/>
+              </a:spcAft>
+              <a:buSzPts val="2800"/>
+              <a:buNone/>
+              <a:defRPr/>
             </a:lvl4pPr>
-            <a:lvl5pPr lvl="4" algn="ctr">
-              <a:spcBef>
-                <a:spcPts val="0"/>
-              </a:spcBef>
-              <a:spcAft>
-                <a:spcPts val="0"/>
-              </a:spcAft>
-              <a:buSzPts val="3600"/>
-              <a:buNone/>
-              <a:defRPr sz="3600"/>
+            <a:lvl5pPr lvl="4" algn="l">
+              <a:lnSpc>
+                <a:spcPct val="100000"/>
+              </a:lnSpc>
+              <a:spcBef>
+                <a:spcPts val="0"/>
+              </a:spcBef>
+              <a:spcAft>
+                <a:spcPts val="0"/>
+              </a:spcAft>
+              <a:buSzPts val="2800"/>
+              <a:buNone/>
+              <a:defRPr/>
             </a:lvl5pPr>
-            <a:lvl6pPr lvl="5" algn="ctr">
-              <a:spcBef>
-                <a:spcPts val="0"/>
-              </a:spcBef>
-              <a:spcAft>
-                <a:spcPts val="0"/>
-              </a:spcAft>
-              <a:buSzPts val="3600"/>
-              <a:buNone/>
-              <a:defRPr sz="3600"/>
+            <a:lvl6pPr lvl="5" algn="l">
+              <a:lnSpc>
+                <a:spcPct val="100000"/>
+              </a:lnSpc>
+              <a:spcBef>
+                <a:spcPts val="0"/>
+              </a:spcBef>
+              <a:spcAft>
+                <a:spcPts val="0"/>
+              </a:spcAft>
+              <a:buSzPts val="2800"/>
+              <a:buNone/>
+              <a:defRPr/>
             </a:lvl6pPr>
-            <a:lvl7pPr lvl="6" algn="ctr">
-              <a:spcBef>
-                <a:spcPts val="0"/>
-              </a:spcBef>
-              <a:spcAft>
-                <a:spcPts val="0"/>
-              </a:spcAft>
-              <a:buSzPts val="3600"/>
-              <a:buNone/>
-              <a:defRPr sz="3600"/>
+            <a:lvl7pPr lvl="6" algn="l">
+              <a:lnSpc>
+                <a:spcPct val="100000"/>
+              </a:lnSpc>
+              <a:spcBef>
+                <a:spcPts val="0"/>
+              </a:spcBef>
+              <a:spcAft>
+                <a:spcPts val="0"/>
+              </a:spcAft>
+              <a:buSzPts val="2800"/>
+              <a:buNone/>
+              <a:defRPr/>
             </a:lvl7pPr>
-            <a:lvl8pPr lvl="7" algn="ctr">
-              <a:spcBef>
-                <a:spcPts val="0"/>
-              </a:spcBef>
-              <a:spcAft>
-                <a:spcPts val="0"/>
-              </a:spcAft>
-              <a:buSzPts val="3600"/>
-              <a:buNone/>
-              <a:defRPr sz="3600"/>
+            <a:lvl8pPr lvl="7" algn="l">
+              <a:lnSpc>
+                <a:spcPct val="100000"/>
+              </a:lnSpc>
+              <a:spcBef>
+                <a:spcPts val="0"/>
+              </a:spcBef>
+              <a:spcAft>
+                <a:spcPts val="0"/>
+              </a:spcAft>
+              <a:buSzPts val="2800"/>
+              <a:buNone/>
+              <a:defRPr/>
             </a:lvl8pPr>
-            <a:lvl9pPr lvl="8" algn="ctr">
-              <a:spcBef>
-                <a:spcPts val="0"/>
-              </a:spcBef>
-              <a:spcAft>
-                <a:spcPts val="0"/>
-              </a:spcAft>
-              <a:buSzPts val="3600"/>
-              <a:buNone/>
-              <a:defRPr sz="3600"/>
+            <a:lvl9pPr lvl="8" algn="l">
+              <a:lnSpc>
+                <a:spcPct val="100000"/>
+              </a:lnSpc>
+              <a:spcBef>
+                <a:spcPts val="0"/>
+              </a:spcBef>
+              <a:spcAft>
+                <a:spcPts val="0"/>
+              </a:spcAft>
+              <a:buSzPts val="2800"/>
+              <a:buNone/>
+              <a:defRPr/>
             </a:lvl9pPr>
           </a:lstStyle>
           <a:p/>
@@ -1850,7 +2960,163 @@
       </p:sp>
       <p:sp>
         <p:nvSpPr>
-          <p:cNvPr id="15" name="Google Shape;15;p3"/>
+          <p:cNvPr id="15" name="Google Shape;15;p5"/>
+          <p:cNvSpPr txBox="1"/>
+          <p:nvPr>
+            <p:ph idx="1" type="body"/>
+          </p:nvPr>
+        </p:nvSpPr>
+        <p:spPr>
+          <a:xfrm>
+            <a:off x="311700" y="1152475"/>
+            <a:ext cx="8520600" cy="3416400"/>
+          </a:xfrm>
+          <a:prstGeom prst="rect">
+            <a:avLst/>
+          </a:prstGeom>
+          <a:noFill/>
+          <a:ln>
+            <a:noFill/>
+          </a:ln>
+        </p:spPr>
+        <p:txBody>
+          <a:bodyPr anchorCtr="0" anchor="t" bIns="91425" lIns="91425" spcFirstLastPara="1" rIns="91425" wrap="square" tIns="91425">
+            <a:normAutofit/>
+          </a:bodyPr>
+          <a:lstStyle>
+            <a:lvl1pPr indent="-342900" lvl="0" marL="457200" algn="l">
+              <a:lnSpc>
+                <a:spcPct val="115000"/>
+              </a:lnSpc>
+              <a:spcBef>
+                <a:spcPts val="0"/>
+              </a:spcBef>
+              <a:spcAft>
+                <a:spcPts val="0"/>
+              </a:spcAft>
+              <a:buSzPts val="1800"/>
+              <a:buChar char="●"/>
+              <a:defRPr/>
+            </a:lvl1pPr>
+            <a:lvl2pPr indent="-317500" lvl="1" marL="914400" algn="l">
+              <a:lnSpc>
+                <a:spcPct val="115000"/>
+              </a:lnSpc>
+              <a:spcBef>
+                <a:spcPts val="0"/>
+              </a:spcBef>
+              <a:spcAft>
+                <a:spcPts val="0"/>
+              </a:spcAft>
+              <a:buSzPts val="1400"/>
+              <a:buChar char="○"/>
+              <a:defRPr/>
+            </a:lvl2pPr>
+            <a:lvl3pPr indent="-317500" lvl="2" marL="1371600" algn="l">
+              <a:lnSpc>
+                <a:spcPct val="115000"/>
+              </a:lnSpc>
+              <a:spcBef>
+                <a:spcPts val="0"/>
+              </a:spcBef>
+              <a:spcAft>
+                <a:spcPts val="0"/>
+              </a:spcAft>
+              <a:buSzPts val="1400"/>
+              <a:buChar char="■"/>
+              <a:defRPr/>
+            </a:lvl3pPr>
+            <a:lvl4pPr indent="-317500" lvl="3" marL="1828800" algn="l">
+              <a:lnSpc>
+                <a:spcPct val="115000"/>
+              </a:lnSpc>
+              <a:spcBef>
+                <a:spcPts val="0"/>
+              </a:spcBef>
+              <a:spcAft>
+                <a:spcPts val="0"/>
+              </a:spcAft>
+              <a:buSzPts val="1400"/>
+              <a:buChar char="●"/>
+              <a:defRPr/>
+            </a:lvl4pPr>
+            <a:lvl5pPr indent="-317500" lvl="4" marL="2286000" algn="l">
+              <a:lnSpc>
+                <a:spcPct val="115000"/>
+              </a:lnSpc>
+              <a:spcBef>
+                <a:spcPts val="0"/>
+              </a:spcBef>
+              <a:spcAft>
+                <a:spcPts val="0"/>
+              </a:spcAft>
+              <a:buSzPts val="1400"/>
+              <a:buChar char="○"/>
+              <a:defRPr/>
+            </a:lvl5pPr>
+            <a:lvl6pPr indent="-317500" lvl="5" marL="2743200" algn="l">
+              <a:lnSpc>
+                <a:spcPct val="115000"/>
+              </a:lnSpc>
+              <a:spcBef>
+                <a:spcPts val="0"/>
+              </a:spcBef>
+              <a:spcAft>
+                <a:spcPts val="0"/>
+              </a:spcAft>
+              <a:buSzPts val="1400"/>
+              <a:buChar char="■"/>
+              <a:defRPr/>
+            </a:lvl6pPr>
+            <a:lvl7pPr indent="-317500" lvl="6" marL="3200400" algn="l">
+              <a:lnSpc>
+                <a:spcPct val="115000"/>
+              </a:lnSpc>
+              <a:spcBef>
+                <a:spcPts val="0"/>
+              </a:spcBef>
+              <a:spcAft>
+                <a:spcPts val="0"/>
+              </a:spcAft>
+              <a:buSzPts val="1400"/>
+              <a:buChar char="●"/>
+              <a:defRPr/>
+            </a:lvl7pPr>
+            <a:lvl8pPr indent="-317500" lvl="7" marL="3657600" algn="l">
+              <a:lnSpc>
+                <a:spcPct val="115000"/>
+              </a:lnSpc>
+              <a:spcBef>
+                <a:spcPts val="0"/>
+              </a:spcBef>
+              <a:spcAft>
+                <a:spcPts val="0"/>
+              </a:spcAft>
+              <a:buSzPts val="1400"/>
+              <a:buChar char="○"/>
+              <a:defRPr/>
+            </a:lvl8pPr>
+            <a:lvl9pPr indent="-317500" lvl="8" marL="4114800" algn="l">
+              <a:lnSpc>
+                <a:spcPct val="115000"/>
+              </a:lnSpc>
+              <a:spcBef>
+                <a:spcPts val="0"/>
+              </a:spcBef>
+              <a:spcAft>
+                <a:spcPts val="0"/>
+              </a:spcAft>
+              <a:buSzPts val="1400"/>
+              <a:buChar char="■"/>
+              <a:defRPr/>
+            </a:lvl9pPr>
+          </a:lstStyle>
+          <a:p/>
+        </p:txBody>
+      </p:sp>
+      <p:sp>
+        <p:nvSpPr>
+          <p:cNvPr id="16" name="Google Shape;16;p5"/>
           <p:cNvSpPr txBox="1"/>
           <p:nvPr>
             <p:ph idx="12" type="sldNum"/>
@@ -1864,47 +3130,249 @@
           <a:prstGeom prst="rect">
             <a:avLst/>
           </a:prstGeom>
+          <a:noFill/>
+          <a:ln>
+            <a:noFill/>
+          </a:ln>
         </p:spPr>
         <p:txBody>
           <a:bodyPr anchorCtr="0" anchor="ctr" bIns="91425" lIns="91425" spcFirstLastPara="1" rIns="91425" wrap="square" tIns="91425">
             <a:normAutofit/>
           </a:bodyPr>
           <a:lstStyle>
-            <a:lvl1pPr lvl="0">
-              <a:buNone/>
-              <a:defRPr/>
+            <a:lvl1pPr indent="0" lvl="0" marL="0" marR="0" algn="r">
+              <a:lnSpc>
+                <a:spcPct val="100000"/>
+              </a:lnSpc>
+              <a:spcBef>
+                <a:spcPts val="0"/>
+              </a:spcBef>
+              <a:spcAft>
+                <a:spcPts val="0"/>
+              </a:spcAft>
+              <a:buClr>
+                <a:srgbClr val="000000"/>
+              </a:buClr>
+              <a:buSzPts val="1000"/>
+              <a:buFont typeface="Arial"/>
+              <a:buNone/>
+              <a:defRPr b="0" i="0" sz="1000" u="none" cap="none" strike="noStrike">
+                <a:solidFill>
+                  <a:schemeClr val="dk2"/>
+                </a:solidFill>
+                <a:latin typeface="Arial"/>
+                <a:ea typeface="Arial"/>
+                <a:cs typeface="Arial"/>
+                <a:sym typeface="Arial"/>
+              </a:defRPr>
             </a:lvl1pPr>
-            <a:lvl2pPr lvl="1">
-              <a:buNone/>
-              <a:defRPr/>
+            <a:lvl2pPr indent="0" lvl="1" marL="0" marR="0" algn="r">
+              <a:lnSpc>
+                <a:spcPct val="100000"/>
+              </a:lnSpc>
+              <a:spcBef>
+                <a:spcPts val="0"/>
+              </a:spcBef>
+              <a:spcAft>
+                <a:spcPts val="0"/>
+              </a:spcAft>
+              <a:buClr>
+                <a:srgbClr val="000000"/>
+              </a:buClr>
+              <a:buSzPts val="1000"/>
+              <a:buFont typeface="Arial"/>
+              <a:buNone/>
+              <a:defRPr b="0" i="0" sz="1000" u="none" cap="none" strike="noStrike">
+                <a:solidFill>
+                  <a:schemeClr val="dk2"/>
+                </a:solidFill>
+                <a:latin typeface="Arial"/>
+                <a:ea typeface="Arial"/>
+                <a:cs typeface="Arial"/>
+                <a:sym typeface="Arial"/>
+              </a:defRPr>
             </a:lvl2pPr>
-            <a:lvl3pPr lvl="2">
-              <a:buNone/>
-              <a:defRPr/>
+            <a:lvl3pPr indent="0" lvl="2" marL="0" marR="0" algn="r">
+              <a:lnSpc>
+                <a:spcPct val="100000"/>
+              </a:lnSpc>
+              <a:spcBef>
+                <a:spcPts val="0"/>
+              </a:spcBef>
+              <a:spcAft>
+                <a:spcPts val="0"/>
+              </a:spcAft>
+              <a:buClr>
+                <a:srgbClr val="000000"/>
+              </a:buClr>
+              <a:buSzPts val="1000"/>
+              <a:buFont typeface="Arial"/>
+              <a:buNone/>
+              <a:defRPr b="0" i="0" sz="1000" u="none" cap="none" strike="noStrike">
+                <a:solidFill>
+                  <a:schemeClr val="dk2"/>
+                </a:solidFill>
+                <a:latin typeface="Arial"/>
+                <a:ea typeface="Arial"/>
+                <a:cs typeface="Arial"/>
+                <a:sym typeface="Arial"/>
+              </a:defRPr>
             </a:lvl3pPr>
-            <a:lvl4pPr lvl="3">
-              <a:buNone/>
-              <a:defRPr/>
+            <a:lvl4pPr indent="0" lvl="3" marL="0" marR="0" algn="r">
+              <a:lnSpc>
+                <a:spcPct val="100000"/>
+              </a:lnSpc>
+              <a:spcBef>
+                <a:spcPts val="0"/>
+              </a:spcBef>
+              <a:spcAft>
+                <a:spcPts val="0"/>
+              </a:spcAft>
+              <a:buClr>
+                <a:srgbClr val="000000"/>
+              </a:buClr>
+              <a:buSzPts val="1000"/>
+              <a:buFont typeface="Arial"/>
+              <a:buNone/>
+              <a:defRPr b="0" i="0" sz="1000" u="none" cap="none" strike="noStrike">
+                <a:solidFill>
+                  <a:schemeClr val="dk2"/>
+                </a:solidFill>
+                <a:latin typeface="Arial"/>
+                <a:ea typeface="Arial"/>
+                <a:cs typeface="Arial"/>
+                <a:sym typeface="Arial"/>
+              </a:defRPr>
             </a:lvl4pPr>
-            <a:lvl5pPr lvl="4">
-              <a:buNone/>
-              <a:defRPr/>
+            <a:lvl5pPr indent="0" lvl="4" marL="0" marR="0" algn="r">
+              <a:lnSpc>
+                <a:spcPct val="100000"/>
+              </a:lnSpc>
+              <a:spcBef>
+                <a:spcPts val="0"/>
+              </a:spcBef>
+              <a:spcAft>
+                <a:spcPts val="0"/>
+              </a:spcAft>
+              <a:buClr>
+                <a:srgbClr val="000000"/>
+              </a:buClr>
+              <a:buSzPts val="1000"/>
+              <a:buFont typeface="Arial"/>
+              <a:buNone/>
+              <a:defRPr b="0" i="0" sz="1000" u="none" cap="none" strike="noStrike">
+                <a:solidFill>
+                  <a:schemeClr val="dk2"/>
+                </a:solidFill>
+                <a:latin typeface="Arial"/>
+                <a:ea typeface="Arial"/>
+                <a:cs typeface="Arial"/>
+                <a:sym typeface="Arial"/>
+              </a:defRPr>
             </a:lvl5pPr>
-            <a:lvl6pPr lvl="5">
-              <a:buNone/>
-              <a:defRPr/>
+            <a:lvl6pPr indent="0" lvl="5" marL="0" marR="0" algn="r">
+              <a:lnSpc>
+                <a:spcPct val="100000"/>
+              </a:lnSpc>
+              <a:spcBef>
+                <a:spcPts val="0"/>
+              </a:spcBef>
+              <a:spcAft>
+                <a:spcPts val="0"/>
+              </a:spcAft>
+              <a:buClr>
+                <a:srgbClr val="000000"/>
+              </a:buClr>
+              <a:buSzPts val="1000"/>
+              <a:buFont typeface="Arial"/>
+              <a:buNone/>
+              <a:defRPr b="0" i="0" sz="1000" u="none" cap="none" strike="noStrike">
+                <a:solidFill>
+                  <a:schemeClr val="dk2"/>
+                </a:solidFill>
+                <a:latin typeface="Arial"/>
+                <a:ea typeface="Arial"/>
+                <a:cs typeface="Arial"/>
+                <a:sym typeface="Arial"/>
+              </a:defRPr>
             </a:lvl6pPr>
-            <a:lvl7pPr lvl="6">
-              <a:buNone/>
-              <a:defRPr/>
+            <a:lvl7pPr indent="0" lvl="6" marL="0" marR="0" algn="r">
+              <a:lnSpc>
+                <a:spcPct val="100000"/>
+              </a:lnSpc>
+              <a:spcBef>
+                <a:spcPts val="0"/>
+              </a:spcBef>
+              <a:spcAft>
+                <a:spcPts val="0"/>
+              </a:spcAft>
+              <a:buClr>
+                <a:srgbClr val="000000"/>
+              </a:buClr>
+              <a:buSzPts val="1000"/>
+              <a:buFont typeface="Arial"/>
+              <a:buNone/>
+              <a:defRPr b="0" i="0" sz="1000" u="none" cap="none" strike="noStrike">
+                <a:solidFill>
+                  <a:schemeClr val="dk2"/>
+                </a:solidFill>
+                <a:latin typeface="Arial"/>
+                <a:ea typeface="Arial"/>
+                <a:cs typeface="Arial"/>
+                <a:sym typeface="Arial"/>
+              </a:defRPr>
             </a:lvl7pPr>
-            <a:lvl8pPr lvl="7">
-              <a:buNone/>
-              <a:defRPr/>
+            <a:lvl8pPr indent="0" lvl="7" marL="0" marR="0" algn="r">
+              <a:lnSpc>
+                <a:spcPct val="100000"/>
+              </a:lnSpc>
+              <a:spcBef>
+                <a:spcPts val="0"/>
+              </a:spcBef>
+              <a:spcAft>
+                <a:spcPts val="0"/>
+              </a:spcAft>
+              <a:buClr>
+                <a:srgbClr val="000000"/>
+              </a:buClr>
+              <a:buSzPts val="1000"/>
+              <a:buFont typeface="Arial"/>
+              <a:buNone/>
+              <a:defRPr b="0" i="0" sz="1000" u="none" cap="none" strike="noStrike">
+                <a:solidFill>
+                  <a:schemeClr val="dk2"/>
+                </a:solidFill>
+                <a:latin typeface="Arial"/>
+                <a:ea typeface="Arial"/>
+                <a:cs typeface="Arial"/>
+                <a:sym typeface="Arial"/>
+              </a:defRPr>
             </a:lvl8pPr>
-            <a:lvl9pPr lvl="8">
-              <a:buNone/>
-              <a:defRPr/>
+            <a:lvl9pPr indent="0" lvl="8" marL="0" marR="0" algn="r">
+              <a:lnSpc>
+                <a:spcPct val="100000"/>
+              </a:lnSpc>
+              <a:spcBef>
+                <a:spcPts val="0"/>
+              </a:spcBef>
+              <a:spcAft>
+                <a:spcPts val="0"/>
+              </a:spcAft>
+              <a:buClr>
+                <a:srgbClr val="000000"/>
+              </a:buClr>
+              <a:buSzPts val="1000"/>
+              <a:buFont typeface="Arial"/>
+              <a:buNone/>
+              <a:defRPr b="0" i="0" sz="1000" u="none" cap="none" strike="noStrike">
+                <a:solidFill>
+                  <a:schemeClr val="dk2"/>
+                </a:solidFill>
+                <a:latin typeface="Arial"/>
+                <a:ea typeface="Arial"/>
+                <a:cs typeface="Arial"/>
+                <a:sym typeface="Arial"/>
+              </a:defRPr>
             </a:lvl9pPr>
           </a:lstStyle>
           <a:p>
@@ -1934,11 +3402,11 @@
 </file>
 
 <file path=ppt/slideLayouts/slideLayout3.xml><?xml version="1.0" encoding="utf-8"?>
-<p:sldLayout xmlns:a="http://schemas.openxmlformats.org/drawingml/2006/main" xmlns:r="http://schemas.openxmlformats.org/officeDocument/2006/relationships" xmlns:mc="http://schemas.openxmlformats.org/markup-compatibility/2006" xmlns:mv="urn:schemas-microsoft-com:mac:vml" xmlns:p="http://schemas.openxmlformats.org/presentationml/2006/main" xmlns:c="http://schemas.openxmlformats.org/drawingml/2006/chart" xmlns:dgm="http://schemas.openxmlformats.org/drawingml/2006/diagram" xmlns:o="urn:schemas-microsoft-com:office:office" xmlns:v="urn:schemas-microsoft-com:vml" xmlns:pvml="urn:schemas-microsoft-com:office:powerpoint" xmlns:com="http://schemas.openxmlformats.org/drawingml/2006/compatibility" xmlns:p14="http://schemas.microsoft.com/office/powerpoint/2010/main" xmlns:p15="http://schemas.microsoft.com/office/powerpoint/2012/main" xmlns:ahyp="http://schemas.microsoft.com/office/drawing/2018/hyperlinkcolor" matchingName="Title and body" type="tx">
-  <p:cSld name="TITLE_AND_BODY">
+<p:sldLayout xmlns:a="http://schemas.openxmlformats.org/drawingml/2006/main" xmlns:r="http://schemas.openxmlformats.org/officeDocument/2006/relationships" xmlns:mc="http://schemas.openxmlformats.org/markup-compatibility/2006" xmlns:mv="urn:schemas-microsoft-com:mac:vml" xmlns:p="http://schemas.openxmlformats.org/presentationml/2006/main" xmlns:c="http://schemas.openxmlformats.org/drawingml/2006/chart" xmlns:dgm="http://schemas.openxmlformats.org/drawingml/2006/diagram" xmlns:o="urn:schemas-microsoft-com:office:office" xmlns:v="urn:schemas-microsoft-com:vml" xmlns:pvml="urn:schemas-microsoft-com:office:powerpoint" xmlns:com="http://schemas.openxmlformats.org/drawingml/2006/compatibility" xmlns:p14="http://schemas.microsoft.com/office/powerpoint/2010/main" xmlns:p15="http://schemas.microsoft.com/office/powerpoint/2012/main" xmlns:ahyp="http://schemas.microsoft.com/office/drawing/2018/hyperlinkcolor" matchingName="Section header" type="secHead">
+  <p:cSld name="SECTION_HEADER">
     <p:spTree>
       <p:nvGrpSpPr>
-        <p:cNvPr id="16" name="Shape 16"/>
+        <p:cNvPr id="17" name="Shape 17"/>
         <p:cNvGrpSpPr/>
         <p:nvPr/>
       </p:nvGrpSpPr>
@@ -1952,7 +3420,7 @@
       </p:grpSpPr>
       <p:sp>
         <p:nvSpPr>
-          <p:cNvPr id="17" name="Google Shape;17;p4"/>
+          <p:cNvPr id="18" name="Google Shape;18;p6"/>
           <p:cNvSpPr txBox="1"/>
           <p:nvPr>
             <p:ph type="title"/>
@@ -1960,116 +3428,147 @@
         </p:nvSpPr>
         <p:spPr>
           <a:xfrm>
-            <a:off x="311700" y="445025"/>
-            <a:ext cx="8520600" cy="572700"/>
+            <a:off x="311700" y="2150850"/>
+            <a:ext cx="8520600" cy="841800"/>
           </a:xfrm>
           <a:prstGeom prst="rect">
             <a:avLst/>
           </a:prstGeom>
+          <a:noFill/>
+          <a:ln>
+            <a:noFill/>
+          </a:ln>
         </p:spPr>
         <p:txBody>
-          <a:bodyPr anchorCtr="0" anchor="t" bIns="91425" lIns="91425" spcFirstLastPara="1" rIns="91425" wrap="square" tIns="91425">
+          <a:bodyPr anchorCtr="0" anchor="ctr" bIns="91425" lIns="91425" spcFirstLastPara="1" rIns="91425" wrap="square" tIns="91425">
             <a:normAutofit/>
           </a:bodyPr>
           <a:lstStyle>
-            <a:lvl1pPr lvl="0">
-              <a:spcBef>
-                <a:spcPts val="0"/>
-              </a:spcBef>
-              <a:spcAft>
-                <a:spcPts val="0"/>
-              </a:spcAft>
-              <a:buSzPts val="2800"/>
-              <a:buNone/>
-              <a:defRPr/>
+            <a:lvl1pPr lvl="0" algn="ctr">
+              <a:lnSpc>
+                <a:spcPct val="100000"/>
+              </a:lnSpc>
+              <a:spcBef>
+                <a:spcPts val="0"/>
+              </a:spcBef>
+              <a:spcAft>
+                <a:spcPts val="0"/>
+              </a:spcAft>
+              <a:buSzPts val="3600"/>
+              <a:buNone/>
+              <a:defRPr sz="3600"/>
             </a:lvl1pPr>
-            <a:lvl2pPr lvl="1">
-              <a:spcBef>
-                <a:spcPts val="0"/>
-              </a:spcBef>
-              <a:spcAft>
-                <a:spcPts val="0"/>
-              </a:spcAft>
-              <a:buSzPts val="2800"/>
-              <a:buNone/>
-              <a:defRPr/>
+            <a:lvl2pPr lvl="1" algn="ctr">
+              <a:lnSpc>
+                <a:spcPct val="100000"/>
+              </a:lnSpc>
+              <a:spcBef>
+                <a:spcPts val="0"/>
+              </a:spcBef>
+              <a:spcAft>
+                <a:spcPts val="0"/>
+              </a:spcAft>
+              <a:buSzPts val="3600"/>
+              <a:buNone/>
+              <a:defRPr sz="3600"/>
             </a:lvl2pPr>
-            <a:lvl3pPr lvl="2">
-              <a:spcBef>
-                <a:spcPts val="0"/>
-              </a:spcBef>
-              <a:spcAft>
-                <a:spcPts val="0"/>
-              </a:spcAft>
-              <a:buSzPts val="2800"/>
-              <a:buNone/>
-              <a:defRPr/>
+            <a:lvl3pPr lvl="2" algn="ctr">
+              <a:lnSpc>
+                <a:spcPct val="100000"/>
+              </a:lnSpc>
+              <a:spcBef>
+                <a:spcPts val="0"/>
+              </a:spcBef>
+              <a:spcAft>
+                <a:spcPts val="0"/>
+              </a:spcAft>
+              <a:buSzPts val="3600"/>
+              <a:buNone/>
+              <a:defRPr sz="3600"/>
             </a:lvl3pPr>
-            <a:lvl4pPr lvl="3">
-              <a:spcBef>
-                <a:spcPts val="0"/>
-              </a:spcBef>
-              <a:spcAft>
-                <a:spcPts val="0"/>
-              </a:spcAft>
-              <a:buSzPts val="2800"/>
-              <a:buNone/>
-              <a:defRPr/>
+            <a:lvl4pPr lvl="3" algn="ctr">
+              <a:lnSpc>
+                <a:spcPct val="100000"/>
+              </a:lnSpc>
+              <a:spcBef>
+                <a:spcPts val="0"/>
+              </a:spcBef>
+              <a:spcAft>
+                <a:spcPts val="0"/>
+              </a:spcAft>
+              <a:buSzPts val="3600"/>
+              <a:buNone/>
+              <a:defRPr sz="3600"/>
             </a:lvl4pPr>
-            <a:lvl5pPr lvl="4">
-              <a:spcBef>
-                <a:spcPts val="0"/>
-              </a:spcBef>
-              <a:spcAft>
-                <a:spcPts val="0"/>
-              </a:spcAft>
-              <a:buSzPts val="2800"/>
-              <a:buNone/>
-              <a:defRPr/>
+            <a:lvl5pPr lvl="4" algn="ctr">
+              <a:lnSpc>
+                <a:spcPct val="100000"/>
+              </a:lnSpc>
+              <a:spcBef>
+                <a:spcPts val="0"/>
+              </a:spcBef>
+              <a:spcAft>
+                <a:spcPts val="0"/>
+              </a:spcAft>
+              <a:buSzPts val="3600"/>
+              <a:buNone/>
+              <a:defRPr sz="3600"/>
             </a:lvl5pPr>
-            <a:lvl6pPr lvl="5">
-              <a:spcBef>
-                <a:spcPts val="0"/>
-              </a:spcBef>
-              <a:spcAft>
-                <a:spcPts val="0"/>
-              </a:spcAft>
-              <a:buSzPts val="2800"/>
-              <a:buNone/>
-              <a:defRPr/>
+            <a:lvl6pPr lvl="5" algn="ctr">
+              <a:lnSpc>
+                <a:spcPct val="100000"/>
+              </a:lnSpc>
+              <a:spcBef>
+                <a:spcPts val="0"/>
+              </a:spcBef>
+              <a:spcAft>
+                <a:spcPts val="0"/>
+              </a:spcAft>
+              <a:buSzPts val="3600"/>
+              <a:buNone/>
+              <a:defRPr sz="3600"/>
             </a:lvl6pPr>
-            <a:lvl7pPr lvl="6">
-              <a:spcBef>
-                <a:spcPts val="0"/>
-              </a:spcBef>
-              <a:spcAft>
-                <a:spcPts val="0"/>
-              </a:spcAft>
-              <a:buSzPts val="2800"/>
-              <a:buNone/>
-              <a:defRPr/>
+            <a:lvl7pPr lvl="6" algn="ctr">
+              <a:lnSpc>
+                <a:spcPct val="100000"/>
+              </a:lnSpc>
+              <a:spcBef>
+                <a:spcPts val="0"/>
+              </a:spcBef>
+              <a:spcAft>
+                <a:spcPts val="0"/>
+              </a:spcAft>
+              <a:buSzPts val="3600"/>
+              <a:buNone/>
+              <a:defRPr sz="3600"/>
             </a:lvl7pPr>
-            <a:lvl8pPr lvl="7">
-              <a:spcBef>
-                <a:spcPts val="0"/>
-              </a:spcBef>
-              <a:spcAft>
-                <a:spcPts val="0"/>
-              </a:spcAft>
-              <a:buSzPts val="2800"/>
-              <a:buNone/>
-              <a:defRPr/>
+            <a:lvl8pPr lvl="7" algn="ctr">
+              <a:lnSpc>
+                <a:spcPct val="100000"/>
+              </a:lnSpc>
+              <a:spcBef>
+                <a:spcPts val="0"/>
+              </a:spcBef>
+              <a:spcAft>
+                <a:spcPts val="0"/>
+              </a:spcAft>
+              <a:buSzPts val="3600"/>
+              <a:buNone/>
+              <a:defRPr sz="3600"/>
             </a:lvl8pPr>
-            <a:lvl9pPr lvl="8">
-              <a:spcBef>
-                <a:spcPts val="0"/>
-              </a:spcBef>
-              <a:spcAft>
-                <a:spcPts val="0"/>
-              </a:spcAft>
-              <a:buSzPts val="2800"/>
-              <a:buNone/>
-              <a:defRPr/>
+            <a:lvl9pPr lvl="8" algn="ctr">
+              <a:lnSpc>
+                <a:spcPct val="100000"/>
+              </a:lnSpc>
+              <a:spcBef>
+                <a:spcPts val="0"/>
+              </a:spcBef>
+              <a:spcAft>
+                <a:spcPts val="0"/>
+              </a:spcAft>
+              <a:buSzPts val="3600"/>
+              <a:buNone/>
+              <a:defRPr sz="3600"/>
             </a:lvl9pPr>
           </a:lstStyle>
           <a:p/>
@@ -2077,132 +3576,7 @@
       </p:sp>
       <p:sp>
         <p:nvSpPr>
-          <p:cNvPr id="18" name="Google Shape;18;p4"/>
-          <p:cNvSpPr txBox="1"/>
-          <p:nvPr>
-            <p:ph idx="1" type="body"/>
-          </p:nvPr>
-        </p:nvSpPr>
-        <p:spPr>
-          <a:xfrm>
-            <a:off x="311700" y="1152475"/>
-            <a:ext cx="8520600" cy="3416400"/>
-          </a:xfrm>
-          <a:prstGeom prst="rect">
-            <a:avLst/>
-          </a:prstGeom>
-        </p:spPr>
-        <p:txBody>
-          <a:bodyPr anchorCtr="0" anchor="t" bIns="91425" lIns="91425" spcFirstLastPara="1" rIns="91425" wrap="square" tIns="91425">
-            <a:normAutofit/>
-          </a:bodyPr>
-          <a:lstStyle>
-            <a:lvl1pPr indent="-342900" lvl="0" marL="457200">
-              <a:spcBef>
-                <a:spcPts val="0"/>
-              </a:spcBef>
-              <a:spcAft>
-                <a:spcPts val="0"/>
-              </a:spcAft>
-              <a:buSzPts val="1800"/>
-              <a:buChar char="●"/>
-              <a:defRPr/>
-            </a:lvl1pPr>
-            <a:lvl2pPr indent="-317500" lvl="1" marL="914400">
-              <a:spcBef>
-                <a:spcPts val="0"/>
-              </a:spcBef>
-              <a:spcAft>
-                <a:spcPts val="0"/>
-              </a:spcAft>
-              <a:buSzPts val="1400"/>
-              <a:buChar char="○"/>
-              <a:defRPr/>
-            </a:lvl2pPr>
-            <a:lvl3pPr indent="-317500" lvl="2" marL="1371600">
-              <a:spcBef>
-                <a:spcPts val="0"/>
-              </a:spcBef>
-              <a:spcAft>
-                <a:spcPts val="0"/>
-              </a:spcAft>
-              <a:buSzPts val="1400"/>
-              <a:buChar char="■"/>
-              <a:defRPr/>
-            </a:lvl3pPr>
-            <a:lvl4pPr indent="-317500" lvl="3" marL="1828800">
-              <a:spcBef>
-                <a:spcPts val="0"/>
-              </a:spcBef>
-              <a:spcAft>
-                <a:spcPts val="0"/>
-              </a:spcAft>
-              <a:buSzPts val="1400"/>
-              <a:buChar char="●"/>
-              <a:defRPr/>
-            </a:lvl4pPr>
-            <a:lvl5pPr indent="-317500" lvl="4" marL="2286000">
-              <a:spcBef>
-                <a:spcPts val="0"/>
-              </a:spcBef>
-              <a:spcAft>
-                <a:spcPts val="0"/>
-              </a:spcAft>
-              <a:buSzPts val="1400"/>
-              <a:buChar char="○"/>
-              <a:defRPr/>
-            </a:lvl5pPr>
-            <a:lvl6pPr indent="-317500" lvl="5" marL="2743200">
-              <a:spcBef>
-                <a:spcPts val="0"/>
-              </a:spcBef>
-              <a:spcAft>
-                <a:spcPts val="0"/>
-              </a:spcAft>
-              <a:buSzPts val="1400"/>
-              <a:buChar char="■"/>
-              <a:defRPr/>
-            </a:lvl6pPr>
-            <a:lvl7pPr indent="-317500" lvl="6" marL="3200400">
-              <a:spcBef>
-                <a:spcPts val="0"/>
-              </a:spcBef>
-              <a:spcAft>
-                <a:spcPts val="0"/>
-              </a:spcAft>
-              <a:buSzPts val="1400"/>
-              <a:buChar char="●"/>
-              <a:defRPr/>
-            </a:lvl7pPr>
-            <a:lvl8pPr indent="-317500" lvl="7" marL="3657600">
-              <a:spcBef>
-                <a:spcPts val="0"/>
-              </a:spcBef>
-              <a:spcAft>
-                <a:spcPts val="0"/>
-              </a:spcAft>
-              <a:buSzPts val="1400"/>
-              <a:buChar char="○"/>
-              <a:defRPr/>
-            </a:lvl8pPr>
-            <a:lvl9pPr indent="-317500" lvl="8" marL="4114800">
-              <a:spcBef>
-                <a:spcPts val="0"/>
-              </a:spcBef>
-              <a:spcAft>
-                <a:spcPts val="0"/>
-              </a:spcAft>
-              <a:buSzPts val="1400"/>
-              <a:buChar char="■"/>
-              <a:defRPr/>
-            </a:lvl9pPr>
-          </a:lstStyle>
-          <a:p/>
-        </p:txBody>
-      </p:sp>
-      <p:sp>
-        <p:nvSpPr>
-          <p:cNvPr id="19" name="Google Shape;19;p4"/>
+          <p:cNvPr id="19" name="Google Shape;19;p6"/>
           <p:cNvSpPr txBox="1"/>
           <p:nvPr>
             <p:ph idx="12" type="sldNum"/>
@@ -2216,47 +3590,249 @@
           <a:prstGeom prst="rect">
             <a:avLst/>
           </a:prstGeom>
+          <a:noFill/>
+          <a:ln>
+            <a:noFill/>
+          </a:ln>
         </p:spPr>
         <p:txBody>
           <a:bodyPr anchorCtr="0" anchor="ctr" bIns="91425" lIns="91425" spcFirstLastPara="1" rIns="91425" wrap="square" tIns="91425">
             <a:normAutofit/>
           </a:bodyPr>
           <a:lstStyle>
-            <a:lvl1pPr lvl="0">
-              <a:buNone/>
-              <a:defRPr/>
+            <a:lvl1pPr indent="0" lvl="0" marL="0" marR="0" algn="r">
+              <a:lnSpc>
+                <a:spcPct val="100000"/>
+              </a:lnSpc>
+              <a:spcBef>
+                <a:spcPts val="0"/>
+              </a:spcBef>
+              <a:spcAft>
+                <a:spcPts val="0"/>
+              </a:spcAft>
+              <a:buClr>
+                <a:srgbClr val="000000"/>
+              </a:buClr>
+              <a:buSzPts val="1000"/>
+              <a:buFont typeface="Arial"/>
+              <a:buNone/>
+              <a:defRPr b="0" i="0" sz="1000" u="none" cap="none" strike="noStrike">
+                <a:solidFill>
+                  <a:schemeClr val="dk2"/>
+                </a:solidFill>
+                <a:latin typeface="Arial"/>
+                <a:ea typeface="Arial"/>
+                <a:cs typeface="Arial"/>
+                <a:sym typeface="Arial"/>
+              </a:defRPr>
             </a:lvl1pPr>
-            <a:lvl2pPr lvl="1">
-              <a:buNone/>
-              <a:defRPr/>
+            <a:lvl2pPr indent="0" lvl="1" marL="0" marR="0" algn="r">
+              <a:lnSpc>
+                <a:spcPct val="100000"/>
+              </a:lnSpc>
+              <a:spcBef>
+                <a:spcPts val="0"/>
+              </a:spcBef>
+              <a:spcAft>
+                <a:spcPts val="0"/>
+              </a:spcAft>
+              <a:buClr>
+                <a:srgbClr val="000000"/>
+              </a:buClr>
+              <a:buSzPts val="1000"/>
+              <a:buFont typeface="Arial"/>
+              <a:buNone/>
+              <a:defRPr b="0" i="0" sz="1000" u="none" cap="none" strike="noStrike">
+                <a:solidFill>
+                  <a:schemeClr val="dk2"/>
+                </a:solidFill>
+                <a:latin typeface="Arial"/>
+                <a:ea typeface="Arial"/>
+                <a:cs typeface="Arial"/>
+                <a:sym typeface="Arial"/>
+              </a:defRPr>
             </a:lvl2pPr>
-            <a:lvl3pPr lvl="2">
-              <a:buNone/>
-              <a:defRPr/>
+            <a:lvl3pPr indent="0" lvl="2" marL="0" marR="0" algn="r">
+              <a:lnSpc>
+                <a:spcPct val="100000"/>
+              </a:lnSpc>
+              <a:spcBef>
+                <a:spcPts val="0"/>
+              </a:spcBef>
+              <a:spcAft>
+                <a:spcPts val="0"/>
+              </a:spcAft>
+              <a:buClr>
+                <a:srgbClr val="000000"/>
+              </a:buClr>
+              <a:buSzPts val="1000"/>
+              <a:buFont typeface="Arial"/>
+              <a:buNone/>
+              <a:defRPr b="0" i="0" sz="1000" u="none" cap="none" strike="noStrike">
+                <a:solidFill>
+                  <a:schemeClr val="dk2"/>
+                </a:solidFill>
+                <a:latin typeface="Arial"/>
+                <a:ea typeface="Arial"/>
+                <a:cs typeface="Arial"/>
+                <a:sym typeface="Arial"/>
+              </a:defRPr>
             </a:lvl3pPr>
-            <a:lvl4pPr lvl="3">
-              <a:buNone/>
-              <a:defRPr/>
+            <a:lvl4pPr indent="0" lvl="3" marL="0" marR="0" algn="r">
+              <a:lnSpc>
+                <a:spcPct val="100000"/>
+              </a:lnSpc>
+              <a:spcBef>
+                <a:spcPts val="0"/>
+              </a:spcBef>
+              <a:spcAft>
+                <a:spcPts val="0"/>
+              </a:spcAft>
+              <a:buClr>
+                <a:srgbClr val="000000"/>
+              </a:buClr>
+              <a:buSzPts val="1000"/>
+              <a:buFont typeface="Arial"/>
+              <a:buNone/>
+              <a:defRPr b="0" i="0" sz="1000" u="none" cap="none" strike="noStrike">
+                <a:solidFill>
+                  <a:schemeClr val="dk2"/>
+                </a:solidFill>
+                <a:latin typeface="Arial"/>
+                <a:ea typeface="Arial"/>
+                <a:cs typeface="Arial"/>
+                <a:sym typeface="Arial"/>
+              </a:defRPr>
             </a:lvl4pPr>
-            <a:lvl5pPr lvl="4">
-              <a:buNone/>
-              <a:defRPr/>
+            <a:lvl5pPr indent="0" lvl="4" marL="0" marR="0" algn="r">
+              <a:lnSpc>
+                <a:spcPct val="100000"/>
+              </a:lnSpc>
+              <a:spcBef>
+                <a:spcPts val="0"/>
+              </a:spcBef>
+              <a:spcAft>
+                <a:spcPts val="0"/>
+              </a:spcAft>
+              <a:buClr>
+                <a:srgbClr val="000000"/>
+              </a:buClr>
+              <a:buSzPts val="1000"/>
+              <a:buFont typeface="Arial"/>
+              <a:buNone/>
+              <a:defRPr b="0" i="0" sz="1000" u="none" cap="none" strike="noStrike">
+                <a:solidFill>
+                  <a:schemeClr val="dk2"/>
+                </a:solidFill>
+                <a:latin typeface="Arial"/>
+                <a:ea typeface="Arial"/>
+                <a:cs typeface="Arial"/>
+                <a:sym typeface="Arial"/>
+              </a:defRPr>
             </a:lvl5pPr>
-            <a:lvl6pPr lvl="5">
-              <a:buNone/>
-              <a:defRPr/>
+            <a:lvl6pPr indent="0" lvl="5" marL="0" marR="0" algn="r">
+              <a:lnSpc>
+                <a:spcPct val="100000"/>
+              </a:lnSpc>
+              <a:spcBef>
+                <a:spcPts val="0"/>
+              </a:spcBef>
+              <a:spcAft>
+                <a:spcPts val="0"/>
+              </a:spcAft>
+              <a:buClr>
+                <a:srgbClr val="000000"/>
+              </a:buClr>
+              <a:buSzPts val="1000"/>
+              <a:buFont typeface="Arial"/>
+              <a:buNone/>
+              <a:defRPr b="0" i="0" sz="1000" u="none" cap="none" strike="noStrike">
+                <a:solidFill>
+                  <a:schemeClr val="dk2"/>
+                </a:solidFill>
+                <a:latin typeface="Arial"/>
+                <a:ea typeface="Arial"/>
+                <a:cs typeface="Arial"/>
+                <a:sym typeface="Arial"/>
+              </a:defRPr>
             </a:lvl6pPr>
-            <a:lvl7pPr lvl="6">
-              <a:buNone/>
-              <a:defRPr/>
+            <a:lvl7pPr indent="0" lvl="6" marL="0" marR="0" algn="r">
+              <a:lnSpc>
+                <a:spcPct val="100000"/>
+              </a:lnSpc>
+              <a:spcBef>
+                <a:spcPts val="0"/>
+              </a:spcBef>
+              <a:spcAft>
+                <a:spcPts val="0"/>
+              </a:spcAft>
+              <a:buClr>
+                <a:srgbClr val="000000"/>
+              </a:buClr>
+              <a:buSzPts val="1000"/>
+              <a:buFont typeface="Arial"/>
+              <a:buNone/>
+              <a:defRPr b="0" i="0" sz="1000" u="none" cap="none" strike="noStrike">
+                <a:solidFill>
+                  <a:schemeClr val="dk2"/>
+                </a:solidFill>
+                <a:latin typeface="Arial"/>
+                <a:ea typeface="Arial"/>
+                <a:cs typeface="Arial"/>
+                <a:sym typeface="Arial"/>
+              </a:defRPr>
             </a:lvl7pPr>
-            <a:lvl8pPr lvl="7">
-              <a:buNone/>
-              <a:defRPr/>
+            <a:lvl8pPr indent="0" lvl="7" marL="0" marR="0" algn="r">
+              <a:lnSpc>
+                <a:spcPct val="100000"/>
+              </a:lnSpc>
+              <a:spcBef>
+                <a:spcPts val="0"/>
+              </a:spcBef>
+              <a:spcAft>
+                <a:spcPts val="0"/>
+              </a:spcAft>
+              <a:buClr>
+                <a:srgbClr val="000000"/>
+              </a:buClr>
+              <a:buSzPts val="1000"/>
+              <a:buFont typeface="Arial"/>
+              <a:buNone/>
+              <a:defRPr b="0" i="0" sz="1000" u="none" cap="none" strike="noStrike">
+                <a:solidFill>
+                  <a:schemeClr val="dk2"/>
+                </a:solidFill>
+                <a:latin typeface="Arial"/>
+                <a:ea typeface="Arial"/>
+                <a:cs typeface="Arial"/>
+                <a:sym typeface="Arial"/>
+              </a:defRPr>
             </a:lvl8pPr>
-            <a:lvl9pPr lvl="8">
-              <a:buNone/>
-              <a:defRPr/>
+            <a:lvl9pPr indent="0" lvl="8" marL="0" marR="0" algn="r">
+              <a:lnSpc>
+                <a:spcPct val="100000"/>
+              </a:lnSpc>
+              <a:spcBef>
+                <a:spcPts val="0"/>
+              </a:spcBef>
+              <a:spcAft>
+                <a:spcPts val="0"/>
+              </a:spcAft>
+              <a:buClr>
+                <a:srgbClr val="000000"/>
+              </a:buClr>
+              <a:buSzPts val="1000"/>
+              <a:buFont typeface="Arial"/>
+              <a:buNone/>
+              <a:defRPr b="0" i="0" sz="1000" u="none" cap="none" strike="noStrike">
+                <a:solidFill>
+                  <a:schemeClr val="dk2"/>
+                </a:solidFill>
+                <a:latin typeface="Arial"/>
+                <a:ea typeface="Arial"/>
+                <a:cs typeface="Arial"/>
+                <a:sym typeface="Arial"/>
+              </a:defRPr>
             </a:lvl9pPr>
           </a:lstStyle>
           <a:p>
@@ -2304,7 +3880,7 @@
       </p:grpSpPr>
       <p:sp>
         <p:nvSpPr>
-          <p:cNvPr id="21" name="Google Shape;21;p5"/>
+          <p:cNvPr id="21" name="Google Shape;21;p7"/>
           <p:cNvSpPr txBox="1"/>
           <p:nvPr>
             <p:ph type="title"/>
@@ -2318,13 +3894,20 @@
           <a:prstGeom prst="rect">
             <a:avLst/>
           </a:prstGeom>
+          <a:noFill/>
+          <a:ln>
+            <a:noFill/>
+          </a:ln>
         </p:spPr>
         <p:txBody>
           <a:bodyPr anchorCtr="0" anchor="t" bIns="91425" lIns="91425" spcFirstLastPara="1" rIns="91425" wrap="square" tIns="91425">
             <a:normAutofit/>
           </a:bodyPr>
           <a:lstStyle>
-            <a:lvl1pPr lvl="0">
+            <a:lvl1pPr lvl="0" algn="l">
+              <a:lnSpc>
+                <a:spcPct val="100000"/>
+              </a:lnSpc>
               <a:spcBef>
                 <a:spcPts val="0"/>
               </a:spcBef>
@@ -2335,7 +3918,10 @@
               <a:buNone/>
               <a:defRPr/>
             </a:lvl1pPr>
-            <a:lvl2pPr lvl="1">
+            <a:lvl2pPr lvl="1" algn="l">
+              <a:lnSpc>
+                <a:spcPct val="100000"/>
+              </a:lnSpc>
               <a:spcBef>
                 <a:spcPts val="0"/>
               </a:spcBef>
@@ -2346,7 +3932,10 @@
               <a:buNone/>
               <a:defRPr/>
             </a:lvl2pPr>
-            <a:lvl3pPr lvl="2">
+            <a:lvl3pPr lvl="2" algn="l">
+              <a:lnSpc>
+                <a:spcPct val="100000"/>
+              </a:lnSpc>
               <a:spcBef>
                 <a:spcPts val="0"/>
               </a:spcBef>
@@ -2357,7 +3946,10 @@
               <a:buNone/>
               <a:defRPr/>
             </a:lvl3pPr>
-            <a:lvl4pPr lvl="3">
+            <a:lvl4pPr lvl="3" algn="l">
+              <a:lnSpc>
+                <a:spcPct val="100000"/>
+              </a:lnSpc>
               <a:spcBef>
                 <a:spcPts val="0"/>
               </a:spcBef>
@@ -2368,7 +3960,10 @@
               <a:buNone/>
               <a:defRPr/>
             </a:lvl4pPr>
-            <a:lvl5pPr lvl="4">
+            <a:lvl5pPr lvl="4" algn="l">
+              <a:lnSpc>
+                <a:spcPct val="100000"/>
+              </a:lnSpc>
               <a:spcBef>
                 <a:spcPts val="0"/>
               </a:spcBef>
@@ -2379,7 +3974,10 @@
               <a:buNone/>
               <a:defRPr/>
             </a:lvl5pPr>
-            <a:lvl6pPr lvl="5">
+            <a:lvl6pPr lvl="5" algn="l">
+              <a:lnSpc>
+                <a:spcPct val="100000"/>
+              </a:lnSpc>
               <a:spcBef>
                 <a:spcPts val="0"/>
               </a:spcBef>
@@ -2390,7 +3988,10 @@
               <a:buNone/>
               <a:defRPr/>
             </a:lvl6pPr>
-            <a:lvl7pPr lvl="6">
+            <a:lvl7pPr lvl="6" algn="l">
+              <a:lnSpc>
+                <a:spcPct val="100000"/>
+              </a:lnSpc>
               <a:spcBef>
                 <a:spcPts val="0"/>
               </a:spcBef>
@@ -2401,7 +4002,10 @@
               <a:buNone/>
               <a:defRPr/>
             </a:lvl7pPr>
-            <a:lvl8pPr lvl="7">
+            <a:lvl8pPr lvl="7" algn="l">
+              <a:lnSpc>
+                <a:spcPct val="100000"/>
+              </a:lnSpc>
               <a:spcBef>
                 <a:spcPts val="0"/>
               </a:spcBef>
@@ -2412,7 +4016,10 @@
               <a:buNone/>
               <a:defRPr/>
             </a:lvl8pPr>
-            <a:lvl9pPr lvl="8">
+            <a:lvl9pPr lvl="8" algn="l">
+              <a:lnSpc>
+                <a:spcPct val="100000"/>
+              </a:lnSpc>
               <a:spcBef>
                 <a:spcPts val="0"/>
               </a:spcBef>
@@ -2429,7 +4036,7 @@
       </p:sp>
       <p:sp>
         <p:nvSpPr>
-          <p:cNvPr id="22" name="Google Shape;22;p5"/>
+          <p:cNvPr id="22" name="Google Shape;22;p7"/>
           <p:cNvSpPr txBox="1"/>
           <p:nvPr>
             <p:ph idx="1" type="body"/>
@@ -2443,13 +4050,20 @@
           <a:prstGeom prst="rect">
             <a:avLst/>
           </a:prstGeom>
+          <a:noFill/>
+          <a:ln>
+            <a:noFill/>
+          </a:ln>
         </p:spPr>
         <p:txBody>
           <a:bodyPr anchorCtr="0" anchor="t" bIns="91425" lIns="91425" spcFirstLastPara="1" rIns="91425" wrap="square" tIns="91425">
             <a:normAutofit/>
           </a:bodyPr>
           <a:lstStyle>
-            <a:lvl1pPr indent="-317500" lvl="0" marL="457200">
+            <a:lvl1pPr indent="-317500" lvl="0" marL="457200" algn="l">
+              <a:lnSpc>
+                <a:spcPct val="115000"/>
+              </a:lnSpc>
               <a:spcBef>
                 <a:spcPts val="0"/>
               </a:spcBef>
@@ -2460,7 +4074,10 @@
               <a:buChar char="●"/>
               <a:defRPr sz="1400"/>
             </a:lvl1pPr>
-            <a:lvl2pPr indent="-304800" lvl="1" marL="914400">
+            <a:lvl2pPr indent="-304800" lvl="1" marL="914400" algn="l">
+              <a:lnSpc>
+                <a:spcPct val="115000"/>
+              </a:lnSpc>
               <a:spcBef>
                 <a:spcPts val="0"/>
               </a:spcBef>
@@ -2471,7 +4088,10 @@
               <a:buChar char="○"/>
               <a:defRPr sz="1200"/>
             </a:lvl2pPr>
-            <a:lvl3pPr indent="-304800" lvl="2" marL="1371600">
+            <a:lvl3pPr indent="-304800" lvl="2" marL="1371600" algn="l">
+              <a:lnSpc>
+                <a:spcPct val="115000"/>
+              </a:lnSpc>
               <a:spcBef>
                 <a:spcPts val="0"/>
               </a:spcBef>
@@ -2482,7 +4102,10 @@
               <a:buChar char="■"/>
               <a:defRPr sz="1200"/>
             </a:lvl3pPr>
-            <a:lvl4pPr indent="-304800" lvl="3" marL="1828800">
+            <a:lvl4pPr indent="-304800" lvl="3" marL="1828800" algn="l">
+              <a:lnSpc>
+                <a:spcPct val="115000"/>
+              </a:lnSpc>
               <a:spcBef>
                 <a:spcPts val="0"/>
               </a:spcBef>
@@ -2493,7 +4116,10 @@
               <a:buChar char="●"/>
               <a:defRPr sz="1200"/>
             </a:lvl4pPr>
-            <a:lvl5pPr indent="-304800" lvl="4" marL="2286000">
+            <a:lvl5pPr indent="-304800" lvl="4" marL="2286000" algn="l">
+              <a:lnSpc>
+                <a:spcPct val="115000"/>
+              </a:lnSpc>
               <a:spcBef>
                 <a:spcPts val="0"/>
               </a:spcBef>
@@ -2504,7 +4130,10 @@
               <a:buChar char="○"/>
               <a:defRPr sz="1200"/>
             </a:lvl5pPr>
-            <a:lvl6pPr indent="-304800" lvl="5" marL="2743200">
+            <a:lvl6pPr indent="-304800" lvl="5" marL="2743200" algn="l">
+              <a:lnSpc>
+                <a:spcPct val="115000"/>
+              </a:lnSpc>
               <a:spcBef>
                 <a:spcPts val="0"/>
               </a:spcBef>
@@ -2515,7 +4144,10 @@
               <a:buChar char="■"/>
               <a:defRPr sz="1200"/>
             </a:lvl6pPr>
-            <a:lvl7pPr indent="-304800" lvl="6" marL="3200400">
+            <a:lvl7pPr indent="-304800" lvl="6" marL="3200400" algn="l">
+              <a:lnSpc>
+                <a:spcPct val="115000"/>
+              </a:lnSpc>
               <a:spcBef>
                 <a:spcPts val="0"/>
               </a:spcBef>
@@ -2526,7 +4158,10 @@
               <a:buChar char="●"/>
               <a:defRPr sz="1200"/>
             </a:lvl7pPr>
-            <a:lvl8pPr indent="-304800" lvl="7" marL="3657600">
+            <a:lvl8pPr indent="-304800" lvl="7" marL="3657600" algn="l">
+              <a:lnSpc>
+                <a:spcPct val="115000"/>
+              </a:lnSpc>
               <a:spcBef>
                 <a:spcPts val="0"/>
               </a:spcBef>
@@ -2537,7 +4172,10 @@
               <a:buChar char="○"/>
               <a:defRPr sz="1200"/>
             </a:lvl8pPr>
-            <a:lvl9pPr indent="-304800" lvl="8" marL="4114800">
+            <a:lvl9pPr indent="-304800" lvl="8" marL="4114800" algn="l">
+              <a:lnSpc>
+                <a:spcPct val="115000"/>
+              </a:lnSpc>
               <a:spcBef>
                 <a:spcPts val="0"/>
               </a:spcBef>
@@ -2554,7 +4192,7 @@
       </p:sp>
       <p:sp>
         <p:nvSpPr>
-          <p:cNvPr id="23" name="Google Shape;23;p5"/>
+          <p:cNvPr id="23" name="Google Shape;23;p7"/>
           <p:cNvSpPr txBox="1"/>
           <p:nvPr>
             <p:ph idx="2" type="body"/>
@@ -2568,13 +4206,20 @@
           <a:prstGeom prst="rect">
             <a:avLst/>
           </a:prstGeom>
+          <a:noFill/>
+          <a:ln>
+            <a:noFill/>
+          </a:ln>
         </p:spPr>
         <p:txBody>
           <a:bodyPr anchorCtr="0" anchor="t" bIns="91425" lIns="91425" spcFirstLastPara="1" rIns="91425" wrap="square" tIns="91425">
             <a:normAutofit/>
           </a:bodyPr>
           <a:lstStyle>
-            <a:lvl1pPr indent="-317500" lvl="0" marL="457200">
+            <a:lvl1pPr indent="-317500" lvl="0" marL="457200" algn="l">
+              <a:lnSpc>
+                <a:spcPct val="115000"/>
+              </a:lnSpc>
               <a:spcBef>
                 <a:spcPts val="0"/>
               </a:spcBef>
@@ -2585,7 +4230,10 @@
               <a:buChar char="●"/>
               <a:defRPr sz="1400"/>
             </a:lvl1pPr>
-            <a:lvl2pPr indent="-304800" lvl="1" marL="914400">
+            <a:lvl2pPr indent="-304800" lvl="1" marL="914400" algn="l">
+              <a:lnSpc>
+                <a:spcPct val="115000"/>
+              </a:lnSpc>
               <a:spcBef>
                 <a:spcPts val="0"/>
               </a:spcBef>
@@ -2596,7 +4244,10 @@
               <a:buChar char="○"/>
               <a:defRPr sz="1200"/>
             </a:lvl2pPr>
-            <a:lvl3pPr indent="-304800" lvl="2" marL="1371600">
+            <a:lvl3pPr indent="-304800" lvl="2" marL="1371600" algn="l">
+              <a:lnSpc>
+                <a:spcPct val="115000"/>
+              </a:lnSpc>
               <a:spcBef>
                 <a:spcPts val="0"/>
               </a:spcBef>
@@ -2607,7 +4258,10 @@
               <a:buChar char="■"/>
               <a:defRPr sz="1200"/>
             </a:lvl3pPr>
-            <a:lvl4pPr indent="-304800" lvl="3" marL="1828800">
+            <a:lvl4pPr indent="-304800" lvl="3" marL="1828800" algn="l">
+              <a:lnSpc>
+                <a:spcPct val="115000"/>
+              </a:lnSpc>
               <a:spcBef>
                 <a:spcPts val="0"/>
               </a:spcBef>
@@ -2618,7 +4272,10 @@
               <a:buChar char="●"/>
               <a:defRPr sz="1200"/>
             </a:lvl4pPr>
-            <a:lvl5pPr indent="-304800" lvl="4" marL="2286000">
+            <a:lvl5pPr indent="-304800" lvl="4" marL="2286000" algn="l">
+              <a:lnSpc>
+                <a:spcPct val="115000"/>
+              </a:lnSpc>
               <a:spcBef>
                 <a:spcPts val="0"/>
               </a:spcBef>
@@ -2629,7 +4286,10 @@
               <a:buChar char="○"/>
               <a:defRPr sz="1200"/>
             </a:lvl5pPr>
-            <a:lvl6pPr indent="-304800" lvl="5" marL="2743200">
+            <a:lvl6pPr indent="-304800" lvl="5" marL="2743200" algn="l">
+              <a:lnSpc>
+                <a:spcPct val="115000"/>
+              </a:lnSpc>
               <a:spcBef>
                 <a:spcPts val="0"/>
               </a:spcBef>
@@ -2640,7 +4300,10 @@
               <a:buChar char="■"/>
               <a:defRPr sz="1200"/>
             </a:lvl6pPr>
-            <a:lvl7pPr indent="-304800" lvl="6" marL="3200400">
+            <a:lvl7pPr indent="-304800" lvl="6" marL="3200400" algn="l">
+              <a:lnSpc>
+                <a:spcPct val="115000"/>
+              </a:lnSpc>
               <a:spcBef>
                 <a:spcPts val="0"/>
               </a:spcBef>
@@ -2651,7 +4314,10 @@
               <a:buChar char="●"/>
               <a:defRPr sz="1200"/>
             </a:lvl7pPr>
-            <a:lvl8pPr indent="-304800" lvl="7" marL="3657600">
+            <a:lvl8pPr indent="-304800" lvl="7" marL="3657600" algn="l">
+              <a:lnSpc>
+                <a:spcPct val="115000"/>
+              </a:lnSpc>
               <a:spcBef>
                 <a:spcPts val="0"/>
               </a:spcBef>
@@ -2662,7 +4328,10 @@
               <a:buChar char="○"/>
               <a:defRPr sz="1200"/>
             </a:lvl8pPr>
-            <a:lvl9pPr indent="-304800" lvl="8" marL="4114800">
+            <a:lvl9pPr indent="-304800" lvl="8" marL="4114800" algn="l">
+              <a:lnSpc>
+                <a:spcPct val="115000"/>
+              </a:lnSpc>
               <a:spcBef>
                 <a:spcPts val="0"/>
               </a:spcBef>
@@ -2679,7 +4348,7 @@
       </p:sp>
       <p:sp>
         <p:nvSpPr>
-          <p:cNvPr id="24" name="Google Shape;24;p5"/>
+          <p:cNvPr id="24" name="Google Shape;24;p7"/>
           <p:cNvSpPr txBox="1"/>
           <p:nvPr>
             <p:ph idx="12" type="sldNum"/>
@@ -2693,47 +4362,249 @@
           <a:prstGeom prst="rect">
             <a:avLst/>
           </a:prstGeom>
+          <a:noFill/>
+          <a:ln>
+            <a:noFill/>
+          </a:ln>
         </p:spPr>
         <p:txBody>
           <a:bodyPr anchorCtr="0" anchor="ctr" bIns="91425" lIns="91425" spcFirstLastPara="1" rIns="91425" wrap="square" tIns="91425">
             <a:normAutofit/>
           </a:bodyPr>
           <a:lstStyle>
-            <a:lvl1pPr lvl="0">
-              <a:buNone/>
-              <a:defRPr/>
+            <a:lvl1pPr indent="0" lvl="0" marL="0" marR="0" algn="r">
+              <a:lnSpc>
+                <a:spcPct val="100000"/>
+              </a:lnSpc>
+              <a:spcBef>
+                <a:spcPts val="0"/>
+              </a:spcBef>
+              <a:spcAft>
+                <a:spcPts val="0"/>
+              </a:spcAft>
+              <a:buClr>
+                <a:srgbClr val="000000"/>
+              </a:buClr>
+              <a:buSzPts val="1000"/>
+              <a:buFont typeface="Arial"/>
+              <a:buNone/>
+              <a:defRPr b="0" i="0" sz="1000" u="none" cap="none" strike="noStrike">
+                <a:solidFill>
+                  <a:schemeClr val="dk2"/>
+                </a:solidFill>
+                <a:latin typeface="Arial"/>
+                <a:ea typeface="Arial"/>
+                <a:cs typeface="Arial"/>
+                <a:sym typeface="Arial"/>
+              </a:defRPr>
             </a:lvl1pPr>
-            <a:lvl2pPr lvl="1">
-              <a:buNone/>
-              <a:defRPr/>
+            <a:lvl2pPr indent="0" lvl="1" marL="0" marR="0" algn="r">
+              <a:lnSpc>
+                <a:spcPct val="100000"/>
+              </a:lnSpc>
+              <a:spcBef>
+                <a:spcPts val="0"/>
+              </a:spcBef>
+              <a:spcAft>
+                <a:spcPts val="0"/>
+              </a:spcAft>
+              <a:buClr>
+                <a:srgbClr val="000000"/>
+              </a:buClr>
+              <a:buSzPts val="1000"/>
+              <a:buFont typeface="Arial"/>
+              <a:buNone/>
+              <a:defRPr b="0" i="0" sz="1000" u="none" cap="none" strike="noStrike">
+                <a:solidFill>
+                  <a:schemeClr val="dk2"/>
+                </a:solidFill>
+                <a:latin typeface="Arial"/>
+                <a:ea typeface="Arial"/>
+                <a:cs typeface="Arial"/>
+                <a:sym typeface="Arial"/>
+              </a:defRPr>
             </a:lvl2pPr>
-            <a:lvl3pPr lvl="2">
-              <a:buNone/>
-              <a:defRPr/>
+            <a:lvl3pPr indent="0" lvl="2" marL="0" marR="0" algn="r">
+              <a:lnSpc>
+                <a:spcPct val="100000"/>
+              </a:lnSpc>
+              <a:spcBef>
+                <a:spcPts val="0"/>
+              </a:spcBef>
+              <a:spcAft>
+                <a:spcPts val="0"/>
+              </a:spcAft>
+              <a:buClr>
+                <a:srgbClr val="000000"/>
+              </a:buClr>
+              <a:buSzPts val="1000"/>
+              <a:buFont typeface="Arial"/>
+              <a:buNone/>
+              <a:defRPr b="0" i="0" sz="1000" u="none" cap="none" strike="noStrike">
+                <a:solidFill>
+                  <a:schemeClr val="dk2"/>
+                </a:solidFill>
+                <a:latin typeface="Arial"/>
+                <a:ea typeface="Arial"/>
+                <a:cs typeface="Arial"/>
+                <a:sym typeface="Arial"/>
+              </a:defRPr>
             </a:lvl3pPr>
-            <a:lvl4pPr lvl="3">
-              <a:buNone/>
-              <a:defRPr/>
+            <a:lvl4pPr indent="0" lvl="3" marL="0" marR="0" algn="r">
+              <a:lnSpc>
+                <a:spcPct val="100000"/>
+              </a:lnSpc>
+              <a:spcBef>
+                <a:spcPts val="0"/>
+              </a:spcBef>
+              <a:spcAft>
+                <a:spcPts val="0"/>
+              </a:spcAft>
+              <a:buClr>
+                <a:srgbClr val="000000"/>
+              </a:buClr>
+              <a:buSzPts val="1000"/>
+              <a:buFont typeface="Arial"/>
+              <a:buNone/>
+              <a:defRPr b="0" i="0" sz="1000" u="none" cap="none" strike="noStrike">
+                <a:solidFill>
+                  <a:schemeClr val="dk2"/>
+                </a:solidFill>
+                <a:latin typeface="Arial"/>
+                <a:ea typeface="Arial"/>
+                <a:cs typeface="Arial"/>
+                <a:sym typeface="Arial"/>
+              </a:defRPr>
             </a:lvl4pPr>
-            <a:lvl5pPr lvl="4">
-              <a:buNone/>
-              <a:defRPr/>
+            <a:lvl5pPr indent="0" lvl="4" marL="0" marR="0" algn="r">
+              <a:lnSpc>
+                <a:spcPct val="100000"/>
+              </a:lnSpc>
+              <a:spcBef>
+                <a:spcPts val="0"/>
+              </a:spcBef>
+              <a:spcAft>
+                <a:spcPts val="0"/>
+              </a:spcAft>
+              <a:buClr>
+                <a:srgbClr val="000000"/>
+              </a:buClr>
+              <a:buSzPts val="1000"/>
+              <a:buFont typeface="Arial"/>
+              <a:buNone/>
+              <a:defRPr b="0" i="0" sz="1000" u="none" cap="none" strike="noStrike">
+                <a:solidFill>
+                  <a:schemeClr val="dk2"/>
+                </a:solidFill>
+                <a:latin typeface="Arial"/>
+                <a:ea typeface="Arial"/>
+                <a:cs typeface="Arial"/>
+                <a:sym typeface="Arial"/>
+              </a:defRPr>
             </a:lvl5pPr>
-            <a:lvl6pPr lvl="5">
-              <a:buNone/>
-              <a:defRPr/>
+            <a:lvl6pPr indent="0" lvl="5" marL="0" marR="0" algn="r">
+              <a:lnSpc>
+                <a:spcPct val="100000"/>
+              </a:lnSpc>
+              <a:spcBef>
+                <a:spcPts val="0"/>
+              </a:spcBef>
+              <a:spcAft>
+                <a:spcPts val="0"/>
+              </a:spcAft>
+              <a:buClr>
+                <a:srgbClr val="000000"/>
+              </a:buClr>
+              <a:buSzPts val="1000"/>
+              <a:buFont typeface="Arial"/>
+              <a:buNone/>
+              <a:defRPr b="0" i="0" sz="1000" u="none" cap="none" strike="noStrike">
+                <a:solidFill>
+                  <a:schemeClr val="dk2"/>
+                </a:solidFill>
+                <a:latin typeface="Arial"/>
+                <a:ea typeface="Arial"/>
+                <a:cs typeface="Arial"/>
+                <a:sym typeface="Arial"/>
+              </a:defRPr>
             </a:lvl6pPr>
-            <a:lvl7pPr lvl="6">
-              <a:buNone/>
-              <a:defRPr/>
+            <a:lvl7pPr indent="0" lvl="6" marL="0" marR="0" algn="r">
+              <a:lnSpc>
+                <a:spcPct val="100000"/>
+              </a:lnSpc>
+              <a:spcBef>
+                <a:spcPts val="0"/>
+              </a:spcBef>
+              <a:spcAft>
+                <a:spcPts val="0"/>
+              </a:spcAft>
+              <a:buClr>
+                <a:srgbClr val="000000"/>
+              </a:buClr>
+              <a:buSzPts val="1000"/>
+              <a:buFont typeface="Arial"/>
+              <a:buNone/>
+              <a:defRPr b="0" i="0" sz="1000" u="none" cap="none" strike="noStrike">
+                <a:solidFill>
+                  <a:schemeClr val="dk2"/>
+                </a:solidFill>
+                <a:latin typeface="Arial"/>
+                <a:ea typeface="Arial"/>
+                <a:cs typeface="Arial"/>
+                <a:sym typeface="Arial"/>
+              </a:defRPr>
             </a:lvl7pPr>
-            <a:lvl8pPr lvl="7">
-              <a:buNone/>
-              <a:defRPr/>
+            <a:lvl8pPr indent="0" lvl="7" marL="0" marR="0" algn="r">
+              <a:lnSpc>
+                <a:spcPct val="100000"/>
+              </a:lnSpc>
+              <a:spcBef>
+                <a:spcPts val="0"/>
+              </a:spcBef>
+              <a:spcAft>
+                <a:spcPts val="0"/>
+              </a:spcAft>
+              <a:buClr>
+                <a:srgbClr val="000000"/>
+              </a:buClr>
+              <a:buSzPts val="1000"/>
+              <a:buFont typeface="Arial"/>
+              <a:buNone/>
+              <a:defRPr b="0" i="0" sz="1000" u="none" cap="none" strike="noStrike">
+                <a:solidFill>
+                  <a:schemeClr val="dk2"/>
+                </a:solidFill>
+                <a:latin typeface="Arial"/>
+                <a:ea typeface="Arial"/>
+                <a:cs typeface="Arial"/>
+                <a:sym typeface="Arial"/>
+              </a:defRPr>
             </a:lvl8pPr>
-            <a:lvl9pPr lvl="8">
-              <a:buNone/>
-              <a:defRPr/>
+            <a:lvl9pPr indent="0" lvl="8" marL="0" marR="0" algn="r">
+              <a:lnSpc>
+                <a:spcPct val="100000"/>
+              </a:lnSpc>
+              <a:spcBef>
+                <a:spcPts val="0"/>
+              </a:spcBef>
+              <a:spcAft>
+                <a:spcPts val="0"/>
+              </a:spcAft>
+              <a:buClr>
+                <a:srgbClr val="000000"/>
+              </a:buClr>
+              <a:buSzPts val="1000"/>
+              <a:buFont typeface="Arial"/>
+              <a:buNone/>
+              <a:defRPr b="0" i="0" sz="1000" u="none" cap="none" strike="noStrike">
+                <a:solidFill>
+                  <a:schemeClr val="dk2"/>
+                </a:solidFill>
+                <a:latin typeface="Arial"/>
+                <a:ea typeface="Arial"/>
+                <a:cs typeface="Arial"/>
+                <a:sym typeface="Arial"/>
+              </a:defRPr>
             </a:lvl9pPr>
           </a:lstStyle>
           <a:p>
@@ -2781,7 +4652,7 @@
       </p:grpSpPr>
       <p:sp>
         <p:nvSpPr>
-          <p:cNvPr id="26" name="Google Shape;26;p6"/>
+          <p:cNvPr id="26" name="Google Shape;26;p8"/>
           <p:cNvSpPr txBox="1"/>
           <p:nvPr>
             <p:ph type="title"/>
@@ -2795,13 +4666,20 @@
           <a:prstGeom prst="rect">
             <a:avLst/>
           </a:prstGeom>
+          <a:noFill/>
+          <a:ln>
+            <a:noFill/>
+          </a:ln>
         </p:spPr>
         <p:txBody>
           <a:bodyPr anchorCtr="0" anchor="t" bIns="91425" lIns="91425" spcFirstLastPara="1" rIns="91425" wrap="square" tIns="91425">
             <a:normAutofit/>
           </a:bodyPr>
           <a:lstStyle>
-            <a:lvl1pPr lvl="0">
+            <a:lvl1pPr lvl="0" algn="l">
+              <a:lnSpc>
+                <a:spcPct val="100000"/>
+              </a:lnSpc>
               <a:spcBef>
                 <a:spcPts val="0"/>
               </a:spcBef>
@@ -2812,7 +4690,10 @@
               <a:buNone/>
               <a:defRPr/>
             </a:lvl1pPr>
-            <a:lvl2pPr lvl="1">
+            <a:lvl2pPr lvl="1" algn="l">
+              <a:lnSpc>
+                <a:spcPct val="100000"/>
+              </a:lnSpc>
               <a:spcBef>
                 <a:spcPts val="0"/>
               </a:spcBef>
@@ -2823,7 +4704,10 @@
               <a:buNone/>
               <a:defRPr/>
             </a:lvl2pPr>
-            <a:lvl3pPr lvl="2">
+            <a:lvl3pPr lvl="2" algn="l">
+              <a:lnSpc>
+                <a:spcPct val="100000"/>
+              </a:lnSpc>
               <a:spcBef>
                 <a:spcPts val="0"/>
               </a:spcBef>
@@ -2834,7 +4718,10 @@
               <a:buNone/>
               <a:defRPr/>
             </a:lvl3pPr>
-            <a:lvl4pPr lvl="3">
+            <a:lvl4pPr lvl="3" algn="l">
+              <a:lnSpc>
+                <a:spcPct val="100000"/>
+              </a:lnSpc>
               <a:spcBef>
                 <a:spcPts val="0"/>
               </a:spcBef>
@@ -2845,7 +4732,10 @@
               <a:buNone/>
               <a:defRPr/>
             </a:lvl4pPr>
-            <a:lvl5pPr lvl="4">
+            <a:lvl5pPr lvl="4" algn="l">
+              <a:lnSpc>
+                <a:spcPct val="100000"/>
+              </a:lnSpc>
               <a:spcBef>
                 <a:spcPts val="0"/>
               </a:spcBef>
@@ -2856,7 +4746,10 @@
               <a:buNone/>
               <a:defRPr/>
             </a:lvl5pPr>
-            <a:lvl6pPr lvl="5">
+            <a:lvl6pPr lvl="5" algn="l">
+              <a:lnSpc>
+                <a:spcPct val="100000"/>
+              </a:lnSpc>
               <a:spcBef>
                 <a:spcPts val="0"/>
               </a:spcBef>
@@ -2867,7 +4760,10 @@
               <a:buNone/>
               <a:defRPr/>
             </a:lvl6pPr>
-            <a:lvl7pPr lvl="6">
+            <a:lvl7pPr lvl="6" algn="l">
+              <a:lnSpc>
+                <a:spcPct val="100000"/>
+              </a:lnSpc>
               <a:spcBef>
                 <a:spcPts val="0"/>
               </a:spcBef>
@@ -2878,7 +4774,10 @@
               <a:buNone/>
               <a:defRPr/>
             </a:lvl7pPr>
-            <a:lvl8pPr lvl="7">
+            <a:lvl8pPr lvl="7" algn="l">
+              <a:lnSpc>
+                <a:spcPct val="100000"/>
+              </a:lnSpc>
               <a:spcBef>
                 <a:spcPts val="0"/>
               </a:spcBef>
@@ -2889,7 +4788,10 @@
               <a:buNone/>
               <a:defRPr/>
             </a:lvl8pPr>
-            <a:lvl9pPr lvl="8">
+            <a:lvl9pPr lvl="8" algn="l">
+              <a:lnSpc>
+                <a:spcPct val="100000"/>
+              </a:lnSpc>
               <a:spcBef>
                 <a:spcPts val="0"/>
               </a:spcBef>
@@ -2906,7 +4808,7 @@
       </p:sp>
       <p:sp>
         <p:nvSpPr>
-          <p:cNvPr id="27" name="Google Shape;27;p6"/>
+          <p:cNvPr id="27" name="Google Shape;27;p8"/>
           <p:cNvSpPr txBox="1"/>
           <p:nvPr>
             <p:ph idx="12" type="sldNum"/>
@@ -2920,47 +4822,249 @@
           <a:prstGeom prst="rect">
             <a:avLst/>
           </a:prstGeom>
+          <a:noFill/>
+          <a:ln>
+            <a:noFill/>
+          </a:ln>
         </p:spPr>
         <p:txBody>
           <a:bodyPr anchorCtr="0" anchor="ctr" bIns="91425" lIns="91425" spcFirstLastPara="1" rIns="91425" wrap="square" tIns="91425">
             <a:normAutofit/>
           </a:bodyPr>
           <a:lstStyle>
-            <a:lvl1pPr lvl="0">
-              <a:buNone/>
-              <a:defRPr/>
+            <a:lvl1pPr indent="0" lvl="0" marL="0" marR="0" algn="r">
+              <a:lnSpc>
+                <a:spcPct val="100000"/>
+              </a:lnSpc>
+              <a:spcBef>
+                <a:spcPts val="0"/>
+              </a:spcBef>
+              <a:spcAft>
+                <a:spcPts val="0"/>
+              </a:spcAft>
+              <a:buClr>
+                <a:srgbClr val="000000"/>
+              </a:buClr>
+              <a:buSzPts val="1000"/>
+              <a:buFont typeface="Arial"/>
+              <a:buNone/>
+              <a:defRPr b="0" i="0" sz="1000" u="none" cap="none" strike="noStrike">
+                <a:solidFill>
+                  <a:schemeClr val="dk2"/>
+                </a:solidFill>
+                <a:latin typeface="Arial"/>
+                <a:ea typeface="Arial"/>
+                <a:cs typeface="Arial"/>
+                <a:sym typeface="Arial"/>
+              </a:defRPr>
             </a:lvl1pPr>
-            <a:lvl2pPr lvl="1">
-              <a:buNone/>
-              <a:defRPr/>
+            <a:lvl2pPr indent="0" lvl="1" marL="0" marR="0" algn="r">
+              <a:lnSpc>
+                <a:spcPct val="100000"/>
+              </a:lnSpc>
+              <a:spcBef>
+                <a:spcPts val="0"/>
+              </a:spcBef>
+              <a:spcAft>
+                <a:spcPts val="0"/>
+              </a:spcAft>
+              <a:buClr>
+                <a:srgbClr val="000000"/>
+              </a:buClr>
+              <a:buSzPts val="1000"/>
+              <a:buFont typeface="Arial"/>
+              <a:buNone/>
+              <a:defRPr b="0" i="0" sz="1000" u="none" cap="none" strike="noStrike">
+                <a:solidFill>
+                  <a:schemeClr val="dk2"/>
+                </a:solidFill>
+                <a:latin typeface="Arial"/>
+                <a:ea typeface="Arial"/>
+                <a:cs typeface="Arial"/>
+                <a:sym typeface="Arial"/>
+              </a:defRPr>
             </a:lvl2pPr>
-            <a:lvl3pPr lvl="2">
-              <a:buNone/>
-              <a:defRPr/>
+            <a:lvl3pPr indent="0" lvl="2" marL="0" marR="0" algn="r">
+              <a:lnSpc>
+                <a:spcPct val="100000"/>
+              </a:lnSpc>
+              <a:spcBef>
+                <a:spcPts val="0"/>
+              </a:spcBef>
+              <a:spcAft>
+                <a:spcPts val="0"/>
+              </a:spcAft>
+              <a:buClr>
+                <a:srgbClr val="000000"/>
+              </a:buClr>
+              <a:buSzPts val="1000"/>
+              <a:buFont typeface="Arial"/>
+              <a:buNone/>
+              <a:defRPr b="0" i="0" sz="1000" u="none" cap="none" strike="noStrike">
+                <a:solidFill>
+                  <a:schemeClr val="dk2"/>
+                </a:solidFill>
+                <a:latin typeface="Arial"/>
+                <a:ea typeface="Arial"/>
+                <a:cs typeface="Arial"/>
+                <a:sym typeface="Arial"/>
+              </a:defRPr>
             </a:lvl3pPr>
-            <a:lvl4pPr lvl="3">
-              <a:buNone/>
-              <a:defRPr/>
+            <a:lvl4pPr indent="0" lvl="3" marL="0" marR="0" algn="r">
+              <a:lnSpc>
+                <a:spcPct val="100000"/>
+              </a:lnSpc>
+              <a:spcBef>
+                <a:spcPts val="0"/>
+              </a:spcBef>
+              <a:spcAft>
+                <a:spcPts val="0"/>
+              </a:spcAft>
+              <a:buClr>
+                <a:srgbClr val="000000"/>
+              </a:buClr>
+              <a:buSzPts val="1000"/>
+              <a:buFont typeface="Arial"/>
+              <a:buNone/>
+              <a:defRPr b="0" i="0" sz="1000" u="none" cap="none" strike="noStrike">
+                <a:solidFill>
+                  <a:schemeClr val="dk2"/>
+                </a:solidFill>
+                <a:latin typeface="Arial"/>
+                <a:ea typeface="Arial"/>
+                <a:cs typeface="Arial"/>
+                <a:sym typeface="Arial"/>
+              </a:defRPr>
             </a:lvl4pPr>
-            <a:lvl5pPr lvl="4">
-              <a:buNone/>
-              <a:defRPr/>
+            <a:lvl5pPr indent="0" lvl="4" marL="0" marR="0" algn="r">
+              <a:lnSpc>
+                <a:spcPct val="100000"/>
+              </a:lnSpc>
+              <a:spcBef>
+                <a:spcPts val="0"/>
+              </a:spcBef>
+              <a:spcAft>
+                <a:spcPts val="0"/>
+              </a:spcAft>
+              <a:buClr>
+                <a:srgbClr val="000000"/>
+              </a:buClr>
+              <a:buSzPts val="1000"/>
+              <a:buFont typeface="Arial"/>
+              <a:buNone/>
+              <a:defRPr b="0" i="0" sz="1000" u="none" cap="none" strike="noStrike">
+                <a:solidFill>
+                  <a:schemeClr val="dk2"/>
+                </a:solidFill>
+                <a:latin typeface="Arial"/>
+                <a:ea typeface="Arial"/>
+                <a:cs typeface="Arial"/>
+                <a:sym typeface="Arial"/>
+              </a:defRPr>
             </a:lvl5pPr>
-            <a:lvl6pPr lvl="5">
-              <a:buNone/>
-              <a:defRPr/>
+            <a:lvl6pPr indent="0" lvl="5" marL="0" marR="0" algn="r">
+              <a:lnSpc>
+                <a:spcPct val="100000"/>
+              </a:lnSpc>
+              <a:spcBef>
+                <a:spcPts val="0"/>
+              </a:spcBef>
+              <a:spcAft>
+                <a:spcPts val="0"/>
+              </a:spcAft>
+              <a:buClr>
+                <a:srgbClr val="000000"/>
+              </a:buClr>
+              <a:buSzPts val="1000"/>
+              <a:buFont typeface="Arial"/>
+              <a:buNone/>
+              <a:defRPr b="0" i="0" sz="1000" u="none" cap="none" strike="noStrike">
+                <a:solidFill>
+                  <a:schemeClr val="dk2"/>
+                </a:solidFill>
+                <a:latin typeface="Arial"/>
+                <a:ea typeface="Arial"/>
+                <a:cs typeface="Arial"/>
+                <a:sym typeface="Arial"/>
+              </a:defRPr>
             </a:lvl6pPr>
-            <a:lvl7pPr lvl="6">
-              <a:buNone/>
-              <a:defRPr/>
+            <a:lvl7pPr indent="0" lvl="6" marL="0" marR="0" algn="r">
+              <a:lnSpc>
+                <a:spcPct val="100000"/>
+              </a:lnSpc>
+              <a:spcBef>
+                <a:spcPts val="0"/>
+              </a:spcBef>
+              <a:spcAft>
+                <a:spcPts val="0"/>
+              </a:spcAft>
+              <a:buClr>
+                <a:srgbClr val="000000"/>
+              </a:buClr>
+              <a:buSzPts val="1000"/>
+              <a:buFont typeface="Arial"/>
+              <a:buNone/>
+              <a:defRPr b="0" i="0" sz="1000" u="none" cap="none" strike="noStrike">
+                <a:solidFill>
+                  <a:schemeClr val="dk2"/>
+                </a:solidFill>
+                <a:latin typeface="Arial"/>
+                <a:ea typeface="Arial"/>
+                <a:cs typeface="Arial"/>
+                <a:sym typeface="Arial"/>
+              </a:defRPr>
             </a:lvl7pPr>
-            <a:lvl8pPr lvl="7">
-              <a:buNone/>
-              <a:defRPr/>
+            <a:lvl8pPr indent="0" lvl="7" marL="0" marR="0" algn="r">
+              <a:lnSpc>
+                <a:spcPct val="100000"/>
+              </a:lnSpc>
+              <a:spcBef>
+                <a:spcPts val="0"/>
+              </a:spcBef>
+              <a:spcAft>
+                <a:spcPts val="0"/>
+              </a:spcAft>
+              <a:buClr>
+                <a:srgbClr val="000000"/>
+              </a:buClr>
+              <a:buSzPts val="1000"/>
+              <a:buFont typeface="Arial"/>
+              <a:buNone/>
+              <a:defRPr b="0" i="0" sz="1000" u="none" cap="none" strike="noStrike">
+                <a:solidFill>
+                  <a:schemeClr val="dk2"/>
+                </a:solidFill>
+                <a:latin typeface="Arial"/>
+                <a:ea typeface="Arial"/>
+                <a:cs typeface="Arial"/>
+                <a:sym typeface="Arial"/>
+              </a:defRPr>
             </a:lvl8pPr>
-            <a:lvl9pPr lvl="8">
-              <a:buNone/>
-              <a:defRPr/>
+            <a:lvl9pPr indent="0" lvl="8" marL="0" marR="0" algn="r">
+              <a:lnSpc>
+                <a:spcPct val="100000"/>
+              </a:lnSpc>
+              <a:spcBef>
+                <a:spcPts val="0"/>
+              </a:spcBef>
+              <a:spcAft>
+                <a:spcPts val="0"/>
+              </a:spcAft>
+              <a:buClr>
+                <a:srgbClr val="000000"/>
+              </a:buClr>
+              <a:buSzPts val="1000"/>
+              <a:buFont typeface="Arial"/>
+              <a:buNone/>
+              <a:defRPr b="0" i="0" sz="1000" u="none" cap="none" strike="noStrike">
+                <a:solidFill>
+                  <a:schemeClr val="dk2"/>
+                </a:solidFill>
+                <a:latin typeface="Arial"/>
+                <a:ea typeface="Arial"/>
+                <a:cs typeface="Arial"/>
+                <a:sym typeface="Arial"/>
+              </a:defRPr>
             </a:lvl9pPr>
           </a:lstStyle>
           <a:p>
@@ -3008,7 +5112,7 @@
       </p:grpSpPr>
       <p:sp>
         <p:nvSpPr>
-          <p:cNvPr id="29" name="Google Shape;29;p7"/>
+          <p:cNvPr id="29" name="Google Shape;29;p9"/>
           <p:cNvSpPr txBox="1"/>
           <p:nvPr>
             <p:ph type="title"/>
@@ -3022,13 +5126,20 @@
           <a:prstGeom prst="rect">
             <a:avLst/>
           </a:prstGeom>
+          <a:noFill/>
+          <a:ln>
+            <a:noFill/>
+          </a:ln>
         </p:spPr>
         <p:txBody>
           <a:bodyPr anchorCtr="0" anchor="b" bIns="91425" lIns="91425" spcFirstLastPara="1" rIns="91425" wrap="square" tIns="91425">
             <a:normAutofit/>
           </a:bodyPr>
           <a:lstStyle>
-            <a:lvl1pPr lvl="0">
+            <a:lvl1pPr lvl="0" algn="l">
+              <a:lnSpc>
+                <a:spcPct val="100000"/>
+              </a:lnSpc>
               <a:spcBef>
                 <a:spcPts val="0"/>
               </a:spcBef>
@@ -3039,7 +5150,10 @@
               <a:buNone/>
               <a:defRPr sz="2400"/>
             </a:lvl1pPr>
-            <a:lvl2pPr lvl="1">
+            <a:lvl2pPr lvl="1" algn="l">
+              <a:lnSpc>
+                <a:spcPct val="100000"/>
+              </a:lnSpc>
               <a:spcBef>
                 <a:spcPts val="0"/>
               </a:spcBef>
@@ -3050,7 +5164,10 @@
               <a:buNone/>
               <a:defRPr sz="2400"/>
             </a:lvl2pPr>
-            <a:lvl3pPr lvl="2">
+            <a:lvl3pPr lvl="2" algn="l">
+              <a:lnSpc>
+                <a:spcPct val="100000"/>
+              </a:lnSpc>
               <a:spcBef>
                 <a:spcPts val="0"/>
               </a:spcBef>
@@ -3061,7 +5178,10 @@
               <a:buNone/>
               <a:defRPr sz="2400"/>
             </a:lvl3pPr>
-            <a:lvl4pPr lvl="3">
+            <a:lvl4pPr lvl="3" algn="l">
+              <a:lnSpc>
+                <a:spcPct val="100000"/>
+              </a:lnSpc>
               <a:spcBef>
                 <a:spcPts val="0"/>
               </a:spcBef>
@@ -3072,7 +5192,10 @@
               <a:buNone/>
               <a:defRPr sz="2400"/>
             </a:lvl4pPr>
-            <a:lvl5pPr lvl="4">
+            <a:lvl5pPr lvl="4" algn="l">
+              <a:lnSpc>
+                <a:spcPct val="100000"/>
+              </a:lnSpc>
               <a:spcBef>
                 <a:spcPts val="0"/>
               </a:spcBef>
@@ -3083,7 +5206,10 @@
               <a:buNone/>
               <a:defRPr sz="2400"/>
             </a:lvl5pPr>
-            <a:lvl6pPr lvl="5">
+            <a:lvl6pPr lvl="5" algn="l">
+              <a:lnSpc>
+                <a:spcPct val="100000"/>
+              </a:lnSpc>
               <a:spcBef>
                 <a:spcPts val="0"/>
               </a:spcBef>
@@ -3094,7 +5220,10 @@
               <a:buNone/>
               <a:defRPr sz="2400"/>
             </a:lvl6pPr>
-            <a:lvl7pPr lvl="6">
+            <a:lvl7pPr lvl="6" algn="l">
+              <a:lnSpc>
+                <a:spcPct val="100000"/>
+              </a:lnSpc>
               <a:spcBef>
                 <a:spcPts val="0"/>
               </a:spcBef>
@@ -3105,7 +5234,10 @@
               <a:buNone/>
               <a:defRPr sz="2400"/>
             </a:lvl7pPr>
-            <a:lvl8pPr lvl="7">
+            <a:lvl8pPr lvl="7" algn="l">
+              <a:lnSpc>
+                <a:spcPct val="100000"/>
+              </a:lnSpc>
               <a:spcBef>
                 <a:spcPts val="0"/>
               </a:spcBef>
@@ -3116,7 +5248,10 @@
               <a:buNone/>
               <a:defRPr sz="2400"/>
             </a:lvl8pPr>
-            <a:lvl9pPr lvl="8">
+            <a:lvl9pPr lvl="8" algn="l">
+              <a:lnSpc>
+                <a:spcPct val="100000"/>
+              </a:lnSpc>
               <a:spcBef>
                 <a:spcPts val="0"/>
               </a:spcBef>
@@ -3133,7 +5268,7 @@
       </p:sp>
       <p:sp>
         <p:nvSpPr>
-          <p:cNvPr id="30" name="Google Shape;30;p7"/>
+          <p:cNvPr id="30" name="Google Shape;30;p9"/>
           <p:cNvSpPr txBox="1"/>
           <p:nvPr>
             <p:ph idx="1" type="body"/>
@@ -3147,13 +5282,20 @@
           <a:prstGeom prst="rect">
             <a:avLst/>
           </a:prstGeom>
+          <a:noFill/>
+          <a:ln>
+            <a:noFill/>
+          </a:ln>
         </p:spPr>
         <p:txBody>
           <a:bodyPr anchorCtr="0" anchor="t" bIns="91425" lIns="91425" spcFirstLastPara="1" rIns="91425" wrap="square" tIns="91425">
             <a:normAutofit/>
           </a:bodyPr>
           <a:lstStyle>
-            <a:lvl1pPr indent="-304800" lvl="0" marL="457200">
+            <a:lvl1pPr indent="-304800" lvl="0" marL="457200" algn="l">
+              <a:lnSpc>
+                <a:spcPct val="115000"/>
+              </a:lnSpc>
               <a:spcBef>
                 <a:spcPts val="0"/>
               </a:spcBef>
@@ -3164,7 +5306,10 @@
               <a:buChar char="●"/>
               <a:defRPr sz="1200"/>
             </a:lvl1pPr>
-            <a:lvl2pPr indent="-304800" lvl="1" marL="914400">
+            <a:lvl2pPr indent="-304800" lvl="1" marL="914400" algn="l">
+              <a:lnSpc>
+                <a:spcPct val="115000"/>
+              </a:lnSpc>
               <a:spcBef>
                 <a:spcPts val="0"/>
               </a:spcBef>
@@ -3175,7 +5320,10 @@
               <a:buChar char="○"/>
               <a:defRPr sz="1200"/>
             </a:lvl2pPr>
-            <a:lvl3pPr indent="-304800" lvl="2" marL="1371600">
+            <a:lvl3pPr indent="-304800" lvl="2" marL="1371600" algn="l">
+              <a:lnSpc>
+                <a:spcPct val="115000"/>
+              </a:lnSpc>
               <a:spcBef>
                 <a:spcPts val="0"/>
               </a:spcBef>
@@ -3186,7 +5334,10 @@
               <a:buChar char="■"/>
               <a:defRPr sz="1200"/>
             </a:lvl3pPr>
-            <a:lvl4pPr indent="-304800" lvl="3" marL="1828800">
+            <a:lvl4pPr indent="-304800" lvl="3" marL="1828800" algn="l">
+              <a:lnSpc>
+                <a:spcPct val="115000"/>
+              </a:lnSpc>
               <a:spcBef>
                 <a:spcPts val="0"/>
               </a:spcBef>
@@ -3197,7 +5348,10 @@
               <a:buChar char="●"/>
               <a:defRPr sz="1200"/>
             </a:lvl4pPr>
-            <a:lvl5pPr indent="-304800" lvl="4" marL="2286000">
+            <a:lvl5pPr indent="-304800" lvl="4" marL="2286000" algn="l">
+              <a:lnSpc>
+                <a:spcPct val="115000"/>
+              </a:lnSpc>
               <a:spcBef>
                 <a:spcPts val="0"/>
               </a:spcBef>
@@ -3208,7 +5362,10 @@
               <a:buChar char="○"/>
               <a:defRPr sz="1200"/>
             </a:lvl5pPr>
-            <a:lvl6pPr indent="-304800" lvl="5" marL="2743200">
+            <a:lvl6pPr indent="-304800" lvl="5" marL="2743200" algn="l">
+              <a:lnSpc>
+                <a:spcPct val="115000"/>
+              </a:lnSpc>
               <a:spcBef>
                 <a:spcPts val="0"/>
               </a:spcBef>
@@ -3219,7 +5376,10 @@
               <a:buChar char="■"/>
               <a:defRPr sz="1200"/>
             </a:lvl6pPr>
-            <a:lvl7pPr indent="-304800" lvl="6" marL="3200400">
+            <a:lvl7pPr indent="-304800" lvl="6" marL="3200400" algn="l">
+              <a:lnSpc>
+                <a:spcPct val="115000"/>
+              </a:lnSpc>
               <a:spcBef>
                 <a:spcPts val="0"/>
               </a:spcBef>
@@ -3230,7 +5390,10 @@
               <a:buChar char="●"/>
               <a:defRPr sz="1200"/>
             </a:lvl7pPr>
-            <a:lvl8pPr indent="-304800" lvl="7" marL="3657600">
+            <a:lvl8pPr indent="-304800" lvl="7" marL="3657600" algn="l">
+              <a:lnSpc>
+                <a:spcPct val="115000"/>
+              </a:lnSpc>
               <a:spcBef>
                 <a:spcPts val="0"/>
               </a:spcBef>
@@ -3241,7 +5404,10 @@
               <a:buChar char="○"/>
               <a:defRPr sz="1200"/>
             </a:lvl8pPr>
-            <a:lvl9pPr indent="-304800" lvl="8" marL="4114800">
+            <a:lvl9pPr indent="-304800" lvl="8" marL="4114800" algn="l">
+              <a:lnSpc>
+                <a:spcPct val="115000"/>
+              </a:lnSpc>
               <a:spcBef>
                 <a:spcPts val="0"/>
               </a:spcBef>
@@ -3258,7 +5424,7 @@
       </p:sp>
       <p:sp>
         <p:nvSpPr>
-          <p:cNvPr id="31" name="Google Shape;31;p7"/>
+          <p:cNvPr id="31" name="Google Shape;31;p9"/>
           <p:cNvSpPr txBox="1"/>
           <p:nvPr>
             <p:ph idx="12" type="sldNum"/>
@@ -3272,47 +5438,249 @@
           <a:prstGeom prst="rect">
             <a:avLst/>
           </a:prstGeom>
+          <a:noFill/>
+          <a:ln>
+            <a:noFill/>
+          </a:ln>
         </p:spPr>
         <p:txBody>
           <a:bodyPr anchorCtr="0" anchor="ctr" bIns="91425" lIns="91425" spcFirstLastPara="1" rIns="91425" wrap="square" tIns="91425">
             <a:normAutofit/>
           </a:bodyPr>
           <a:lstStyle>
-            <a:lvl1pPr lvl="0">
-              <a:buNone/>
-              <a:defRPr/>
+            <a:lvl1pPr indent="0" lvl="0" marL="0" marR="0" algn="r">
+              <a:lnSpc>
+                <a:spcPct val="100000"/>
+              </a:lnSpc>
+              <a:spcBef>
+                <a:spcPts val="0"/>
+              </a:spcBef>
+              <a:spcAft>
+                <a:spcPts val="0"/>
+              </a:spcAft>
+              <a:buClr>
+                <a:srgbClr val="000000"/>
+              </a:buClr>
+              <a:buSzPts val="1000"/>
+              <a:buFont typeface="Arial"/>
+              <a:buNone/>
+              <a:defRPr b="0" i="0" sz="1000" u="none" cap="none" strike="noStrike">
+                <a:solidFill>
+                  <a:schemeClr val="dk2"/>
+                </a:solidFill>
+                <a:latin typeface="Arial"/>
+                <a:ea typeface="Arial"/>
+                <a:cs typeface="Arial"/>
+                <a:sym typeface="Arial"/>
+              </a:defRPr>
             </a:lvl1pPr>
-            <a:lvl2pPr lvl="1">
-              <a:buNone/>
-              <a:defRPr/>
+            <a:lvl2pPr indent="0" lvl="1" marL="0" marR="0" algn="r">
+              <a:lnSpc>
+                <a:spcPct val="100000"/>
+              </a:lnSpc>
+              <a:spcBef>
+                <a:spcPts val="0"/>
+              </a:spcBef>
+              <a:spcAft>
+                <a:spcPts val="0"/>
+              </a:spcAft>
+              <a:buClr>
+                <a:srgbClr val="000000"/>
+              </a:buClr>
+              <a:buSzPts val="1000"/>
+              <a:buFont typeface="Arial"/>
+              <a:buNone/>
+              <a:defRPr b="0" i="0" sz="1000" u="none" cap="none" strike="noStrike">
+                <a:solidFill>
+                  <a:schemeClr val="dk2"/>
+                </a:solidFill>
+                <a:latin typeface="Arial"/>
+                <a:ea typeface="Arial"/>
+                <a:cs typeface="Arial"/>
+                <a:sym typeface="Arial"/>
+              </a:defRPr>
             </a:lvl2pPr>
-            <a:lvl3pPr lvl="2">
-              <a:buNone/>
-              <a:defRPr/>
+            <a:lvl3pPr indent="0" lvl="2" marL="0" marR="0" algn="r">
+              <a:lnSpc>
+                <a:spcPct val="100000"/>
+              </a:lnSpc>
+              <a:spcBef>
+                <a:spcPts val="0"/>
+              </a:spcBef>
+              <a:spcAft>
+                <a:spcPts val="0"/>
+              </a:spcAft>
+              <a:buClr>
+                <a:srgbClr val="000000"/>
+              </a:buClr>
+              <a:buSzPts val="1000"/>
+              <a:buFont typeface="Arial"/>
+              <a:buNone/>
+              <a:defRPr b="0" i="0" sz="1000" u="none" cap="none" strike="noStrike">
+                <a:solidFill>
+                  <a:schemeClr val="dk2"/>
+                </a:solidFill>
+                <a:latin typeface="Arial"/>
+                <a:ea typeface="Arial"/>
+                <a:cs typeface="Arial"/>
+                <a:sym typeface="Arial"/>
+              </a:defRPr>
             </a:lvl3pPr>
-            <a:lvl4pPr lvl="3">
-              <a:buNone/>
-              <a:defRPr/>
+            <a:lvl4pPr indent="0" lvl="3" marL="0" marR="0" algn="r">
+              <a:lnSpc>
+                <a:spcPct val="100000"/>
+              </a:lnSpc>
+              <a:spcBef>
+                <a:spcPts val="0"/>
+              </a:spcBef>
+              <a:spcAft>
+                <a:spcPts val="0"/>
+              </a:spcAft>
+              <a:buClr>
+                <a:srgbClr val="000000"/>
+              </a:buClr>
+              <a:buSzPts val="1000"/>
+              <a:buFont typeface="Arial"/>
+              <a:buNone/>
+              <a:defRPr b="0" i="0" sz="1000" u="none" cap="none" strike="noStrike">
+                <a:solidFill>
+                  <a:schemeClr val="dk2"/>
+                </a:solidFill>
+                <a:latin typeface="Arial"/>
+                <a:ea typeface="Arial"/>
+                <a:cs typeface="Arial"/>
+                <a:sym typeface="Arial"/>
+              </a:defRPr>
             </a:lvl4pPr>
-            <a:lvl5pPr lvl="4">
-              <a:buNone/>
-              <a:defRPr/>
+            <a:lvl5pPr indent="0" lvl="4" marL="0" marR="0" algn="r">
+              <a:lnSpc>
+                <a:spcPct val="100000"/>
+              </a:lnSpc>
+              <a:spcBef>
+                <a:spcPts val="0"/>
+              </a:spcBef>
+              <a:spcAft>
+                <a:spcPts val="0"/>
+              </a:spcAft>
+              <a:buClr>
+                <a:srgbClr val="000000"/>
+              </a:buClr>
+              <a:buSzPts val="1000"/>
+              <a:buFont typeface="Arial"/>
+              <a:buNone/>
+              <a:defRPr b="0" i="0" sz="1000" u="none" cap="none" strike="noStrike">
+                <a:solidFill>
+                  <a:schemeClr val="dk2"/>
+                </a:solidFill>
+                <a:latin typeface="Arial"/>
+                <a:ea typeface="Arial"/>
+                <a:cs typeface="Arial"/>
+                <a:sym typeface="Arial"/>
+              </a:defRPr>
             </a:lvl5pPr>
-            <a:lvl6pPr lvl="5">
-              <a:buNone/>
-              <a:defRPr/>
+            <a:lvl6pPr indent="0" lvl="5" marL="0" marR="0" algn="r">
+              <a:lnSpc>
+                <a:spcPct val="100000"/>
+              </a:lnSpc>
+              <a:spcBef>
+                <a:spcPts val="0"/>
+              </a:spcBef>
+              <a:spcAft>
+                <a:spcPts val="0"/>
+              </a:spcAft>
+              <a:buClr>
+                <a:srgbClr val="000000"/>
+              </a:buClr>
+              <a:buSzPts val="1000"/>
+              <a:buFont typeface="Arial"/>
+              <a:buNone/>
+              <a:defRPr b="0" i="0" sz="1000" u="none" cap="none" strike="noStrike">
+                <a:solidFill>
+                  <a:schemeClr val="dk2"/>
+                </a:solidFill>
+                <a:latin typeface="Arial"/>
+                <a:ea typeface="Arial"/>
+                <a:cs typeface="Arial"/>
+                <a:sym typeface="Arial"/>
+              </a:defRPr>
             </a:lvl6pPr>
-            <a:lvl7pPr lvl="6">
-              <a:buNone/>
-              <a:defRPr/>
+            <a:lvl7pPr indent="0" lvl="6" marL="0" marR="0" algn="r">
+              <a:lnSpc>
+                <a:spcPct val="100000"/>
+              </a:lnSpc>
+              <a:spcBef>
+                <a:spcPts val="0"/>
+              </a:spcBef>
+              <a:spcAft>
+                <a:spcPts val="0"/>
+              </a:spcAft>
+              <a:buClr>
+                <a:srgbClr val="000000"/>
+              </a:buClr>
+              <a:buSzPts val="1000"/>
+              <a:buFont typeface="Arial"/>
+              <a:buNone/>
+              <a:defRPr b="0" i="0" sz="1000" u="none" cap="none" strike="noStrike">
+                <a:solidFill>
+                  <a:schemeClr val="dk2"/>
+                </a:solidFill>
+                <a:latin typeface="Arial"/>
+                <a:ea typeface="Arial"/>
+                <a:cs typeface="Arial"/>
+                <a:sym typeface="Arial"/>
+              </a:defRPr>
             </a:lvl7pPr>
-            <a:lvl8pPr lvl="7">
-              <a:buNone/>
-              <a:defRPr/>
+            <a:lvl8pPr indent="0" lvl="7" marL="0" marR="0" algn="r">
+              <a:lnSpc>
+                <a:spcPct val="100000"/>
+              </a:lnSpc>
+              <a:spcBef>
+                <a:spcPts val="0"/>
+              </a:spcBef>
+              <a:spcAft>
+                <a:spcPts val="0"/>
+              </a:spcAft>
+              <a:buClr>
+                <a:srgbClr val="000000"/>
+              </a:buClr>
+              <a:buSzPts val="1000"/>
+              <a:buFont typeface="Arial"/>
+              <a:buNone/>
+              <a:defRPr b="0" i="0" sz="1000" u="none" cap="none" strike="noStrike">
+                <a:solidFill>
+                  <a:schemeClr val="dk2"/>
+                </a:solidFill>
+                <a:latin typeface="Arial"/>
+                <a:ea typeface="Arial"/>
+                <a:cs typeface="Arial"/>
+                <a:sym typeface="Arial"/>
+              </a:defRPr>
             </a:lvl8pPr>
-            <a:lvl9pPr lvl="8">
-              <a:buNone/>
-              <a:defRPr/>
+            <a:lvl9pPr indent="0" lvl="8" marL="0" marR="0" algn="r">
+              <a:lnSpc>
+                <a:spcPct val="100000"/>
+              </a:lnSpc>
+              <a:spcBef>
+                <a:spcPts val="0"/>
+              </a:spcBef>
+              <a:spcAft>
+                <a:spcPts val="0"/>
+              </a:spcAft>
+              <a:buClr>
+                <a:srgbClr val="000000"/>
+              </a:buClr>
+              <a:buSzPts val="1000"/>
+              <a:buFont typeface="Arial"/>
+              <a:buNone/>
+              <a:defRPr b="0" i="0" sz="1000" u="none" cap="none" strike="noStrike">
+                <a:solidFill>
+                  <a:schemeClr val="dk2"/>
+                </a:solidFill>
+                <a:latin typeface="Arial"/>
+                <a:ea typeface="Arial"/>
+                <a:cs typeface="Arial"/>
+                <a:sym typeface="Arial"/>
+              </a:defRPr>
             </a:lvl9pPr>
           </a:lstStyle>
           <a:p>
@@ -3360,7 +5728,7 @@
       </p:grpSpPr>
       <p:sp>
         <p:nvSpPr>
-          <p:cNvPr id="33" name="Google Shape;33;p8"/>
+          <p:cNvPr id="33" name="Google Shape;33;p10"/>
           <p:cNvSpPr txBox="1"/>
           <p:nvPr>
             <p:ph type="title"/>
@@ -3374,13 +5742,20 @@
           <a:prstGeom prst="rect">
             <a:avLst/>
           </a:prstGeom>
+          <a:noFill/>
+          <a:ln>
+            <a:noFill/>
+          </a:ln>
         </p:spPr>
         <p:txBody>
           <a:bodyPr anchorCtr="0" anchor="ctr" bIns="91425" lIns="91425" spcFirstLastPara="1" rIns="91425" wrap="square" tIns="91425">
             <a:normAutofit/>
           </a:bodyPr>
           <a:lstStyle>
-            <a:lvl1pPr lvl="0">
+            <a:lvl1pPr lvl="0" algn="l">
+              <a:lnSpc>
+                <a:spcPct val="100000"/>
+              </a:lnSpc>
               <a:spcBef>
                 <a:spcPts val="0"/>
               </a:spcBef>
@@ -3391,7 +5766,10 @@
               <a:buNone/>
               <a:defRPr sz="4800"/>
             </a:lvl1pPr>
-            <a:lvl2pPr lvl="1">
+            <a:lvl2pPr lvl="1" algn="l">
+              <a:lnSpc>
+                <a:spcPct val="100000"/>
+              </a:lnSpc>
               <a:spcBef>
                 <a:spcPts val="0"/>
               </a:spcBef>
@@ -3402,7 +5780,10 @@
               <a:buNone/>
               <a:defRPr sz="4800"/>
             </a:lvl2pPr>
-            <a:lvl3pPr lvl="2">
+            <a:lvl3pPr lvl="2" algn="l">
+              <a:lnSpc>
+                <a:spcPct val="100000"/>
+              </a:lnSpc>
               <a:spcBef>
                 <a:spcPts val="0"/>
               </a:spcBef>
@@ -3413,7 +5794,10 @@
               <a:buNone/>
               <a:defRPr sz="4800"/>
             </a:lvl3pPr>
-            <a:lvl4pPr lvl="3">
+            <a:lvl4pPr lvl="3" algn="l">
+              <a:lnSpc>
+                <a:spcPct val="100000"/>
+              </a:lnSpc>
               <a:spcBef>
                 <a:spcPts val="0"/>
               </a:spcBef>
@@ -3424,7 +5808,10 @@
               <a:buNone/>
               <a:defRPr sz="4800"/>
             </a:lvl4pPr>
-            <a:lvl5pPr lvl="4">
+            <a:lvl5pPr lvl="4" algn="l">
+              <a:lnSpc>
+                <a:spcPct val="100000"/>
+              </a:lnSpc>
               <a:spcBef>
                 <a:spcPts val="0"/>
               </a:spcBef>
@@ -3435,7 +5822,10 @@
               <a:buNone/>
               <a:defRPr sz="4800"/>
             </a:lvl5pPr>
-            <a:lvl6pPr lvl="5">
+            <a:lvl6pPr lvl="5" algn="l">
+              <a:lnSpc>
+                <a:spcPct val="100000"/>
+              </a:lnSpc>
               <a:spcBef>
                 <a:spcPts val="0"/>
               </a:spcBef>
@@ -3446,7 +5836,10 @@
               <a:buNone/>
               <a:defRPr sz="4800"/>
             </a:lvl6pPr>
-            <a:lvl7pPr lvl="6">
+            <a:lvl7pPr lvl="6" algn="l">
+              <a:lnSpc>
+                <a:spcPct val="100000"/>
+              </a:lnSpc>
               <a:spcBef>
                 <a:spcPts val="0"/>
               </a:spcBef>
@@ -3457,7 +5850,10 @@
               <a:buNone/>
               <a:defRPr sz="4800"/>
             </a:lvl7pPr>
-            <a:lvl8pPr lvl="7">
+            <a:lvl8pPr lvl="7" algn="l">
+              <a:lnSpc>
+                <a:spcPct val="100000"/>
+              </a:lnSpc>
               <a:spcBef>
                 <a:spcPts val="0"/>
               </a:spcBef>
@@ -3468,7 +5864,10 @@
               <a:buNone/>
               <a:defRPr sz="4800"/>
             </a:lvl8pPr>
-            <a:lvl9pPr lvl="8">
+            <a:lvl9pPr lvl="8" algn="l">
+              <a:lnSpc>
+                <a:spcPct val="100000"/>
+              </a:lnSpc>
               <a:spcBef>
                 <a:spcPts val="0"/>
               </a:spcBef>
@@ -3485,7 +5884,7 @@
       </p:sp>
       <p:sp>
         <p:nvSpPr>
-          <p:cNvPr id="34" name="Google Shape;34;p8"/>
+          <p:cNvPr id="34" name="Google Shape;34;p10"/>
           <p:cNvSpPr txBox="1"/>
           <p:nvPr>
             <p:ph idx="12" type="sldNum"/>
@@ -3499,47 +5898,249 @@
           <a:prstGeom prst="rect">
             <a:avLst/>
           </a:prstGeom>
+          <a:noFill/>
+          <a:ln>
+            <a:noFill/>
+          </a:ln>
         </p:spPr>
         <p:txBody>
           <a:bodyPr anchorCtr="0" anchor="ctr" bIns="91425" lIns="91425" spcFirstLastPara="1" rIns="91425" wrap="square" tIns="91425">
             <a:normAutofit/>
           </a:bodyPr>
           <a:lstStyle>
-            <a:lvl1pPr lvl="0">
-              <a:buNone/>
-              <a:defRPr/>
+            <a:lvl1pPr indent="0" lvl="0" marL="0" marR="0" algn="r">
+              <a:lnSpc>
+                <a:spcPct val="100000"/>
+              </a:lnSpc>
+              <a:spcBef>
+                <a:spcPts val="0"/>
+              </a:spcBef>
+              <a:spcAft>
+                <a:spcPts val="0"/>
+              </a:spcAft>
+              <a:buClr>
+                <a:srgbClr val="000000"/>
+              </a:buClr>
+              <a:buSzPts val="1000"/>
+              <a:buFont typeface="Arial"/>
+              <a:buNone/>
+              <a:defRPr b="0" i="0" sz="1000" u="none" cap="none" strike="noStrike">
+                <a:solidFill>
+                  <a:schemeClr val="dk2"/>
+                </a:solidFill>
+                <a:latin typeface="Arial"/>
+                <a:ea typeface="Arial"/>
+                <a:cs typeface="Arial"/>
+                <a:sym typeface="Arial"/>
+              </a:defRPr>
             </a:lvl1pPr>
-            <a:lvl2pPr lvl="1">
-              <a:buNone/>
-              <a:defRPr/>
+            <a:lvl2pPr indent="0" lvl="1" marL="0" marR="0" algn="r">
+              <a:lnSpc>
+                <a:spcPct val="100000"/>
+              </a:lnSpc>
+              <a:spcBef>
+                <a:spcPts val="0"/>
+              </a:spcBef>
+              <a:spcAft>
+                <a:spcPts val="0"/>
+              </a:spcAft>
+              <a:buClr>
+                <a:srgbClr val="000000"/>
+              </a:buClr>
+              <a:buSzPts val="1000"/>
+              <a:buFont typeface="Arial"/>
+              <a:buNone/>
+              <a:defRPr b="0" i="0" sz="1000" u="none" cap="none" strike="noStrike">
+                <a:solidFill>
+                  <a:schemeClr val="dk2"/>
+                </a:solidFill>
+                <a:latin typeface="Arial"/>
+                <a:ea typeface="Arial"/>
+                <a:cs typeface="Arial"/>
+                <a:sym typeface="Arial"/>
+              </a:defRPr>
             </a:lvl2pPr>
-            <a:lvl3pPr lvl="2">
-              <a:buNone/>
-              <a:defRPr/>
+            <a:lvl3pPr indent="0" lvl="2" marL="0" marR="0" algn="r">
+              <a:lnSpc>
+                <a:spcPct val="100000"/>
+              </a:lnSpc>
+              <a:spcBef>
+                <a:spcPts val="0"/>
+              </a:spcBef>
+              <a:spcAft>
+                <a:spcPts val="0"/>
+              </a:spcAft>
+              <a:buClr>
+                <a:srgbClr val="000000"/>
+              </a:buClr>
+              <a:buSzPts val="1000"/>
+              <a:buFont typeface="Arial"/>
+              <a:buNone/>
+              <a:defRPr b="0" i="0" sz="1000" u="none" cap="none" strike="noStrike">
+                <a:solidFill>
+                  <a:schemeClr val="dk2"/>
+                </a:solidFill>
+                <a:latin typeface="Arial"/>
+                <a:ea typeface="Arial"/>
+                <a:cs typeface="Arial"/>
+                <a:sym typeface="Arial"/>
+              </a:defRPr>
             </a:lvl3pPr>
-            <a:lvl4pPr lvl="3">
-              <a:buNone/>
-              <a:defRPr/>
+            <a:lvl4pPr indent="0" lvl="3" marL="0" marR="0" algn="r">
+              <a:lnSpc>
+                <a:spcPct val="100000"/>
+              </a:lnSpc>
+              <a:spcBef>
+                <a:spcPts val="0"/>
+              </a:spcBef>
+              <a:spcAft>
+                <a:spcPts val="0"/>
+              </a:spcAft>
+              <a:buClr>
+                <a:srgbClr val="000000"/>
+              </a:buClr>
+              <a:buSzPts val="1000"/>
+              <a:buFont typeface="Arial"/>
+              <a:buNone/>
+              <a:defRPr b="0" i="0" sz="1000" u="none" cap="none" strike="noStrike">
+                <a:solidFill>
+                  <a:schemeClr val="dk2"/>
+                </a:solidFill>
+                <a:latin typeface="Arial"/>
+                <a:ea typeface="Arial"/>
+                <a:cs typeface="Arial"/>
+                <a:sym typeface="Arial"/>
+              </a:defRPr>
             </a:lvl4pPr>
-            <a:lvl5pPr lvl="4">
-              <a:buNone/>
-              <a:defRPr/>
+            <a:lvl5pPr indent="0" lvl="4" marL="0" marR="0" algn="r">
+              <a:lnSpc>
+                <a:spcPct val="100000"/>
+              </a:lnSpc>
+              <a:spcBef>
+                <a:spcPts val="0"/>
+              </a:spcBef>
+              <a:spcAft>
+                <a:spcPts val="0"/>
+              </a:spcAft>
+              <a:buClr>
+                <a:srgbClr val="000000"/>
+              </a:buClr>
+              <a:buSzPts val="1000"/>
+              <a:buFont typeface="Arial"/>
+              <a:buNone/>
+              <a:defRPr b="0" i="0" sz="1000" u="none" cap="none" strike="noStrike">
+                <a:solidFill>
+                  <a:schemeClr val="dk2"/>
+                </a:solidFill>
+                <a:latin typeface="Arial"/>
+                <a:ea typeface="Arial"/>
+                <a:cs typeface="Arial"/>
+                <a:sym typeface="Arial"/>
+              </a:defRPr>
             </a:lvl5pPr>
-            <a:lvl6pPr lvl="5">
-              <a:buNone/>
-              <a:defRPr/>
+            <a:lvl6pPr indent="0" lvl="5" marL="0" marR="0" algn="r">
+              <a:lnSpc>
+                <a:spcPct val="100000"/>
+              </a:lnSpc>
+              <a:spcBef>
+                <a:spcPts val="0"/>
+              </a:spcBef>
+              <a:spcAft>
+                <a:spcPts val="0"/>
+              </a:spcAft>
+              <a:buClr>
+                <a:srgbClr val="000000"/>
+              </a:buClr>
+              <a:buSzPts val="1000"/>
+              <a:buFont typeface="Arial"/>
+              <a:buNone/>
+              <a:defRPr b="0" i="0" sz="1000" u="none" cap="none" strike="noStrike">
+                <a:solidFill>
+                  <a:schemeClr val="dk2"/>
+                </a:solidFill>
+                <a:latin typeface="Arial"/>
+                <a:ea typeface="Arial"/>
+                <a:cs typeface="Arial"/>
+                <a:sym typeface="Arial"/>
+              </a:defRPr>
             </a:lvl6pPr>
-            <a:lvl7pPr lvl="6">
-              <a:buNone/>
-              <a:defRPr/>
+            <a:lvl7pPr indent="0" lvl="6" marL="0" marR="0" algn="r">
+              <a:lnSpc>
+                <a:spcPct val="100000"/>
+              </a:lnSpc>
+              <a:spcBef>
+                <a:spcPts val="0"/>
+              </a:spcBef>
+              <a:spcAft>
+                <a:spcPts val="0"/>
+              </a:spcAft>
+              <a:buClr>
+                <a:srgbClr val="000000"/>
+              </a:buClr>
+              <a:buSzPts val="1000"/>
+              <a:buFont typeface="Arial"/>
+              <a:buNone/>
+              <a:defRPr b="0" i="0" sz="1000" u="none" cap="none" strike="noStrike">
+                <a:solidFill>
+                  <a:schemeClr val="dk2"/>
+                </a:solidFill>
+                <a:latin typeface="Arial"/>
+                <a:ea typeface="Arial"/>
+                <a:cs typeface="Arial"/>
+                <a:sym typeface="Arial"/>
+              </a:defRPr>
             </a:lvl7pPr>
-            <a:lvl8pPr lvl="7">
-              <a:buNone/>
-              <a:defRPr/>
+            <a:lvl8pPr indent="0" lvl="7" marL="0" marR="0" algn="r">
+              <a:lnSpc>
+                <a:spcPct val="100000"/>
+              </a:lnSpc>
+              <a:spcBef>
+                <a:spcPts val="0"/>
+              </a:spcBef>
+              <a:spcAft>
+                <a:spcPts val="0"/>
+              </a:spcAft>
+              <a:buClr>
+                <a:srgbClr val="000000"/>
+              </a:buClr>
+              <a:buSzPts val="1000"/>
+              <a:buFont typeface="Arial"/>
+              <a:buNone/>
+              <a:defRPr b="0" i="0" sz="1000" u="none" cap="none" strike="noStrike">
+                <a:solidFill>
+                  <a:schemeClr val="dk2"/>
+                </a:solidFill>
+                <a:latin typeface="Arial"/>
+                <a:ea typeface="Arial"/>
+                <a:cs typeface="Arial"/>
+                <a:sym typeface="Arial"/>
+              </a:defRPr>
             </a:lvl8pPr>
-            <a:lvl9pPr lvl="8">
-              <a:buNone/>
-              <a:defRPr/>
+            <a:lvl9pPr indent="0" lvl="8" marL="0" marR="0" algn="r">
+              <a:lnSpc>
+                <a:spcPct val="100000"/>
+              </a:lnSpc>
+              <a:spcBef>
+                <a:spcPts val="0"/>
+              </a:spcBef>
+              <a:spcAft>
+                <a:spcPts val="0"/>
+              </a:spcAft>
+              <a:buClr>
+                <a:srgbClr val="000000"/>
+              </a:buClr>
+              <a:buSzPts val="1000"/>
+              <a:buFont typeface="Arial"/>
+              <a:buNone/>
+              <a:defRPr b="0" i="0" sz="1000" u="none" cap="none" strike="noStrike">
+                <a:solidFill>
+                  <a:schemeClr val="dk2"/>
+                </a:solidFill>
+                <a:latin typeface="Arial"/>
+                <a:ea typeface="Arial"/>
+                <a:cs typeface="Arial"/>
+                <a:sym typeface="Arial"/>
+              </a:defRPr>
             </a:lvl9pPr>
           </a:lstStyle>
           <a:p>
@@ -3587,7 +6188,7 @@
       </p:grpSpPr>
       <p:sp>
         <p:nvSpPr>
-          <p:cNvPr id="36" name="Google Shape;36;p9"/>
+          <p:cNvPr id="36" name="Google Shape;36;p11"/>
           <p:cNvSpPr/>
           <p:nvPr/>
         </p:nvSpPr>
@@ -3612,25 +6213,41 @@
           </a:bodyPr>
           <a:lstStyle/>
           <a:p>
-            <a:pPr indent="0" lvl="0" marL="0" rtl="0" algn="l">
-              <a:spcBef>
-                <a:spcPts val="0"/>
-              </a:spcBef>
-              <a:spcAft>
-                <a:spcPts val="0"/>
-              </a:spcAft>
+            <a:pPr indent="0" lvl="0" marL="0" marR="0" rtl="0" algn="l">
+              <a:lnSpc>
+                <a:spcPct val="100000"/>
+              </a:lnSpc>
+              <a:spcBef>
+                <a:spcPts val="0"/>
+              </a:spcBef>
+              <a:spcAft>
+                <a:spcPts val="0"/>
+              </a:spcAft>
+              <a:buClr>
+                <a:srgbClr val="000000"/>
+              </a:buClr>
+              <a:buSzPts val="1400"/>
+              <a:buFont typeface="Arial"/>
               <a:buNone/>
             </a:pPr>
             <a:r>
               <a:t/>
             </a:r>
-            <a:endParaRPr/>
+            <a:endParaRPr b="0" i="0" sz="1400" u="none" cap="none" strike="noStrike">
+              <a:solidFill>
+                <a:srgbClr val="000000"/>
+              </a:solidFill>
+              <a:latin typeface="Arial"/>
+              <a:ea typeface="Arial"/>
+              <a:cs typeface="Arial"/>
+              <a:sym typeface="Arial"/>
+            </a:endParaRPr>
           </a:p>
         </p:txBody>
       </p:sp>
       <p:sp>
         <p:nvSpPr>
-          <p:cNvPr id="37" name="Google Shape;37;p9"/>
+          <p:cNvPr id="37" name="Google Shape;37;p11"/>
           <p:cNvSpPr txBox="1"/>
           <p:nvPr>
             <p:ph type="title"/>
@@ -3644,6 +6261,10 @@
           <a:prstGeom prst="rect">
             <a:avLst/>
           </a:prstGeom>
+          <a:noFill/>
+          <a:ln>
+            <a:noFill/>
+          </a:ln>
         </p:spPr>
         <p:txBody>
           <a:bodyPr anchorCtr="0" anchor="b" bIns="91425" lIns="91425" spcFirstLastPara="1" rIns="91425" wrap="square" tIns="91425">
@@ -3651,6 +6272,9 @@
           </a:bodyPr>
           <a:lstStyle>
             <a:lvl1pPr lvl="0" algn="ctr">
+              <a:lnSpc>
+                <a:spcPct val="100000"/>
+              </a:lnSpc>
               <a:spcBef>
                 <a:spcPts val="0"/>
               </a:spcBef>
@@ -3662,6 +6286,9 @@
               <a:defRPr sz="4200"/>
             </a:lvl1pPr>
             <a:lvl2pPr lvl="1" algn="ctr">
+              <a:lnSpc>
+                <a:spcPct val="100000"/>
+              </a:lnSpc>
               <a:spcBef>
                 <a:spcPts val="0"/>
               </a:spcBef>
@@ -3673,6 +6300,9 @@
               <a:defRPr sz="4200"/>
             </a:lvl2pPr>
             <a:lvl3pPr lvl="2" algn="ctr">
+              <a:lnSpc>
+                <a:spcPct val="100000"/>
+              </a:lnSpc>
               <a:spcBef>
                 <a:spcPts val="0"/>
               </a:spcBef>
@@ -3684,6 +6314,9 @@
               <a:defRPr sz="4200"/>
             </a:lvl3pPr>
             <a:lvl4pPr lvl="3" algn="ctr">
+              <a:lnSpc>
+                <a:spcPct val="100000"/>
+              </a:lnSpc>
               <a:spcBef>
                 <a:spcPts val="0"/>
               </a:spcBef>
@@ -3695,6 +6328,9 @@
               <a:defRPr sz="4200"/>
             </a:lvl4pPr>
             <a:lvl5pPr lvl="4" algn="ctr">
+              <a:lnSpc>
+                <a:spcPct val="100000"/>
+              </a:lnSpc>
               <a:spcBef>
                 <a:spcPts val="0"/>
               </a:spcBef>
@@ -3706,6 +6342,9 @@
               <a:defRPr sz="4200"/>
             </a:lvl5pPr>
             <a:lvl6pPr lvl="5" algn="ctr">
+              <a:lnSpc>
+                <a:spcPct val="100000"/>
+              </a:lnSpc>
               <a:spcBef>
                 <a:spcPts val="0"/>
               </a:spcBef>
@@ -3717,6 +6356,9 @@
               <a:defRPr sz="4200"/>
             </a:lvl6pPr>
             <a:lvl7pPr lvl="6" algn="ctr">
+              <a:lnSpc>
+                <a:spcPct val="100000"/>
+              </a:lnSpc>
               <a:spcBef>
                 <a:spcPts val="0"/>
               </a:spcBef>
@@ -3728,6 +6370,9 @@
               <a:defRPr sz="4200"/>
             </a:lvl7pPr>
             <a:lvl8pPr lvl="7" algn="ctr">
+              <a:lnSpc>
+                <a:spcPct val="100000"/>
+              </a:lnSpc>
               <a:spcBef>
                 <a:spcPts val="0"/>
               </a:spcBef>
@@ -3739,6 +6384,9 @@
               <a:defRPr sz="4200"/>
             </a:lvl8pPr>
             <a:lvl9pPr lvl="8" algn="ctr">
+              <a:lnSpc>
+                <a:spcPct val="100000"/>
+              </a:lnSpc>
               <a:spcBef>
                 <a:spcPts val="0"/>
               </a:spcBef>
@@ -3755,7 +6403,7 @@
       </p:sp>
       <p:sp>
         <p:nvSpPr>
-          <p:cNvPr id="38" name="Google Shape;38;p9"/>
+          <p:cNvPr id="38" name="Google Shape;38;p11"/>
           <p:cNvSpPr txBox="1"/>
           <p:nvPr>
             <p:ph idx="1" type="subTitle"/>
@@ -3769,6 +6417,10 @@
           <a:prstGeom prst="rect">
             <a:avLst/>
           </a:prstGeom>
+          <a:noFill/>
+          <a:ln>
+            <a:noFill/>
+          </a:ln>
         </p:spPr>
         <p:txBody>
           <a:bodyPr anchorCtr="0" anchor="t" bIns="91425" lIns="91425" spcFirstLastPara="1" rIns="91425" wrap="square" tIns="91425">
@@ -3907,7 +6559,7 @@
       </p:sp>
       <p:sp>
         <p:nvSpPr>
-          <p:cNvPr id="39" name="Google Shape;39;p9"/>
+          <p:cNvPr id="39" name="Google Shape;39;p11"/>
           <p:cNvSpPr txBox="1"/>
           <p:nvPr>
             <p:ph idx="2" type="body"/>
@@ -3921,13 +6573,20 @@
           <a:prstGeom prst="rect">
             <a:avLst/>
           </a:prstGeom>
+          <a:noFill/>
+          <a:ln>
+            <a:noFill/>
+          </a:ln>
         </p:spPr>
         <p:txBody>
           <a:bodyPr anchorCtr="0" anchor="ctr" bIns="91425" lIns="91425" spcFirstLastPara="1" rIns="91425" wrap="square" tIns="91425">
             <a:normAutofit/>
           </a:bodyPr>
           <a:lstStyle>
-            <a:lvl1pPr indent="-342900" lvl="0" marL="457200">
+            <a:lvl1pPr indent="-342900" lvl="0" marL="457200" algn="l">
+              <a:lnSpc>
+                <a:spcPct val="115000"/>
+              </a:lnSpc>
               <a:spcBef>
                 <a:spcPts val="0"/>
               </a:spcBef>
@@ -3938,7 +6597,10 @@
               <a:buChar char="●"/>
               <a:defRPr/>
             </a:lvl1pPr>
-            <a:lvl2pPr indent="-317500" lvl="1" marL="914400">
+            <a:lvl2pPr indent="-317500" lvl="1" marL="914400" algn="l">
+              <a:lnSpc>
+                <a:spcPct val="115000"/>
+              </a:lnSpc>
               <a:spcBef>
                 <a:spcPts val="0"/>
               </a:spcBef>
@@ -3949,7 +6611,10 @@
               <a:buChar char="○"/>
               <a:defRPr/>
             </a:lvl2pPr>
-            <a:lvl3pPr indent="-317500" lvl="2" marL="1371600">
+            <a:lvl3pPr indent="-317500" lvl="2" marL="1371600" algn="l">
+              <a:lnSpc>
+                <a:spcPct val="115000"/>
+              </a:lnSpc>
               <a:spcBef>
                 <a:spcPts val="0"/>
               </a:spcBef>
@@ -3960,7 +6625,10 @@
               <a:buChar char="■"/>
               <a:defRPr/>
             </a:lvl3pPr>
-            <a:lvl4pPr indent="-317500" lvl="3" marL="1828800">
+            <a:lvl4pPr indent="-317500" lvl="3" marL="1828800" algn="l">
+              <a:lnSpc>
+                <a:spcPct val="115000"/>
+              </a:lnSpc>
               <a:spcBef>
                 <a:spcPts val="0"/>
               </a:spcBef>
@@ -3971,7 +6639,10 @@
               <a:buChar char="●"/>
               <a:defRPr/>
             </a:lvl4pPr>
-            <a:lvl5pPr indent="-317500" lvl="4" marL="2286000">
+            <a:lvl5pPr indent="-317500" lvl="4" marL="2286000" algn="l">
+              <a:lnSpc>
+                <a:spcPct val="115000"/>
+              </a:lnSpc>
               <a:spcBef>
                 <a:spcPts val="0"/>
               </a:spcBef>
@@ -3982,7 +6653,10 @@
               <a:buChar char="○"/>
               <a:defRPr/>
             </a:lvl5pPr>
-            <a:lvl6pPr indent="-317500" lvl="5" marL="2743200">
+            <a:lvl6pPr indent="-317500" lvl="5" marL="2743200" algn="l">
+              <a:lnSpc>
+                <a:spcPct val="115000"/>
+              </a:lnSpc>
               <a:spcBef>
                 <a:spcPts val="0"/>
               </a:spcBef>
@@ -3993,7 +6667,10 @@
               <a:buChar char="■"/>
               <a:defRPr/>
             </a:lvl6pPr>
-            <a:lvl7pPr indent="-317500" lvl="6" marL="3200400">
+            <a:lvl7pPr indent="-317500" lvl="6" marL="3200400" algn="l">
+              <a:lnSpc>
+                <a:spcPct val="115000"/>
+              </a:lnSpc>
               <a:spcBef>
                 <a:spcPts val="0"/>
               </a:spcBef>
@@ -4004,7 +6681,10 @@
               <a:buChar char="●"/>
               <a:defRPr/>
             </a:lvl7pPr>
-            <a:lvl8pPr indent="-317500" lvl="7" marL="3657600">
+            <a:lvl8pPr indent="-317500" lvl="7" marL="3657600" algn="l">
+              <a:lnSpc>
+                <a:spcPct val="115000"/>
+              </a:lnSpc>
               <a:spcBef>
                 <a:spcPts val="0"/>
               </a:spcBef>
@@ -4015,7 +6695,10 @@
               <a:buChar char="○"/>
               <a:defRPr/>
             </a:lvl8pPr>
-            <a:lvl9pPr indent="-317500" lvl="8" marL="4114800">
+            <a:lvl9pPr indent="-317500" lvl="8" marL="4114800" algn="l">
+              <a:lnSpc>
+                <a:spcPct val="115000"/>
+              </a:lnSpc>
               <a:spcBef>
                 <a:spcPts val="0"/>
               </a:spcBef>
@@ -4032,7 +6715,7 @@
       </p:sp>
       <p:sp>
         <p:nvSpPr>
-          <p:cNvPr id="40" name="Google Shape;40;p9"/>
+          <p:cNvPr id="40" name="Google Shape;40;p11"/>
           <p:cNvSpPr txBox="1"/>
           <p:nvPr>
             <p:ph idx="12" type="sldNum"/>
@@ -4046,47 +6729,249 @@
           <a:prstGeom prst="rect">
             <a:avLst/>
           </a:prstGeom>
+          <a:noFill/>
+          <a:ln>
+            <a:noFill/>
+          </a:ln>
         </p:spPr>
         <p:txBody>
           <a:bodyPr anchorCtr="0" anchor="ctr" bIns="91425" lIns="91425" spcFirstLastPara="1" rIns="91425" wrap="square" tIns="91425">
             <a:normAutofit/>
           </a:bodyPr>
           <a:lstStyle>
-            <a:lvl1pPr lvl="0">
-              <a:buNone/>
-              <a:defRPr/>
+            <a:lvl1pPr indent="0" lvl="0" marL="0" marR="0" algn="r">
+              <a:lnSpc>
+                <a:spcPct val="100000"/>
+              </a:lnSpc>
+              <a:spcBef>
+                <a:spcPts val="0"/>
+              </a:spcBef>
+              <a:spcAft>
+                <a:spcPts val="0"/>
+              </a:spcAft>
+              <a:buClr>
+                <a:srgbClr val="000000"/>
+              </a:buClr>
+              <a:buSzPts val="1000"/>
+              <a:buFont typeface="Arial"/>
+              <a:buNone/>
+              <a:defRPr b="0" i="0" sz="1000" u="none" cap="none" strike="noStrike">
+                <a:solidFill>
+                  <a:schemeClr val="dk2"/>
+                </a:solidFill>
+                <a:latin typeface="Arial"/>
+                <a:ea typeface="Arial"/>
+                <a:cs typeface="Arial"/>
+                <a:sym typeface="Arial"/>
+              </a:defRPr>
             </a:lvl1pPr>
-            <a:lvl2pPr lvl="1">
-              <a:buNone/>
-              <a:defRPr/>
+            <a:lvl2pPr indent="0" lvl="1" marL="0" marR="0" algn="r">
+              <a:lnSpc>
+                <a:spcPct val="100000"/>
+              </a:lnSpc>
+              <a:spcBef>
+                <a:spcPts val="0"/>
+              </a:spcBef>
+              <a:spcAft>
+                <a:spcPts val="0"/>
+              </a:spcAft>
+              <a:buClr>
+                <a:srgbClr val="000000"/>
+              </a:buClr>
+              <a:buSzPts val="1000"/>
+              <a:buFont typeface="Arial"/>
+              <a:buNone/>
+              <a:defRPr b="0" i="0" sz="1000" u="none" cap="none" strike="noStrike">
+                <a:solidFill>
+                  <a:schemeClr val="dk2"/>
+                </a:solidFill>
+                <a:latin typeface="Arial"/>
+                <a:ea typeface="Arial"/>
+                <a:cs typeface="Arial"/>
+                <a:sym typeface="Arial"/>
+              </a:defRPr>
             </a:lvl2pPr>
-            <a:lvl3pPr lvl="2">
-              <a:buNone/>
-              <a:defRPr/>
+            <a:lvl3pPr indent="0" lvl="2" marL="0" marR="0" algn="r">
+              <a:lnSpc>
+                <a:spcPct val="100000"/>
+              </a:lnSpc>
+              <a:spcBef>
+                <a:spcPts val="0"/>
+              </a:spcBef>
+              <a:spcAft>
+                <a:spcPts val="0"/>
+              </a:spcAft>
+              <a:buClr>
+                <a:srgbClr val="000000"/>
+              </a:buClr>
+              <a:buSzPts val="1000"/>
+              <a:buFont typeface="Arial"/>
+              <a:buNone/>
+              <a:defRPr b="0" i="0" sz="1000" u="none" cap="none" strike="noStrike">
+                <a:solidFill>
+                  <a:schemeClr val="dk2"/>
+                </a:solidFill>
+                <a:latin typeface="Arial"/>
+                <a:ea typeface="Arial"/>
+                <a:cs typeface="Arial"/>
+                <a:sym typeface="Arial"/>
+              </a:defRPr>
             </a:lvl3pPr>
-            <a:lvl4pPr lvl="3">
-              <a:buNone/>
-              <a:defRPr/>
+            <a:lvl4pPr indent="0" lvl="3" marL="0" marR="0" algn="r">
+              <a:lnSpc>
+                <a:spcPct val="100000"/>
+              </a:lnSpc>
+              <a:spcBef>
+                <a:spcPts val="0"/>
+              </a:spcBef>
+              <a:spcAft>
+                <a:spcPts val="0"/>
+              </a:spcAft>
+              <a:buClr>
+                <a:srgbClr val="000000"/>
+              </a:buClr>
+              <a:buSzPts val="1000"/>
+              <a:buFont typeface="Arial"/>
+              <a:buNone/>
+              <a:defRPr b="0" i="0" sz="1000" u="none" cap="none" strike="noStrike">
+                <a:solidFill>
+                  <a:schemeClr val="dk2"/>
+                </a:solidFill>
+                <a:latin typeface="Arial"/>
+                <a:ea typeface="Arial"/>
+                <a:cs typeface="Arial"/>
+                <a:sym typeface="Arial"/>
+              </a:defRPr>
             </a:lvl4pPr>
-            <a:lvl5pPr lvl="4">
-              <a:buNone/>
-              <a:defRPr/>
+            <a:lvl5pPr indent="0" lvl="4" marL="0" marR="0" algn="r">
+              <a:lnSpc>
+                <a:spcPct val="100000"/>
+              </a:lnSpc>
+              <a:spcBef>
+                <a:spcPts val="0"/>
+              </a:spcBef>
+              <a:spcAft>
+                <a:spcPts val="0"/>
+              </a:spcAft>
+              <a:buClr>
+                <a:srgbClr val="000000"/>
+              </a:buClr>
+              <a:buSzPts val="1000"/>
+              <a:buFont typeface="Arial"/>
+              <a:buNone/>
+              <a:defRPr b="0" i="0" sz="1000" u="none" cap="none" strike="noStrike">
+                <a:solidFill>
+                  <a:schemeClr val="dk2"/>
+                </a:solidFill>
+                <a:latin typeface="Arial"/>
+                <a:ea typeface="Arial"/>
+                <a:cs typeface="Arial"/>
+                <a:sym typeface="Arial"/>
+              </a:defRPr>
             </a:lvl5pPr>
-            <a:lvl6pPr lvl="5">
-              <a:buNone/>
-              <a:defRPr/>
+            <a:lvl6pPr indent="0" lvl="5" marL="0" marR="0" algn="r">
+              <a:lnSpc>
+                <a:spcPct val="100000"/>
+              </a:lnSpc>
+              <a:spcBef>
+                <a:spcPts val="0"/>
+              </a:spcBef>
+              <a:spcAft>
+                <a:spcPts val="0"/>
+              </a:spcAft>
+              <a:buClr>
+                <a:srgbClr val="000000"/>
+              </a:buClr>
+              <a:buSzPts val="1000"/>
+              <a:buFont typeface="Arial"/>
+              <a:buNone/>
+              <a:defRPr b="0" i="0" sz="1000" u="none" cap="none" strike="noStrike">
+                <a:solidFill>
+                  <a:schemeClr val="dk2"/>
+                </a:solidFill>
+                <a:latin typeface="Arial"/>
+                <a:ea typeface="Arial"/>
+                <a:cs typeface="Arial"/>
+                <a:sym typeface="Arial"/>
+              </a:defRPr>
             </a:lvl6pPr>
-            <a:lvl7pPr lvl="6">
-              <a:buNone/>
-              <a:defRPr/>
+            <a:lvl7pPr indent="0" lvl="6" marL="0" marR="0" algn="r">
+              <a:lnSpc>
+                <a:spcPct val="100000"/>
+              </a:lnSpc>
+              <a:spcBef>
+                <a:spcPts val="0"/>
+              </a:spcBef>
+              <a:spcAft>
+                <a:spcPts val="0"/>
+              </a:spcAft>
+              <a:buClr>
+                <a:srgbClr val="000000"/>
+              </a:buClr>
+              <a:buSzPts val="1000"/>
+              <a:buFont typeface="Arial"/>
+              <a:buNone/>
+              <a:defRPr b="0" i="0" sz="1000" u="none" cap="none" strike="noStrike">
+                <a:solidFill>
+                  <a:schemeClr val="dk2"/>
+                </a:solidFill>
+                <a:latin typeface="Arial"/>
+                <a:ea typeface="Arial"/>
+                <a:cs typeface="Arial"/>
+                <a:sym typeface="Arial"/>
+              </a:defRPr>
             </a:lvl7pPr>
-            <a:lvl8pPr lvl="7">
-              <a:buNone/>
-              <a:defRPr/>
+            <a:lvl8pPr indent="0" lvl="7" marL="0" marR="0" algn="r">
+              <a:lnSpc>
+                <a:spcPct val="100000"/>
+              </a:lnSpc>
+              <a:spcBef>
+                <a:spcPts val="0"/>
+              </a:spcBef>
+              <a:spcAft>
+                <a:spcPts val="0"/>
+              </a:spcAft>
+              <a:buClr>
+                <a:srgbClr val="000000"/>
+              </a:buClr>
+              <a:buSzPts val="1000"/>
+              <a:buFont typeface="Arial"/>
+              <a:buNone/>
+              <a:defRPr b="0" i="0" sz="1000" u="none" cap="none" strike="noStrike">
+                <a:solidFill>
+                  <a:schemeClr val="dk2"/>
+                </a:solidFill>
+                <a:latin typeface="Arial"/>
+                <a:ea typeface="Arial"/>
+                <a:cs typeface="Arial"/>
+                <a:sym typeface="Arial"/>
+              </a:defRPr>
             </a:lvl8pPr>
-            <a:lvl9pPr lvl="8">
-              <a:buNone/>
-              <a:defRPr/>
+            <a:lvl9pPr indent="0" lvl="8" marL="0" marR="0" algn="r">
+              <a:lnSpc>
+                <a:spcPct val="100000"/>
+              </a:lnSpc>
+              <a:spcBef>
+                <a:spcPts val="0"/>
+              </a:spcBef>
+              <a:spcAft>
+                <a:spcPts val="0"/>
+              </a:spcAft>
+              <a:buClr>
+                <a:srgbClr val="000000"/>
+              </a:buClr>
+              <a:buSzPts val="1000"/>
+              <a:buFont typeface="Arial"/>
+              <a:buNone/>
+              <a:defRPr b="0" i="0" sz="1000" u="none" cap="none" strike="noStrike">
+                <a:solidFill>
+                  <a:schemeClr val="dk2"/>
+                </a:solidFill>
+                <a:latin typeface="Arial"/>
+                <a:ea typeface="Arial"/>
+                <a:cs typeface="Arial"/>
+                <a:sym typeface="Arial"/>
+              </a:defRPr>
             </a:lvl9pPr>
           </a:lstStyle>
           <a:p>
@@ -4134,7 +7019,7 @@
       </p:grpSpPr>
       <p:sp>
         <p:nvSpPr>
-          <p:cNvPr id="42" name="Google Shape;42;p10"/>
+          <p:cNvPr id="42" name="Google Shape;42;p12"/>
           <p:cNvSpPr txBox="1"/>
           <p:nvPr>
             <p:ph idx="1" type="body"/>
@@ -4148,13 +7033,17 @@
           <a:prstGeom prst="rect">
             <a:avLst/>
           </a:prstGeom>
+          <a:noFill/>
+          <a:ln>
+            <a:noFill/>
+          </a:ln>
         </p:spPr>
         <p:txBody>
           <a:bodyPr anchorCtr="0" anchor="ctr" bIns="91425" lIns="91425" spcFirstLastPara="1" rIns="91425" wrap="square" tIns="91425">
             <a:normAutofit/>
           </a:bodyPr>
           <a:lstStyle>
-            <a:lvl1pPr indent="-228600" lvl="0" marL="457200">
+            <a:lvl1pPr indent="-228600" lvl="0" marL="457200" algn="l">
               <a:lnSpc>
                 <a:spcPct val="100000"/>
               </a:lnSpc>
@@ -4174,7 +7063,7 @@
       </p:sp>
       <p:sp>
         <p:nvSpPr>
-          <p:cNvPr id="43" name="Google Shape;43;p10"/>
+          <p:cNvPr id="43" name="Google Shape;43;p12"/>
           <p:cNvSpPr txBox="1"/>
           <p:nvPr>
             <p:ph idx="12" type="sldNum"/>
@@ -4188,47 +7077,249 @@
           <a:prstGeom prst="rect">
             <a:avLst/>
           </a:prstGeom>
+          <a:noFill/>
+          <a:ln>
+            <a:noFill/>
+          </a:ln>
         </p:spPr>
         <p:txBody>
           <a:bodyPr anchorCtr="0" anchor="ctr" bIns="91425" lIns="91425" spcFirstLastPara="1" rIns="91425" wrap="square" tIns="91425">
             <a:normAutofit/>
           </a:bodyPr>
           <a:lstStyle>
-            <a:lvl1pPr lvl="0">
-              <a:buNone/>
-              <a:defRPr/>
+            <a:lvl1pPr indent="0" lvl="0" marL="0" marR="0" algn="r">
+              <a:lnSpc>
+                <a:spcPct val="100000"/>
+              </a:lnSpc>
+              <a:spcBef>
+                <a:spcPts val="0"/>
+              </a:spcBef>
+              <a:spcAft>
+                <a:spcPts val="0"/>
+              </a:spcAft>
+              <a:buClr>
+                <a:srgbClr val="000000"/>
+              </a:buClr>
+              <a:buSzPts val="1000"/>
+              <a:buFont typeface="Arial"/>
+              <a:buNone/>
+              <a:defRPr b="0" i="0" sz="1000" u="none" cap="none" strike="noStrike">
+                <a:solidFill>
+                  <a:schemeClr val="dk2"/>
+                </a:solidFill>
+                <a:latin typeface="Arial"/>
+                <a:ea typeface="Arial"/>
+                <a:cs typeface="Arial"/>
+                <a:sym typeface="Arial"/>
+              </a:defRPr>
             </a:lvl1pPr>
-            <a:lvl2pPr lvl="1">
-              <a:buNone/>
-              <a:defRPr/>
+            <a:lvl2pPr indent="0" lvl="1" marL="0" marR="0" algn="r">
+              <a:lnSpc>
+                <a:spcPct val="100000"/>
+              </a:lnSpc>
+              <a:spcBef>
+                <a:spcPts val="0"/>
+              </a:spcBef>
+              <a:spcAft>
+                <a:spcPts val="0"/>
+              </a:spcAft>
+              <a:buClr>
+                <a:srgbClr val="000000"/>
+              </a:buClr>
+              <a:buSzPts val="1000"/>
+              <a:buFont typeface="Arial"/>
+              <a:buNone/>
+              <a:defRPr b="0" i="0" sz="1000" u="none" cap="none" strike="noStrike">
+                <a:solidFill>
+                  <a:schemeClr val="dk2"/>
+                </a:solidFill>
+                <a:latin typeface="Arial"/>
+                <a:ea typeface="Arial"/>
+                <a:cs typeface="Arial"/>
+                <a:sym typeface="Arial"/>
+              </a:defRPr>
             </a:lvl2pPr>
-            <a:lvl3pPr lvl="2">
-              <a:buNone/>
-              <a:defRPr/>
+            <a:lvl3pPr indent="0" lvl="2" marL="0" marR="0" algn="r">
+              <a:lnSpc>
+                <a:spcPct val="100000"/>
+              </a:lnSpc>
+              <a:spcBef>
+                <a:spcPts val="0"/>
+              </a:spcBef>
+              <a:spcAft>
+                <a:spcPts val="0"/>
+              </a:spcAft>
+              <a:buClr>
+                <a:srgbClr val="000000"/>
+              </a:buClr>
+              <a:buSzPts val="1000"/>
+              <a:buFont typeface="Arial"/>
+              <a:buNone/>
+              <a:defRPr b="0" i="0" sz="1000" u="none" cap="none" strike="noStrike">
+                <a:solidFill>
+                  <a:schemeClr val="dk2"/>
+                </a:solidFill>
+                <a:latin typeface="Arial"/>
+                <a:ea typeface="Arial"/>
+                <a:cs typeface="Arial"/>
+                <a:sym typeface="Arial"/>
+              </a:defRPr>
             </a:lvl3pPr>
-            <a:lvl4pPr lvl="3">
-              <a:buNone/>
-              <a:defRPr/>
+            <a:lvl4pPr indent="0" lvl="3" marL="0" marR="0" algn="r">
+              <a:lnSpc>
+                <a:spcPct val="100000"/>
+              </a:lnSpc>
+              <a:spcBef>
+                <a:spcPts val="0"/>
+              </a:spcBef>
+              <a:spcAft>
+                <a:spcPts val="0"/>
+              </a:spcAft>
+              <a:buClr>
+                <a:srgbClr val="000000"/>
+              </a:buClr>
+              <a:buSzPts val="1000"/>
+              <a:buFont typeface="Arial"/>
+              <a:buNone/>
+              <a:defRPr b="0" i="0" sz="1000" u="none" cap="none" strike="noStrike">
+                <a:solidFill>
+                  <a:schemeClr val="dk2"/>
+                </a:solidFill>
+                <a:latin typeface="Arial"/>
+                <a:ea typeface="Arial"/>
+                <a:cs typeface="Arial"/>
+                <a:sym typeface="Arial"/>
+              </a:defRPr>
             </a:lvl4pPr>
-            <a:lvl5pPr lvl="4">
-              <a:buNone/>
-              <a:defRPr/>
+            <a:lvl5pPr indent="0" lvl="4" marL="0" marR="0" algn="r">
+              <a:lnSpc>
+                <a:spcPct val="100000"/>
+              </a:lnSpc>
+              <a:spcBef>
+                <a:spcPts val="0"/>
+              </a:spcBef>
+              <a:spcAft>
+                <a:spcPts val="0"/>
+              </a:spcAft>
+              <a:buClr>
+                <a:srgbClr val="000000"/>
+              </a:buClr>
+              <a:buSzPts val="1000"/>
+              <a:buFont typeface="Arial"/>
+              <a:buNone/>
+              <a:defRPr b="0" i="0" sz="1000" u="none" cap="none" strike="noStrike">
+                <a:solidFill>
+                  <a:schemeClr val="dk2"/>
+                </a:solidFill>
+                <a:latin typeface="Arial"/>
+                <a:ea typeface="Arial"/>
+                <a:cs typeface="Arial"/>
+                <a:sym typeface="Arial"/>
+              </a:defRPr>
             </a:lvl5pPr>
-            <a:lvl6pPr lvl="5">
-              <a:buNone/>
-              <a:defRPr/>
+            <a:lvl6pPr indent="0" lvl="5" marL="0" marR="0" algn="r">
+              <a:lnSpc>
+                <a:spcPct val="100000"/>
+              </a:lnSpc>
+              <a:spcBef>
+                <a:spcPts val="0"/>
+              </a:spcBef>
+              <a:spcAft>
+                <a:spcPts val="0"/>
+              </a:spcAft>
+              <a:buClr>
+                <a:srgbClr val="000000"/>
+              </a:buClr>
+              <a:buSzPts val="1000"/>
+              <a:buFont typeface="Arial"/>
+              <a:buNone/>
+              <a:defRPr b="0" i="0" sz="1000" u="none" cap="none" strike="noStrike">
+                <a:solidFill>
+                  <a:schemeClr val="dk2"/>
+                </a:solidFill>
+                <a:latin typeface="Arial"/>
+                <a:ea typeface="Arial"/>
+                <a:cs typeface="Arial"/>
+                <a:sym typeface="Arial"/>
+              </a:defRPr>
             </a:lvl6pPr>
-            <a:lvl7pPr lvl="6">
-              <a:buNone/>
-              <a:defRPr/>
+            <a:lvl7pPr indent="0" lvl="6" marL="0" marR="0" algn="r">
+              <a:lnSpc>
+                <a:spcPct val="100000"/>
+              </a:lnSpc>
+              <a:spcBef>
+                <a:spcPts val="0"/>
+              </a:spcBef>
+              <a:spcAft>
+                <a:spcPts val="0"/>
+              </a:spcAft>
+              <a:buClr>
+                <a:srgbClr val="000000"/>
+              </a:buClr>
+              <a:buSzPts val="1000"/>
+              <a:buFont typeface="Arial"/>
+              <a:buNone/>
+              <a:defRPr b="0" i="0" sz="1000" u="none" cap="none" strike="noStrike">
+                <a:solidFill>
+                  <a:schemeClr val="dk2"/>
+                </a:solidFill>
+                <a:latin typeface="Arial"/>
+                <a:ea typeface="Arial"/>
+                <a:cs typeface="Arial"/>
+                <a:sym typeface="Arial"/>
+              </a:defRPr>
             </a:lvl7pPr>
-            <a:lvl8pPr lvl="7">
-              <a:buNone/>
-              <a:defRPr/>
+            <a:lvl8pPr indent="0" lvl="7" marL="0" marR="0" algn="r">
+              <a:lnSpc>
+                <a:spcPct val="100000"/>
+              </a:lnSpc>
+              <a:spcBef>
+                <a:spcPts val="0"/>
+              </a:spcBef>
+              <a:spcAft>
+                <a:spcPts val="0"/>
+              </a:spcAft>
+              <a:buClr>
+                <a:srgbClr val="000000"/>
+              </a:buClr>
+              <a:buSzPts val="1000"/>
+              <a:buFont typeface="Arial"/>
+              <a:buNone/>
+              <a:defRPr b="0" i="0" sz="1000" u="none" cap="none" strike="noStrike">
+                <a:solidFill>
+                  <a:schemeClr val="dk2"/>
+                </a:solidFill>
+                <a:latin typeface="Arial"/>
+                <a:ea typeface="Arial"/>
+                <a:cs typeface="Arial"/>
+                <a:sym typeface="Arial"/>
+              </a:defRPr>
             </a:lvl8pPr>
-            <a:lvl9pPr lvl="8">
-              <a:buNone/>
-              <a:defRPr/>
+            <a:lvl9pPr indent="0" lvl="8" marL="0" marR="0" algn="r">
+              <a:lnSpc>
+                <a:spcPct val="100000"/>
+              </a:lnSpc>
+              <a:spcBef>
+                <a:spcPts val="0"/>
+              </a:spcBef>
+              <a:spcAft>
+                <a:spcPts val="0"/>
+              </a:spcAft>
+              <a:buClr>
+                <a:srgbClr val="000000"/>
+              </a:buClr>
+              <a:buSzPts val="1000"/>
+              <a:buFont typeface="Arial"/>
+              <a:buNone/>
+              <a:defRPr b="0" i="0" sz="1000" u="none" cap="none" strike="noStrike">
+                <a:solidFill>
+                  <a:schemeClr val="dk2"/>
+                </a:solidFill>
+                <a:latin typeface="Arial"/>
+                <a:ea typeface="Arial"/>
+                <a:cs typeface="Arial"/>
+                <a:sym typeface="Arial"/>
+              </a:defRPr>
             </a:lvl9pPr>
           </a:lstStyle>
           <a:p>
@@ -4283,7 +7374,7 @@
       </p:grpSpPr>
       <p:sp>
         <p:nvSpPr>
-          <p:cNvPr id="6" name="Google Shape;6;p1"/>
+          <p:cNvPr id="6" name="Google Shape;6;p3"/>
           <p:cNvSpPr txBox="1"/>
           <p:nvPr>
             <p:ph type="title"/>
@@ -4307,7 +7398,10 @@
             <a:normAutofit/>
           </a:bodyPr>
           <a:lstStyle>
-            <a:lvl1pPr lvl="0">
+            <a:lvl1pPr lvl="0" marR="0" rtl="0" algn="l">
+              <a:lnSpc>
+                <a:spcPct val="100000"/>
+              </a:lnSpc>
               <a:spcBef>
                 <a:spcPts val="0"/>
               </a:spcBef>
@@ -4318,14 +7412,22 @@
                 <a:schemeClr val="dk1"/>
               </a:buClr>
               <a:buSzPts val="2800"/>
-              <a:buNone/>
-              <a:defRPr sz="2800">
+              <a:buFont typeface="Arial"/>
+              <a:buNone/>
+              <a:defRPr b="0" i="0" sz="2800" u="none" cap="none" strike="noStrike">
                 <a:solidFill>
                   <a:schemeClr val="dk1"/>
                 </a:solidFill>
+                <a:latin typeface="Arial"/>
+                <a:ea typeface="Arial"/>
+                <a:cs typeface="Arial"/>
+                <a:sym typeface="Arial"/>
               </a:defRPr>
             </a:lvl1pPr>
-            <a:lvl2pPr lvl="1">
+            <a:lvl2pPr lvl="1" marR="0" rtl="0" algn="l">
+              <a:lnSpc>
+                <a:spcPct val="100000"/>
+              </a:lnSpc>
               <a:spcBef>
                 <a:spcPts val="0"/>
               </a:spcBef>
@@ -4336,14 +7438,22 @@
                 <a:schemeClr val="dk1"/>
               </a:buClr>
               <a:buSzPts val="2800"/>
-              <a:buNone/>
-              <a:defRPr sz="2800">
+              <a:buFont typeface="Arial"/>
+              <a:buNone/>
+              <a:defRPr b="0" i="0" sz="2800" u="none" cap="none" strike="noStrike">
                 <a:solidFill>
                   <a:schemeClr val="dk1"/>
                 </a:solidFill>
+                <a:latin typeface="Arial"/>
+                <a:ea typeface="Arial"/>
+                <a:cs typeface="Arial"/>
+                <a:sym typeface="Arial"/>
               </a:defRPr>
             </a:lvl2pPr>
-            <a:lvl3pPr lvl="2">
+            <a:lvl3pPr lvl="2" marR="0" rtl="0" algn="l">
+              <a:lnSpc>
+                <a:spcPct val="100000"/>
+              </a:lnSpc>
               <a:spcBef>
                 <a:spcPts val="0"/>
               </a:spcBef>
@@ -4354,14 +7464,22 @@
                 <a:schemeClr val="dk1"/>
               </a:buClr>
               <a:buSzPts val="2800"/>
-              <a:buNone/>
-              <a:defRPr sz="2800">
+              <a:buFont typeface="Arial"/>
+              <a:buNone/>
+              <a:defRPr b="0" i="0" sz="2800" u="none" cap="none" strike="noStrike">
                 <a:solidFill>
                   <a:schemeClr val="dk1"/>
                 </a:solidFill>
+                <a:latin typeface="Arial"/>
+                <a:ea typeface="Arial"/>
+                <a:cs typeface="Arial"/>
+                <a:sym typeface="Arial"/>
               </a:defRPr>
             </a:lvl3pPr>
-            <a:lvl4pPr lvl="3">
+            <a:lvl4pPr lvl="3" marR="0" rtl="0" algn="l">
+              <a:lnSpc>
+                <a:spcPct val="100000"/>
+              </a:lnSpc>
               <a:spcBef>
                 <a:spcPts val="0"/>
               </a:spcBef>
@@ -4372,14 +7490,22 @@
                 <a:schemeClr val="dk1"/>
               </a:buClr>
               <a:buSzPts val="2800"/>
-              <a:buNone/>
-              <a:defRPr sz="2800">
+              <a:buFont typeface="Arial"/>
+              <a:buNone/>
+              <a:defRPr b="0" i="0" sz="2800" u="none" cap="none" strike="noStrike">
                 <a:solidFill>
                   <a:schemeClr val="dk1"/>
                 </a:solidFill>
+                <a:latin typeface="Arial"/>
+                <a:ea typeface="Arial"/>
+                <a:cs typeface="Arial"/>
+                <a:sym typeface="Arial"/>
               </a:defRPr>
             </a:lvl4pPr>
-            <a:lvl5pPr lvl="4">
+            <a:lvl5pPr lvl="4" marR="0" rtl="0" algn="l">
+              <a:lnSpc>
+                <a:spcPct val="100000"/>
+              </a:lnSpc>
               <a:spcBef>
                 <a:spcPts val="0"/>
               </a:spcBef>
@@ -4390,14 +7516,22 @@
                 <a:schemeClr val="dk1"/>
               </a:buClr>
               <a:buSzPts val="2800"/>
-              <a:buNone/>
-              <a:defRPr sz="2800">
+              <a:buFont typeface="Arial"/>
+              <a:buNone/>
+              <a:defRPr b="0" i="0" sz="2800" u="none" cap="none" strike="noStrike">
                 <a:solidFill>
                   <a:schemeClr val="dk1"/>
                 </a:solidFill>
+                <a:latin typeface="Arial"/>
+                <a:ea typeface="Arial"/>
+                <a:cs typeface="Arial"/>
+                <a:sym typeface="Arial"/>
               </a:defRPr>
             </a:lvl5pPr>
-            <a:lvl6pPr lvl="5">
+            <a:lvl6pPr lvl="5" marR="0" rtl="0" algn="l">
+              <a:lnSpc>
+                <a:spcPct val="100000"/>
+              </a:lnSpc>
               <a:spcBef>
                 <a:spcPts val="0"/>
               </a:spcBef>
@@ -4408,14 +7542,22 @@
                 <a:schemeClr val="dk1"/>
               </a:buClr>
               <a:buSzPts val="2800"/>
-              <a:buNone/>
-              <a:defRPr sz="2800">
+              <a:buFont typeface="Arial"/>
+              <a:buNone/>
+              <a:defRPr b="0" i="0" sz="2800" u="none" cap="none" strike="noStrike">
                 <a:solidFill>
                   <a:schemeClr val="dk1"/>
                 </a:solidFill>
+                <a:latin typeface="Arial"/>
+                <a:ea typeface="Arial"/>
+                <a:cs typeface="Arial"/>
+                <a:sym typeface="Arial"/>
               </a:defRPr>
             </a:lvl6pPr>
-            <a:lvl7pPr lvl="6">
+            <a:lvl7pPr lvl="6" marR="0" rtl="0" algn="l">
+              <a:lnSpc>
+                <a:spcPct val="100000"/>
+              </a:lnSpc>
               <a:spcBef>
                 <a:spcPts val="0"/>
               </a:spcBef>
@@ -4426,14 +7568,22 @@
                 <a:schemeClr val="dk1"/>
               </a:buClr>
               <a:buSzPts val="2800"/>
-              <a:buNone/>
-              <a:defRPr sz="2800">
+              <a:buFont typeface="Arial"/>
+              <a:buNone/>
+              <a:defRPr b="0" i="0" sz="2800" u="none" cap="none" strike="noStrike">
                 <a:solidFill>
                   <a:schemeClr val="dk1"/>
                 </a:solidFill>
+                <a:latin typeface="Arial"/>
+                <a:ea typeface="Arial"/>
+                <a:cs typeface="Arial"/>
+                <a:sym typeface="Arial"/>
               </a:defRPr>
             </a:lvl7pPr>
-            <a:lvl8pPr lvl="7">
+            <a:lvl8pPr lvl="7" marR="0" rtl="0" algn="l">
+              <a:lnSpc>
+                <a:spcPct val="100000"/>
+              </a:lnSpc>
               <a:spcBef>
                 <a:spcPts val="0"/>
               </a:spcBef>
@@ -4444,14 +7594,22 @@
                 <a:schemeClr val="dk1"/>
               </a:buClr>
               <a:buSzPts val="2800"/>
-              <a:buNone/>
-              <a:defRPr sz="2800">
+              <a:buFont typeface="Arial"/>
+              <a:buNone/>
+              <a:defRPr b="0" i="0" sz="2800" u="none" cap="none" strike="noStrike">
                 <a:solidFill>
                   <a:schemeClr val="dk1"/>
                 </a:solidFill>
+                <a:latin typeface="Arial"/>
+                <a:ea typeface="Arial"/>
+                <a:cs typeface="Arial"/>
+                <a:sym typeface="Arial"/>
               </a:defRPr>
             </a:lvl8pPr>
-            <a:lvl9pPr lvl="8">
+            <a:lvl9pPr lvl="8" marR="0" rtl="0" algn="l">
+              <a:lnSpc>
+                <a:spcPct val="100000"/>
+              </a:lnSpc>
               <a:spcBef>
                 <a:spcPts val="0"/>
               </a:spcBef>
@@ -4462,11 +7620,16 @@
                 <a:schemeClr val="dk1"/>
               </a:buClr>
               <a:buSzPts val="2800"/>
-              <a:buNone/>
-              <a:defRPr sz="2800">
+              <a:buFont typeface="Arial"/>
+              <a:buNone/>
+              <a:defRPr b="0" i="0" sz="2800" u="none" cap="none" strike="noStrike">
                 <a:solidFill>
                   <a:schemeClr val="dk1"/>
                 </a:solidFill>
+                <a:latin typeface="Arial"/>
+                <a:ea typeface="Arial"/>
+                <a:cs typeface="Arial"/>
+                <a:sym typeface="Arial"/>
               </a:defRPr>
             </a:lvl9pPr>
           </a:lstStyle>
@@ -4475,7 +7638,7 @@
       </p:sp>
       <p:sp>
         <p:nvSpPr>
-          <p:cNvPr id="7" name="Google Shape;7;p1"/>
+          <p:cNvPr id="7" name="Google Shape;7;p3"/>
           <p:cNvSpPr txBox="1"/>
           <p:nvPr>
             <p:ph idx="1" type="body"/>
@@ -4499,7 +7662,7 @@
             <a:normAutofit/>
           </a:bodyPr>
           <a:lstStyle>
-            <a:lvl1pPr indent="-342900" lvl="0" marL="457200">
+            <a:lvl1pPr indent="-342900" lvl="0" marL="457200" marR="0" rtl="0" algn="l">
               <a:lnSpc>
                 <a:spcPct val="115000"/>
               </a:lnSpc>
@@ -4513,14 +7676,19 @@
                 <a:schemeClr val="dk2"/>
               </a:buClr>
               <a:buSzPts val="1800"/>
+              <a:buFont typeface="Arial"/>
               <a:buChar char="●"/>
-              <a:defRPr sz="1800">
-                <a:solidFill>
-                  <a:schemeClr val="dk2"/>
-                </a:solidFill>
+              <a:defRPr b="0" i="0" sz="1800" u="none" cap="none" strike="noStrike">
+                <a:solidFill>
+                  <a:schemeClr val="dk2"/>
+                </a:solidFill>
+                <a:latin typeface="Arial"/>
+                <a:ea typeface="Arial"/>
+                <a:cs typeface="Arial"/>
+                <a:sym typeface="Arial"/>
               </a:defRPr>
             </a:lvl1pPr>
-            <a:lvl2pPr indent="-317500" lvl="1" marL="914400">
+            <a:lvl2pPr indent="-317500" lvl="1" marL="914400" marR="0" rtl="0" algn="l">
               <a:lnSpc>
                 <a:spcPct val="115000"/>
               </a:lnSpc>
@@ -4534,14 +7702,19 @@
                 <a:schemeClr val="dk2"/>
               </a:buClr>
               <a:buSzPts val="1400"/>
+              <a:buFont typeface="Arial"/>
               <a:buChar char="○"/>
-              <a:defRPr>
-                <a:solidFill>
-                  <a:schemeClr val="dk2"/>
-                </a:solidFill>
+              <a:defRPr b="0" i="0" sz="1400" u="none" cap="none" strike="noStrike">
+                <a:solidFill>
+                  <a:schemeClr val="dk2"/>
+                </a:solidFill>
+                <a:latin typeface="Arial"/>
+                <a:ea typeface="Arial"/>
+                <a:cs typeface="Arial"/>
+                <a:sym typeface="Arial"/>
               </a:defRPr>
             </a:lvl2pPr>
-            <a:lvl3pPr indent="-317500" lvl="2" marL="1371600">
+            <a:lvl3pPr indent="-317500" lvl="2" marL="1371600" marR="0" rtl="0" algn="l">
               <a:lnSpc>
                 <a:spcPct val="115000"/>
               </a:lnSpc>
@@ -4555,14 +7728,19 @@
                 <a:schemeClr val="dk2"/>
               </a:buClr>
               <a:buSzPts val="1400"/>
+              <a:buFont typeface="Arial"/>
               <a:buChar char="■"/>
-              <a:defRPr>
-                <a:solidFill>
-                  <a:schemeClr val="dk2"/>
-                </a:solidFill>
+              <a:defRPr b="0" i="0" sz="1400" u="none" cap="none" strike="noStrike">
+                <a:solidFill>
+                  <a:schemeClr val="dk2"/>
+                </a:solidFill>
+                <a:latin typeface="Arial"/>
+                <a:ea typeface="Arial"/>
+                <a:cs typeface="Arial"/>
+                <a:sym typeface="Arial"/>
               </a:defRPr>
             </a:lvl3pPr>
-            <a:lvl4pPr indent="-317500" lvl="3" marL="1828800">
+            <a:lvl4pPr indent="-317500" lvl="3" marL="1828800" marR="0" rtl="0" algn="l">
               <a:lnSpc>
                 <a:spcPct val="115000"/>
               </a:lnSpc>
@@ -4576,14 +7754,19 @@
                 <a:schemeClr val="dk2"/>
               </a:buClr>
               <a:buSzPts val="1400"/>
+              <a:buFont typeface="Arial"/>
               <a:buChar char="●"/>
-              <a:defRPr>
-                <a:solidFill>
-                  <a:schemeClr val="dk2"/>
-                </a:solidFill>
+              <a:defRPr b="0" i="0" sz="1400" u="none" cap="none" strike="noStrike">
+                <a:solidFill>
+                  <a:schemeClr val="dk2"/>
+                </a:solidFill>
+                <a:latin typeface="Arial"/>
+                <a:ea typeface="Arial"/>
+                <a:cs typeface="Arial"/>
+                <a:sym typeface="Arial"/>
               </a:defRPr>
             </a:lvl4pPr>
-            <a:lvl5pPr indent="-317500" lvl="4" marL="2286000">
+            <a:lvl5pPr indent="-317500" lvl="4" marL="2286000" marR="0" rtl="0" algn="l">
               <a:lnSpc>
                 <a:spcPct val="115000"/>
               </a:lnSpc>
@@ -4597,14 +7780,19 @@
                 <a:schemeClr val="dk2"/>
               </a:buClr>
               <a:buSzPts val="1400"/>
+              <a:buFont typeface="Arial"/>
               <a:buChar char="○"/>
-              <a:defRPr>
-                <a:solidFill>
-                  <a:schemeClr val="dk2"/>
-                </a:solidFill>
+              <a:defRPr b="0" i="0" sz="1400" u="none" cap="none" strike="noStrike">
+                <a:solidFill>
+                  <a:schemeClr val="dk2"/>
+                </a:solidFill>
+                <a:latin typeface="Arial"/>
+                <a:ea typeface="Arial"/>
+                <a:cs typeface="Arial"/>
+                <a:sym typeface="Arial"/>
               </a:defRPr>
             </a:lvl5pPr>
-            <a:lvl6pPr indent="-317500" lvl="5" marL="2743200">
+            <a:lvl6pPr indent="-317500" lvl="5" marL="2743200" marR="0" rtl="0" algn="l">
               <a:lnSpc>
                 <a:spcPct val="115000"/>
               </a:lnSpc>
@@ -4618,14 +7806,19 @@
                 <a:schemeClr val="dk2"/>
               </a:buClr>
               <a:buSzPts val="1400"/>
+              <a:buFont typeface="Arial"/>
               <a:buChar char="■"/>
-              <a:defRPr>
-                <a:solidFill>
-                  <a:schemeClr val="dk2"/>
-                </a:solidFill>
+              <a:defRPr b="0" i="0" sz="1400" u="none" cap="none" strike="noStrike">
+                <a:solidFill>
+                  <a:schemeClr val="dk2"/>
+                </a:solidFill>
+                <a:latin typeface="Arial"/>
+                <a:ea typeface="Arial"/>
+                <a:cs typeface="Arial"/>
+                <a:sym typeface="Arial"/>
               </a:defRPr>
             </a:lvl6pPr>
-            <a:lvl7pPr indent="-317500" lvl="6" marL="3200400">
+            <a:lvl7pPr indent="-317500" lvl="6" marL="3200400" marR="0" rtl="0" algn="l">
               <a:lnSpc>
                 <a:spcPct val="115000"/>
               </a:lnSpc>
@@ -4639,14 +7832,19 @@
                 <a:schemeClr val="dk2"/>
               </a:buClr>
               <a:buSzPts val="1400"/>
+              <a:buFont typeface="Arial"/>
               <a:buChar char="●"/>
-              <a:defRPr>
-                <a:solidFill>
-                  <a:schemeClr val="dk2"/>
-                </a:solidFill>
+              <a:defRPr b="0" i="0" sz="1400" u="none" cap="none" strike="noStrike">
+                <a:solidFill>
+                  <a:schemeClr val="dk2"/>
+                </a:solidFill>
+                <a:latin typeface="Arial"/>
+                <a:ea typeface="Arial"/>
+                <a:cs typeface="Arial"/>
+                <a:sym typeface="Arial"/>
               </a:defRPr>
             </a:lvl7pPr>
-            <a:lvl8pPr indent="-317500" lvl="7" marL="3657600">
+            <a:lvl8pPr indent="-317500" lvl="7" marL="3657600" marR="0" rtl="0" algn="l">
               <a:lnSpc>
                 <a:spcPct val="115000"/>
               </a:lnSpc>
@@ -4660,14 +7858,19 @@
                 <a:schemeClr val="dk2"/>
               </a:buClr>
               <a:buSzPts val="1400"/>
+              <a:buFont typeface="Arial"/>
               <a:buChar char="○"/>
-              <a:defRPr>
-                <a:solidFill>
-                  <a:schemeClr val="dk2"/>
-                </a:solidFill>
+              <a:defRPr b="0" i="0" sz="1400" u="none" cap="none" strike="noStrike">
+                <a:solidFill>
+                  <a:schemeClr val="dk2"/>
+                </a:solidFill>
+                <a:latin typeface="Arial"/>
+                <a:ea typeface="Arial"/>
+                <a:cs typeface="Arial"/>
+                <a:sym typeface="Arial"/>
               </a:defRPr>
             </a:lvl8pPr>
-            <a:lvl9pPr indent="-317500" lvl="8" marL="4114800">
+            <a:lvl9pPr indent="-317500" lvl="8" marL="4114800" marR="0" rtl="0" algn="l">
               <a:lnSpc>
                 <a:spcPct val="115000"/>
               </a:lnSpc>
@@ -4681,11 +7884,16 @@
                 <a:schemeClr val="dk2"/>
               </a:buClr>
               <a:buSzPts val="1400"/>
+              <a:buFont typeface="Arial"/>
               <a:buChar char="■"/>
-              <a:defRPr>
-                <a:solidFill>
-                  <a:schemeClr val="dk2"/>
-                </a:solidFill>
+              <a:defRPr b="0" i="0" sz="1400" u="none" cap="none" strike="noStrike">
+                <a:solidFill>
+                  <a:schemeClr val="dk2"/>
+                </a:solidFill>
+                <a:latin typeface="Arial"/>
+                <a:ea typeface="Arial"/>
+                <a:cs typeface="Arial"/>
+                <a:sym typeface="Arial"/>
               </a:defRPr>
             </a:lvl9pPr>
           </a:lstStyle>
@@ -4694,7 +7902,7 @@
       </p:sp>
       <p:sp>
         <p:nvSpPr>
-          <p:cNvPr id="8" name="Google Shape;8;p1"/>
+          <p:cNvPr id="8" name="Google Shape;8;p3"/>
           <p:cNvSpPr txBox="1"/>
           <p:nvPr>
             <p:ph idx="12" type="sldNum"/>
@@ -4718,76 +7926,238 @@
             <a:normAutofit/>
           </a:bodyPr>
           <a:lstStyle>
-            <a:lvl1pPr lvl="0" algn="r">
-              <a:buNone/>
-              <a:defRPr sz="1000">
-                <a:solidFill>
-                  <a:schemeClr val="dk2"/>
-                </a:solidFill>
+            <a:lvl1pPr indent="0" lvl="0" marL="0" marR="0" rtl="0" algn="r">
+              <a:lnSpc>
+                <a:spcPct val="100000"/>
+              </a:lnSpc>
+              <a:spcBef>
+                <a:spcPts val="0"/>
+              </a:spcBef>
+              <a:spcAft>
+                <a:spcPts val="0"/>
+              </a:spcAft>
+              <a:buClr>
+                <a:srgbClr val="000000"/>
+              </a:buClr>
+              <a:buSzPts val="1000"/>
+              <a:buFont typeface="Arial"/>
+              <a:buNone/>
+              <a:defRPr b="0" i="0" sz="1000" u="none" cap="none" strike="noStrike">
+                <a:solidFill>
+                  <a:schemeClr val="dk2"/>
+                </a:solidFill>
+                <a:latin typeface="Arial"/>
+                <a:ea typeface="Arial"/>
+                <a:cs typeface="Arial"/>
+                <a:sym typeface="Arial"/>
               </a:defRPr>
             </a:lvl1pPr>
-            <a:lvl2pPr lvl="1" algn="r">
-              <a:buNone/>
-              <a:defRPr sz="1000">
-                <a:solidFill>
-                  <a:schemeClr val="dk2"/>
-                </a:solidFill>
+            <a:lvl2pPr indent="0" lvl="1" marL="0" marR="0" rtl="0" algn="r">
+              <a:lnSpc>
+                <a:spcPct val="100000"/>
+              </a:lnSpc>
+              <a:spcBef>
+                <a:spcPts val="0"/>
+              </a:spcBef>
+              <a:spcAft>
+                <a:spcPts val="0"/>
+              </a:spcAft>
+              <a:buClr>
+                <a:srgbClr val="000000"/>
+              </a:buClr>
+              <a:buSzPts val="1000"/>
+              <a:buFont typeface="Arial"/>
+              <a:buNone/>
+              <a:defRPr b="0" i="0" sz="1000" u="none" cap="none" strike="noStrike">
+                <a:solidFill>
+                  <a:schemeClr val="dk2"/>
+                </a:solidFill>
+                <a:latin typeface="Arial"/>
+                <a:ea typeface="Arial"/>
+                <a:cs typeface="Arial"/>
+                <a:sym typeface="Arial"/>
               </a:defRPr>
             </a:lvl2pPr>
-            <a:lvl3pPr lvl="2" algn="r">
-              <a:buNone/>
-              <a:defRPr sz="1000">
-                <a:solidFill>
-                  <a:schemeClr val="dk2"/>
-                </a:solidFill>
+            <a:lvl3pPr indent="0" lvl="2" marL="0" marR="0" rtl="0" algn="r">
+              <a:lnSpc>
+                <a:spcPct val="100000"/>
+              </a:lnSpc>
+              <a:spcBef>
+                <a:spcPts val="0"/>
+              </a:spcBef>
+              <a:spcAft>
+                <a:spcPts val="0"/>
+              </a:spcAft>
+              <a:buClr>
+                <a:srgbClr val="000000"/>
+              </a:buClr>
+              <a:buSzPts val="1000"/>
+              <a:buFont typeface="Arial"/>
+              <a:buNone/>
+              <a:defRPr b="0" i="0" sz="1000" u="none" cap="none" strike="noStrike">
+                <a:solidFill>
+                  <a:schemeClr val="dk2"/>
+                </a:solidFill>
+                <a:latin typeface="Arial"/>
+                <a:ea typeface="Arial"/>
+                <a:cs typeface="Arial"/>
+                <a:sym typeface="Arial"/>
               </a:defRPr>
             </a:lvl3pPr>
-            <a:lvl4pPr lvl="3" algn="r">
-              <a:buNone/>
-              <a:defRPr sz="1000">
-                <a:solidFill>
-                  <a:schemeClr val="dk2"/>
-                </a:solidFill>
+            <a:lvl4pPr indent="0" lvl="3" marL="0" marR="0" rtl="0" algn="r">
+              <a:lnSpc>
+                <a:spcPct val="100000"/>
+              </a:lnSpc>
+              <a:spcBef>
+                <a:spcPts val="0"/>
+              </a:spcBef>
+              <a:spcAft>
+                <a:spcPts val="0"/>
+              </a:spcAft>
+              <a:buClr>
+                <a:srgbClr val="000000"/>
+              </a:buClr>
+              <a:buSzPts val="1000"/>
+              <a:buFont typeface="Arial"/>
+              <a:buNone/>
+              <a:defRPr b="0" i="0" sz="1000" u="none" cap="none" strike="noStrike">
+                <a:solidFill>
+                  <a:schemeClr val="dk2"/>
+                </a:solidFill>
+                <a:latin typeface="Arial"/>
+                <a:ea typeface="Arial"/>
+                <a:cs typeface="Arial"/>
+                <a:sym typeface="Arial"/>
               </a:defRPr>
             </a:lvl4pPr>
-            <a:lvl5pPr lvl="4" algn="r">
-              <a:buNone/>
-              <a:defRPr sz="1000">
-                <a:solidFill>
-                  <a:schemeClr val="dk2"/>
-                </a:solidFill>
+            <a:lvl5pPr indent="0" lvl="4" marL="0" marR="0" rtl="0" algn="r">
+              <a:lnSpc>
+                <a:spcPct val="100000"/>
+              </a:lnSpc>
+              <a:spcBef>
+                <a:spcPts val="0"/>
+              </a:spcBef>
+              <a:spcAft>
+                <a:spcPts val="0"/>
+              </a:spcAft>
+              <a:buClr>
+                <a:srgbClr val="000000"/>
+              </a:buClr>
+              <a:buSzPts val="1000"/>
+              <a:buFont typeface="Arial"/>
+              <a:buNone/>
+              <a:defRPr b="0" i="0" sz="1000" u="none" cap="none" strike="noStrike">
+                <a:solidFill>
+                  <a:schemeClr val="dk2"/>
+                </a:solidFill>
+                <a:latin typeface="Arial"/>
+                <a:ea typeface="Arial"/>
+                <a:cs typeface="Arial"/>
+                <a:sym typeface="Arial"/>
               </a:defRPr>
             </a:lvl5pPr>
-            <a:lvl6pPr lvl="5" algn="r">
-              <a:buNone/>
-              <a:defRPr sz="1000">
-                <a:solidFill>
-                  <a:schemeClr val="dk2"/>
-                </a:solidFill>
+            <a:lvl6pPr indent="0" lvl="5" marL="0" marR="0" rtl="0" algn="r">
+              <a:lnSpc>
+                <a:spcPct val="100000"/>
+              </a:lnSpc>
+              <a:spcBef>
+                <a:spcPts val="0"/>
+              </a:spcBef>
+              <a:spcAft>
+                <a:spcPts val="0"/>
+              </a:spcAft>
+              <a:buClr>
+                <a:srgbClr val="000000"/>
+              </a:buClr>
+              <a:buSzPts val="1000"/>
+              <a:buFont typeface="Arial"/>
+              <a:buNone/>
+              <a:defRPr b="0" i="0" sz="1000" u="none" cap="none" strike="noStrike">
+                <a:solidFill>
+                  <a:schemeClr val="dk2"/>
+                </a:solidFill>
+                <a:latin typeface="Arial"/>
+                <a:ea typeface="Arial"/>
+                <a:cs typeface="Arial"/>
+                <a:sym typeface="Arial"/>
               </a:defRPr>
             </a:lvl6pPr>
-            <a:lvl7pPr lvl="6" algn="r">
-              <a:buNone/>
-              <a:defRPr sz="1000">
-                <a:solidFill>
-                  <a:schemeClr val="dk2"/>
-                </a:solidFill>
+            <a:lvl7pPr indent="0" lvl="6" marL="0" marR="0" rtl="0" algn="r">
+              <a:lnSpc>
+                <a:spcPct val="100000"/>
+              </a:lnSpc>
+              <a:spcBef>
+                <a:spcPts val="0"/>
+              </a:spcBef>
+              <a:spcAft>
+                <a:spcPts val="0"/>
+              </a:spcAft>
+              <a:buClr>
+                <a:srgbClr val="000000"/>
+              </a:buClr>
+              <a:buSzPts val="1000"/>
+              <a:buFont typeface="Arial"/>
+              <a:buNone/>
+              <a:defRPr b="0" i="0" sz="1000" u="none" cap="none" strike="noStrike">
+                <a:solidFill>
+                  <a:schemeClr val="dk2"/>
+                </a:solidFill>
+                <a:latin typeface="Arial"/>
+                <a:ea typeface="Arial"/>
+                <a:cs typeface="Arial"/>
+                <a:sym typeface="Arial"/>
               </a:defRPr>
             </a:lvl7pPr>
-            <a:lvl8pPr lvl="7" algn="r">
-              <a:buNone/>
-              <a:defRPr sz="1000">
-                <a:solidFill>
-                  <a:schemeClr val="dk2"/>
-                </a:solidFill>
+            <a:lvl8pPr indent="0" lvl="7" marL="0" marR="0" rtl="0" algn="r">
+              <a:lnSpc>
+                <a:spcPct val="100000"/>
+              </a:lnSpc>
+              <a:spcBef>
+                <a:spcPts val="0"/>
+              </a:spcBef>
+              <a:spcAft>
+                <a:spcPts val="0"/>
+              </a:spcAft>
+              <a:buClr>
+                <a:srgbClr val="000000"/>
+              </a:buClr>
+              <a:buSzPts val="1000"/>
+              <a:buFont typeface="Arial"/>
+              <a:buNone/>
+              <a:defRPr b="0" i="0" sz="1000" u="none" cap="none" strike="noStrike">
+                <a:solidFill>
+                  <a:schemeClr val="dk2"/>
+                </a:solidFill>
+                <a:latin typeface="Arial"/>
+                <a:ea typeface="Arial"/>
+                <a:cs typeface="Arial"/>
+                <a:sym typeface="Arial"/>
               </a:defRPr>
             </a:lvl8pPr>
-            <a:lvl9pPr lvl="8" algn="r">
-              <a:buNone/>
-              <a:defRPr sz="1000">
-                <a:solidFill>
-                  <a:schemeClr val="dk2"/>
-                </a:solidFill>
+            <a:lvl9pPr indent="0" lvl="8" marL="0" marR="0" rtl="0" algn="r">
+              <a:lnSpc>
+                <a:spcPct val="100000"/>
+              </a:lnSpc>
+              <a:spcBef>
+                <a:spcPts val="0"/>
+              </a:spcBef>
+              <a:spcAft>
+                <a:spcPts val="0"/>
+              </a:spcAft>
+              <a:buClr>
+                <a:srgbClr val="000000"/>
+              </a:buClr>
+              <a:buSzPts val="1000"/>
+              <a:buFont typeface="Arial"/>
+              <a:buNone/>
+              <a:defRPr b="0" i="0" sz="1000" u="none" cap="none" strike="noStrike">
+                <a:solidFill>
+                  <a:schemeClr val="dk2"/>
+                </a:solidFill>
+                <a:latin typeface="Arial"/>
+                <a:ea typeface="Arial"/>
+                <a:cs typeface="Arial"/>
+                <a:sym typeface="Arial"/>
               </a:defRPr>
             </a:lvl9pPr>
           </a:lstStyle>
@@ -4813,17 +8183,17 @@
   </p:cSld>
   <p:clrMap accent1="accent1" accent2="accent2" accent3="accent3" accent4="accent4" accent5="accent5" accent6="accent6" bg1="lt1" bg2="dk2" tx1="dk1" tx2="lt2" folHlink="folHlink" hlink="hlink"/>
   <p:sldLayoutIdLst>
-    <p:sldLayoutId id="2147483648" r:id="rId1"/>
-    <p:sldLayoutId id="2147483649" r:id="rId2"/>
-    <p:sldLayoutId id="2147483650" r:id="rId3"/>
-    <p:sldLayoutId id="2147483651" r:id="rId4"/>
-    <p:sldLayoutId id="2147483652" r:id="rId5"/>
-    <p:sldLayoutId id="2147483653" r:id="rId6"/>
-    <p:sldLayoutId id="2147483654" r:id="rId7"/>
-    <p:sldLayoutId id="2147483655" r:id="rId8"/>
-    <p:sldLayoutId id="2147483656" r:id="rId9"/>
-    <p:sldLayoutId id="2147483657" r:id="rId10"/>
-    <p:sldLayoutId id="2147483658" r:id="rId11"/>
+    <p:sldLayoutId id="2147483649" r:id="rId1"/>
+    <p:sldLayoutId id="2147483650" r:id="rId2"/>
+    <p:sldLayoutId id="2147483651" r:id="rId3"/>
+    <p:sldLayoutId id="2147483652" r:id="rId4"/>
+    <p:sldLayoutId id="2147483653" r:id="rId5"/>
+    <p:sldLayoutId id="2147483654" r:id="rId6"/>
+    <p:sldLayoutId id="2147483655" r:id="rId7"/>
+    <p:sldLayoutId id="2147483656" r:id="rId8"/>
+    <p:sldLayoutId id="2147483657" r:id="rId9"/>
+    <p:sldLayoutId id="2147483658" r:id="rId10"/>
+    <p:sldLayoutId id="2147483659" r:id="rId11"/>
   </p:sldLayoutIdLst>
   <p:hf dt="0" ftr="0" hdr="0" sldNum="0"/>
   <p:txStyles>
@@ -5537,7 +8907,7 @@
       </p:grpSpPr>
       <p:sp>
         <p:nvSpPr>
-          <p:cNvPr id="54" name="Google Shape;54;p13"/>
+          <p:cNvPr id="54" name="Google Shape;54;p1"/>
           <p:cNvSpPr txBox="1"/>
           <p:nvPr>
             <p:ph type="ctrTitle"/>
@@ -5551,6 +8921,10 @@
           <a:prstGeom prst="rect">
             <a:avLst/>
           </a:prstGeom>
+          <a:noFill/>
+          <a:ln>
+            <a:noFill/>
+          </a:ln>
         </p:spPr>
         <p:txBody>
           <a:bodyPr anchorCtr="0" anchor="b" bIns="91425" lIns="91425" spcFirstLastPara="1" rIns="91425" wrap="square" tIns="91425">
@@ -5559,12 +8933,16 @@
           <a:lstStyle/>
           <a:p>
             <a:pPr indent="0" lvl="0" marL="0" rtl="0" algn="ctr">
-              <a:spcBef>
-                <a:spcPts val="0"/>
-              </a:spcBef>
-              <a:spcAft>
-                <a:spcPts val="0"/>
-              </a:spcAft>
+              <a:lnSpc>
+                <a:spcPct val="100000"/>
+              </a:lnSpc>
+              <a:spcBef>
+                <a:spcPts val="0"/>
+              </a:spcBef>
+              <a:spcAft>
+                <a:spcPts val="0"/>
+              </a:spcAft>
+              <a:buSzPts val="5200"/>
               <a:buNone/>
             </a:pPr>
             <a:r>
@@ -5577,7 +8955,7 @@
       </p:sp>
       <p:sp>
         <p:nvSpPr>
-          <p:cNvPr id="55" name="Google Shape;55;p13"/>
+          <p:cNvPr id="55" name="Google Shape;55;p1"/>
           <p:cNvSpPr txBox="1"/>
           <p:nvPr>
             <p:ph idx="1" type="subTitle"/>
@@ -5591,6 +8969,10 @@
           <a:prstGeom prst="rect">
             <a:avLst/>
           </a:prstGeom>
+          <a:noFill/>
+          <a:ln>
+            <a:noFill/>
+          </a:ln>
         </p:spPr>
         <p:txBody>
           <a:bodyPr anchorCtr="0" anchor="t" bIns="91425" lIns="91425" spcFirstLastPara="1" rIns="91425" wrap="square" tIns="91425">
@@ -5599,12 +8981,16 @@
           <a:lstStyle/>
           <a:p>
             <a:pPr indent="0" lvl="0" marL="0" rtl="0" algn="ctr">
-              <a:spcBef>
-                <a:spcPts val="0"/>
-              </a:spcBef>
-              <a:spcAft>
-                <a:spcPts val="0"/>
-              </a:spcAft>
+              <a:lnSpc>
+                <a:spcPct val="100000"/>
+              </a:lnSpc>
+              <a:spcBef>
+                <a:spcPts val="0"/>
+              </a:spcBef>
+              <a:spcAft>
+                <a:spcPts val="0"/>
+              </a:spcAft>
+              <a:buSzPts val="2800"/>
               <a:buNone/>
             </a:pPr>
             <a:r>
@@ -5641,354 +9027,18 @@
       </p:grpSpPr>
       <p:sp>
         <p:nvSpPr>
-          <p:cNvPr id="60" name="Google Shape;60;p14"/>
-          <p:cNvSpPr txBox="1"/>
-          <p:nvPr>
-            <p:ph type="title"/>
-          </p:nvPr>
-        </p:nvSpPr>
-        <p:spPr>
-          <a:xfrm>
-            <a:off x="311700" y="445025"/>
-            <a:ext cx="8520600" cy="572700"/>
-          </a:xfrm>
-          <a:prstGeom prst="rect">
-            <a:avLst/>
-          </a:prstGeom>
-        </p:spPr>
-        <p:txBody>
-          <a:bodyPr anchorCtr="0" anchor="t" bIns="91425" lIns="91425" spcFirstLastPara="1" rIns="91425" wrap="square" tIns="91425">
-            <a:normAutofit fontScale="90000"/>
-          </a:bodyPr>
-          <a:lstStyle/>
-          <a:p>
-            <a:pPr indent="0" lvl="0" marL="0" rtl="0" algn="l">
-              <a:spcBef>
-                <a:spcPts val="0"/>
-              </a:spcBef>
-              <a:spcAft>
-                <a:spcPts val="0"/>
-              </a:spcAft>
-              <a:buNone/>
-            </a:pPr>
-            <a:r>
-              <a:rPr lang="en-GB"/>
-              <a:t>Overview</a:t>
-            </a:r>
-            <a:endParaRPr/>
-          </a:p>
-        </p:txBody>
-      </p:sp>
-      <p:sp>
-        <p:nvSpPr>
-          <p:cNvPr id="61" name="Google Shape;61;p14"/>
-          <p:cNvSpPr txBox="1"/>
-          <p:nvPr/>
-        </p:nvSpPr>
-        <p:spPr>
-          <a:xfrm>
-            <a:off x="1797713" y="2271588"/>
-            <a:ext cx="1560600" cy="1139100"/>
-          </a:xfrm>
-          <a:prstGeom prst="rect">
-            <a:avLst/>
-          </a:prstGeom>
-          <a:noFill/>
-          <a:ln cap="flat" cmpd="sng" w="9525">
-            <a:solidFill>
-              <a:srgbClr val="000000"/>
-            </a:solidFill>
-            <a:prstDash val="solid"/>
-            <a:round/>
-            <a:headEnd len="sm" w="sm" type="none"/>
-            <a:tailEnd len="sm" w="sm" type="none"/>
-          </a:ln>
-        </p:spPr>
-        <p:txBody>
-          <a:bodyPr anchorCtr="0" anchor="t" bIns="91425" lIns="91425" spcFirstLastPara="1" rIns="91425" wrap="square" tIns="91425">
-            <a:spAutoFit/>
-          </a:bodyPr>
-          <a:lstStyle/>
-          <a:p>
-            <a:pPr indent="0" lvl="0" marL="0" rtl="0" algn="l">
-              <a:spcBef>
-                <a:spcPts val="0"/>
-              </a:spcBef>
-              <a:spcAft>
-                <a:spcPts val="0"/>
-              </a:spcAft>
-              <a:buNone/>
-            </a:pPr>
-            <a:r>
-              <a:rPr lang="en-GB"/>
-              <a:t>Server</a:t>
-            </a:r>
-            <a:endParaRPr/>
-          </a:p>
-          <a:p>
-            <a:pPr indent="0" lvl="0" marL="0" rtl="0" algn="l">
-              <a:spcBef>
-                <a:spcPts val="0"/>
-              </a:spcBef>
-              <a:spcAft>
-                <a:spcPts val="0"/>
-              </a:spcAft>
-              <a:buNone/>
-            </a:pPr>
-            <a:r>
-              <a:rPr lang="en-GB" sz="1000"/>
-              <a:t>Data sourcing</a:t>
-            </a:r>
-            <a:endParaRPr sz="1000"/>
-          </a:p>
-          <a:p>
-            <a:pPr indent="0" lvl="0" marL="0" rtl="0" algn="l">
-              <a:spcBef>
-                <a:spcPts val="0"/>
-              </a:spcBef>
-              <a:spcAft>
-                <a:spcPts val="0"/>
-              </a:spcAft>
-              <a:buNone/>
-            </a:pPr>
-            <a:r>
-              <a:t/>
-            </a:r>
-            <a:endParaRPr>
-              <a:solidFill>
-                <a:schemeClr val="dk1"/>
-              </a:solidFill>
-            </a:endParaRPr>
-          </a:p>
-          <a:p>
-            <a:pPr indent="0" lvl="0" marL="0" rtl="0" algn="l">
-              <a:spcBef>
-                <a:spcPts val="0"/>
-              </a:spcBef>
-              <a:spcAft>
-                <a:spcPts val="0"/>
-              </a:spcAft>
-              <a:buClr>
-                <a:schemeClr val="dk1"/>
-              </a:buClr>
-              <a:buSzPts val="1100"/>
-              <a:buFont typeface="Arial"/>
-              <a:buNone/>
-            </a:pPr>
-            <a:r>
-              <a:rPr lang="en-GB">
-                <a:solidFill>
-                  <a:schemeClr val="dk1"/>
-                </a:solidFill>
-              </a:rPr>
-              <a:t>Price database</a:t>
-            </a:r>
-            <a:endParaRPr>
-              <a:solidFill>
-                <a:schemeClr val="dk1"/>
-              </a:solidFill>
-            </a:endParaRPr>
-          </a:p>
-          <a:p>
-            <a:pPr indent="0" lvl="0" marL="0" rtl="0" algn="l">
-              <a:spcBef>
-                <a:spcPts val="0"/>
-              </a:spcBef>
-              <a:spcAft>
-                <a:spcPts val="0"/>
-              </a:spcAft>
-              <a:buClr>
-                <a:schemeClr val="dk1"/>
-              </a:buClr>
-              <a:buSzPts val="1100"/>
-              <a:buFont typeface="Arial"/>
-              <a:buNone/>
-            </a:pPr>
-            <a:r>
-              <a:rPr lang="en-GB" sz="1000">
-                <a:solidFill>
-                  <a:schemeClr val="dk1"/>
-                </a:solidFill>
-              </a:rPr>
-              <a:t>Price data</a:t>
-            </a:r>
-            <a:endParaRPr sz="1000"/>
-          </a:p>
-        </p:txBody>
-      </p:sp>
-      <p:sp>
-        <p:nvSpPr>
-          <p:cNvPr id="62" name="Google Shape;62;p14"/>
-          <p:cNvSpPr txBox="1"/>
-          <p:nvPr/>
-        </p:nvSpPr>
-        <p:spPr>
-          <a:xfrm>
-            <a:off x="3796663" y="2256288"/>
-            <a:ext cx="1560600" cy="1169700"/>
-          </a:xfrm>
-          <a:prstGeom prst="rect">
-            <a:avLst/>
-          </a:prstGeom>
-          <a:noFill/>
-          <a:ln cap="flat" cmpd="sng" w="9525">
-            <a:solidFill>
-              <a:srgbClr val="000000"/>
-            </a:solidFill>
-            <a:prstDash val="solid"/>
-            <a:round/>
-            <a:headEnd len="sm" w="sm" type="none"/>
-            <a:tailEnd len="sm" w="sm" type="none"/>
-          </a:ln>
-        </p:spPr>
-        <p:txBody>
-          <a:bodyPr anchorCtr="0" anchor="t" bIns="91425" lIns="91425" spcFirstLastPara="1" rIns="91425" wrap="square" tIns="91425">
-            <a:spAutoFit/>
-          </a:bodyPr>
-          <a:lstStyle/>
-          <a:p>
-            <a:pPr indent="0" lvl="0" marL="0" rtl="0" algn="l">
-              <a:spcBef>
-                <a:spcPts val="0"/>
-              </a:spcBef>
-              <a:spcAft>
-                <a:spcPts val="0"/>
-              </a:spcAft>
-              <a:buNone/>
-            </a:pPr>
-            <a:r>
-              <a:rPr lang="en-GB"/>
-              <a:t>Client</a:t>
-            </a:r>
-            <a:endParaRPr/>
-          </a:p>
-          <a:p>
-            <a:pPr indent="0" lvl="0" marL="0" rtl="0" algn="l">
-              <a:spcBef>
-                <a:spcPts val="0"/>
-              </a:spcBef>
-              <a:spcAft>
-                <a:spcPts val="0"/>
-              </a:spcAft>
-              <a:buNone/>
-            </a:pPr>
-            <a:r>
-              <a:rPr lang="en-GB" sz="1000"/>
-              <a:t>User interface</a:t>
-            </a:r>
-            <a:endParaRPr sz="1000"/>
-          </a:p>
-          <a:p>
-            <a:pPr indent="0" lvl="0" marL="89999" rtl="0" algn="l">
-              <a:spcBef>
-                <a:spcPts val="0"/>
-              </a:spcBef>
-              <a:spcAft>
-                <a:spcPts val="0"/>
-              </a:spcAft>
-              <a:buClr>
-                <a:schemeClr val="dk1"/>
-              </a:buClr>
-              <a:buSzPts val="1100"/>
-              <a:buFont typeface="Arial"/>
-              <a:buNone/>
-            </a:pPr>
-            <a:r>
-              <a:rPr lang="en-GB" sz="1000">
-                <a:solidFill>
-                  <a:schemeClr val="dk1"/>
-                </a:solidFill>
-              </a:rPr>
-              <a:t>Manipulate</a:t>
-            </a:r>
-            <a:endParaRPr sz="1000"/>
-          </a:p>
-          <a:p>
-            <a:pPr indent="0" lvl="0" marL="89999" rtl="0" algn="l">
-              <a:spcBef>
-                <a:spcPts val="0"/>
-              </a:spcBef>
-              <a:spcAft>
-                <a:spcPts val="0"/>
-              </a:spcAft>
-              <a:buNone/>
-            </a:pPr>
-            <a:r>
-              <a:rPr lang="en-GB" sz="1000"/>
-              <a:t>Visualize</a:t>
-            </a:r>
-            <a:endParaRPr sz="1000"/>
-          </a:p>
-          <a:p>
-            <a:pPr indent="0" lvl="0" marL="89999" rtl="0" algn="l">
-              <a:spcBef>
-                <a:spcPts val="0"/>
-              </a:spcBef>
-              <a:spcAft>
-                <a:spcPts val="0"/>
-              </a:spcAft>
-              <a:buNone/>
-            </a:pPr>
-            <a:r>
-              <a:rPr lang="en-GB" sz="1000">
-                <a:solidFill>
-                  <a:schemeClr val="dk1"/>
-                </a:solidFill>
-              </a:rPr>
-              <a:t>List</a:t>
-            </a:r>
-            <a:endParaRPr sz="1000">
-              <a:solidFill>
-                <a:schemeClr val="dk1"/>
-              </a:solidFill>
-            </a:endParaRPr>
-          </a:p>
-          <a:p>
-            <a:pPr indent="0" lvl="0" marL="89999" rtl="0" algn="l">
-              <a:spcBef>
-                <a:spcPts val="0"/>
-              </a:spcBef>
-              <a:spcAft>
-                <a:spcPts val="0"/>
-              </a:spcAft>
-              <a:buClr>
-                <a:schemeClr val="dk1"/>
-              </a:buClr>
-              <a:buSzPts val="1100"/>
-              <a:buFont typeface="Arial"/>
-              <a:buNone/>
-            </a:pPr>
-            <a:r>
-              <a:rPr lang="en-GB" sz="1000">
-                <a:solidFill>
-                  <a:schemeClr val="dk1"/>
-                </a:solidFill>
-              </a:rPr>
-              <a:t>Alarm</a:t>
-            </a:r>
-            <a:endParaRPr sz="1000">
-              <a:solidFill>
-                <a:schemeClr val="dk1"/>
-              </a:solidFill>
-            </a:endParaRPr>
-          </a:p>
-        </p:txBody>
-      </p:sp>
-      <p:sp>
-        <p:nvSpPr>
-          <p:cNvPr id="63" name="Google Shape;63;p14"/>
+          <p:cNvPr id="60" name="Google Shape;60;p2"/>
           <p:cNvSpPr/>
           <p:nvPr/>
         </p:nvSpPr>
         <p:spPr>
           <a:xfrm>
-            <a:off x="3368238" y="2472288"/>
-            <a:ext cx="418500" cy="276000"/>
+            <a:off x="4856825" y="1324188"/>
+            <a:ext cx="2076600" cy="3507300"/>
           </a:xfrm>
-          <a:prstGeom prst="rightArrow">
+          <a:prstGeom prst="roundRect">
             <a:avLst>
-              <a:gd fmla="val 50000" name="adj1"/>
-              <a:gd fmla="val 50000" name="adj2"/>
+              <a:gd fmla="val 16667" name="adj"/>
             </a:avLst>
           </a:prstGeom>
           <a:solidFill>
@@ -6028,19 +9078,60 @@
       </p:sp>
       <p:sp>
         <p:nvSpPr>
-          <p:cNvPr id="64" name="Google Shape;64;p14"/>
+          <p:cNvPr id="61" name="Google Shape;61;p2"/>
+          <p:cNvSpPr txBox="1"/>
+          <p:nvPr/>
+        </p:nvSpPr>
+        <p:spPr>
+          <a:xfrm>
+            <a:off x="4856825" y="1017713"/>
+            <a:ext cx="2076600" cy="431100"/>
+          </a:xfrm>
+          <a:prstGeom prst="rect">
+            <a:avLst/>
+          </a:prstGeom>
+          <a:noFill/>
+          <a:ln>
+            <a:noFill/>
+          </a:ln>
+        </p:spPr>
+        <p:txBody>
+          <a:bodyPr anchorCtr="0" anchor="t" bIns="91425" lIns="91425" spcFirstLastPara="1" rIns="91425" wrap="square" tIns="91425">
+            <a:spAutoFit/>
+          </a:bodyPr>
+          <a:lstStyle/>
+          <a:p>
+            <a:pPr indent="0" lvl="0" marL="0" rtl="0" algn="ctr">
+              <a:spcBef>
+                <a:spcPts val="0"/>
+              </a:spcBef>
+              <a:spcAft>
+                <a:spcPts val="0"/>
+              </a:spcAft>
+              <a:buNone/>
+            </a:pPr>
+            <a:r>
+              <a:rPr b="1" lang="en-GB" sz="1600"/>
+              <a:t>Frontend</a:t>
+            </a:r>
+            <a:endParaRPr b="1" sz="1600"/>
+          </a:p>
+        </p:txBody>
+      </p:sp>
+      <p:sp>
+        <p:nvSpPr>
+          <p:cNvPr id="62" name="Google Shape;62;p2"/>
           <p:cNvSpPr/>
           <p:nvPr/>
         </p:nvSpPr>
         <p:spPr>
           <a:xfrm>
-            <a:off x="5357263" y="2497038"/>
-            <a:ext cx="411300" cy="226500"/>
+            <a:off x="1067275" y="1324200"/>
+            <a:ext cx="2076600" cy="3507300"/>
           </a:xfrm>
-          <a:prstGeom prst="leftRightArrow">
+          <a:prstGeom prst="roundRect">
             <a:avLst>
-              <a:gd fmla="val 50000" name="adj1"/>
-              <a:gd fmla="val 50000" name="adj2"/>
+              <a:gd fmla="val 16667" name="adj"/>
             </a:avLst>
           </a:prstGeom>
           <a:solidFill>
@@ -6080,91 +9171,61 @@
       </p:sp>
       <p:sp>
         <p:nvSpPr>
-          <p:cNvPr id="65" name="Google Shape;65;p14"/>
+          <p:cNvPr id="63" name="Google Shape;63;p2"/>
+          <p:cNvSpPr txBox="1"/>
+          <p:nvPr>
+            <p:ph type="title"/>
+          </p:nvPr>
+        </p:nvSpPr>
+        <p:spPr>
+          <a:xfrm>
+            <a:off x="311700" y="445025"/>
+            <a:ext cx="8520600" cy="572700"/>
+          </a:xfrm>
+          <a:prstGeom prst="rect">
+            <a:avLst/>
+          </a:prstGeom>
+          <a:noFill/>
+          <a:ln>
+            <a:noFill/>
+          </a:ln>
+        </p:spPr>
+        <p:txBody>
+          <a:bodyPr anchorCtr="0" anchor="t" bIns="91425" lIns="91425" spcFirstLastPara="1" rIns="91425" wrap="square" tIns="91425">
+            <a:normAutofit fontScale="90000"/>
+          </a:bodyPr>
+          <a:lstStyle/>
+          <a:p>
+            <a:pPr indent="0" lvl="0" marL="0" rtl="0" algn="l">
+              <a:lnSpc>
+                <a:spcPct val="100000"/>
+              </a:lnSpc>
+              <a:spcBef>
+                <a:spcPts val="0"/>
+              </a:spcBef>
+              <a:spcAft>
+                <a:spcPts val="0"/>
+              </a:spcAft>
+              <a:buSzPct val="111111"/>
+              <a:buNone/>
+            </a:pPr>
+            <a:r>
+              <a:rPr lang="en-GB"/>
+              <a:t>Application Structure Overview</a:t>
+            </a:r>
+            <a:endParaRPr/>
+          </a:p>
+        </p:txBody>
+      </p:sp>
+      <p:sp>
+        <p:nvSpPr>
+          <p:cNvPr id="64" name="Google Shape;64;p2"/>
           <p:cNvSpPr txBox="1"/>
           <p:nvPr/>
         </p:nvSpPr>
         <p:spPr>
           <a:xfrm>
-            <a:off x="5785688" y="2256288"/>
-            <a:ext cx="1560600" cy="708000"/>
-          </a:xfrm>
-          <a:prstGeom prst="rect">
-            <a:avLst/>
-          </a:prstGeom>
-          <a:noFill/>
-          <a:ln cap="flat" cmpd="sng" w="9525">
-            <a:solidFill>
-              <a:schemeClr val="dk1"/>
-            </a:solidFill>
-            <a:prstDash val="solid"/>
-            <a:round/>
-            <a:headEnd len="sm" w="sm" type="none"/>
-            <a:tailEnd len="sm" w="sm" type="none"/>
-          </a:ln>
-        </p:spPr>
-        <p:txBody>
-          <a:bodyPr anchorCtr="0" anchor="t" bIns="91425" lIns="91425" spcFirstLastPara="1" rIns="91425" wrap="square" tIns="91425">
-            <a:spAutoFit/>
-          </a:bodyPr>
-          <a:lstStyle/>
-          <a:p>
-            <a:pPr indent="0" lvl="0" marL="0" rtl="0" algn="l">
-              <a:spcBef>
-                <a:spcPts val="0"/>
-              </a:spcBef>
-              <a:spcAft>
-                <a:spcPts val="0"/>
-              </a:spcAft>
-              <a:buNone/>
-            </a:pPr>
-            <a:r>
-              <a:rPr lang="en-GB"/>
-              <a:t>App database</a:t>
-            </a:r>
-            <a:endParaRPr/>
-          </a:p>
-          <a:p>
-            <a:pPr indent="0" lvl="0" marL="0" rtl="0" algn="l">
-              <a:spcBef>
-                <a:spcPts val="0"/>
-              </a:spcBef>
-              <a:spcAft>
-                <a:spcPts val="0"/>
-              </a:spcAft>
-              <a:buNone/>
-            </a:pPr>
-            <a:r>
-              <a:t/>
-            </a:r>
-            <a:endParaRPr sz="1000"/>
-          </a:p>
-          <a:p>
-            <a:pPr indent="0" lvl="0" marL="0" rtl="0" algn="l">
-              <a:spcBef>
-                <a:spcPts val="0"/>
-              </a:spcBef>
-              <a:spcAft>
-                <a:spcPts val="0"/>
-              </a:spcAft>
-              <a:buNone/>
-            </a:pPr>
-            <a:r>
-              <a:t/>
-            </a:r>
-            <a:endParaRPr sz="1000"/>
-          </a:p>
-        </p:txBody>
-      </p:sp>
-      <p:sp>
-        <p:nvSpPr>
-          <p:cNvPr id="66" name="Google Shape;66;p14"/>
-          <p:cNvSpPr txBox="1"/>
-          <p:nvPr/>
-        </p:nvSpPr>
-        <p:spPr>
-          <a:xfrm>
-            <a:off x="1797713" y="1717488"/>
+            <a:off x="1325263" y="1557925"/>
             <a:ext cx="1560600" cy="554100"/>
           </a:xfrm>
           <a:prstGeom prst="rect">
@@ -6189,6 +9250,852 @@
           </a:bodyPr>
           <a:lstStyle/>
           <a:p>
+            <a:pPr indent="0" lvl="0" marL="0" marR="0" rtl="0" algn="l">
+              <a:lnSpc>
+                <a:spcPct val="100000"/>
+              </a:lnSpc>
+              <a:spcBef>
+                <a:spcPts val="0"/>
+              </a:spcBef>
+              <a:spcAft>
+                <a:spcPts val="0"/>
+              </a:spcAft>
+              <a:buClr>
+                <a:srgbClr val="000000"/>
+              </a:buClr>
+              <a:buSzPts val="1400"/>
+              <a:buFont typeface="Arial"/>
+              <a:buNone/>
+            </a:pPr>
+            <a:r>
+              <a:rPr b="0" i="0" lang="en-GB" sz="1400" u="none" cap="none" strike="noStrike">
+                <a:solidFill>
+                  <a:srgbClr val="000000"/>
+                </a:solidFill>
+                <a:latin typeface="Arial"/>
+                <a:ea typeface="Arial"/>
+                <a:cs typeface="Arial"/>
+                <a:sym typeface="Arial"/>
+              </a:rPr>
+              <a:t>Server</a:t>
+            </a:r>
+            <a:endParaRPr b="0" i="0" sz="1400" u="none" cap="none" strike="noStrike">
+              <a:solidFill>
+                <a:srgbClr val="000000"/>
+              </a:solidFill>
+              <a:latin typeface="Arial"/>
+              <a:ea typeface="Arial"/>
+              <a:cs typeface="Arial"/>
+              <a:sym typeface="Arial"/>
+            </a:endParaRPr>
+          </a:p>
+          <a:p>
+            <a:pPr indent="0" lvl="0" marL="0" marR="0" rtl="0" algn="l">
+              <a:lnSpc>
+                <a:spcPct val="100000"/>
+              </a:lnSpc>
+              <a:spcBef>
+                <a:spcPts val="0"/>
+              </a:spcBef>
+              <a:spcAft>
+                <a:spcPts val="0"/>
+              </a:spcAft>
+              <a:buClr>
+                <a:srgbClr val="000000"/>
+              </a:buClr>
+              <a:buSzPts val="1000"/>
+              <a:buFont typeface="Arial"/>
+              <a:buNone/>
+            </a:pPr>
+            <a:r>
+              <a:rPr b="0" i="0" lang="en-GB" sz="1000" u="none" cap="none" strike="noStrike">
+                <a:solidFill>
+                  <a:srgbClr val="000000"/>
+                </a:solidFill>
+                <a:latin typeface="Arial"/>
+                <a:ea typeface="Arial"/>
+                <a:cs typeface="Arial"/>
+                <a:sym typeface="Arial"/>
+              </a:rPr>
+              <a:t>Data sourcing</a:t>
+            </a:r>
+            <a:endParaRPr b="0" i="0" sz="1000" u="none" cap="none" strike="noStrike">
+              <a:solidFill>
+                <a:srgbClr val="000000"/>
+              </a:solidFill>
+              <a:latin typeface="Arial"/>
+              <a:ea typeface="Arial"/>
+              <a:cs typeface="Arial"/>
+              <a:sym typeface="Arial"/>
+            </a:endParaRPr>
+          </a:p>
+        </p:txBody>
+      </p:sp>
+      <p:sp>
+        <p:nvSpPr>
+          <p:cNvPr id="65" name="Google Shape;65;p2"/>
+          <p:cNvSpPr txBox="1"/>
+          <p:nvPr/>
+        </p:nvSpPr>
+        <p:spPr>
+          <a:xfrm>
+            <a:off x="5114813" y="1557925"/>
+            <a:ext cx="1560600" cy="1169700"/>
+          </a:xfrm>
+          <a:prstGeom prst="rect">
+            <a:avLst/>
+          </a:prstGeom>
+          <a:solidFill>
+            <a:schemeClr val="lt1"/>
+          </a:solidFill>
+          <a:ln cap="flat" cmpd="sng" w="9525">
+            <a:solidFill>
+              <a:srgbClr val="000000"/>
+            </a:solidFill>
+            <a:prstDash val="solid"/>
+            <a:round/>
+            <a:headEnd len="sm" w="sm" type="none"/>
+            <a:tailEnd len="sm" w="sm" type="none"/>
+          </a:ln>
+        </p:spPr>
+        <p:txBody>
+          <a:bodyPr anchorCtr="0" anchor="t" bIns="91425" lIns="91425" spcFirstLastPara="1" rIns="91425" wrap="square" tIns="91425">
+            <a:spAutoFit/>
+          </a:bodyPr>
+          <a:lstStyle/>
+          <a:p>
+            <a:pPr indent="0" lvl="0" marL="0" marR="0" rtl="0" algn="l">
+              <a:lnSpc>
+                <a:spcPct val="100000"/>
+              </a:lnSpc>
+              <a:spcBef>
+                <a:spcPts val="0"/>
+              </a:spcBef>
+              <a:spcAft>
+                <a:spcPts val="0"/>
+              </a:spcAft>
+              <a:buClr>
+                <a:srgbClr val="000000"/>
+              </a:buClr>
+              <a:buSzPts val="1400"/>
+              <a:buFont typeface="Arial"/>
+              <a:buNone/>
+            </a:pPr>
+            <a:r>
+              <a:rPr b="0" i="0" lang="en-GB" sz="1400" u="none" cap="none" strike="noStrike">
+                <a:solidFill>
+                  <a:srgbClr val="000000"/>
+                </a:solidFill>
+                <a:latin typeface="Arial"/>
+                <a:ea typeface="Arial"/>
+                <a:cs typeface="Arial"/>
+                <a:sym typeface="Arial"/>
+              </a:rPr>
+              <a:t>Client</a:t>
+            </a:r>
+            <a:endParaRPr b="0" i="0" sz="1400" u="none" cap="none" strike="noStrike">
+              <a:solidFill>
+                <a:srgbClr val="000000"/>
+              </a:solidFill>
+              <a:latin typeface="Arial"/>
+              <a:ea typeface="Arial"/>
+              <a:cs typeface="Arial"/>
+              <a:sym typeface="Arial"/>
+            </a:endParaRPr>
+          </a:p>
+          <a:p>
+            <a:pPr indent="0" lvl="0" marL="0" marR="0" rtl="0" algn="l">
+              <a:lnSpc>
+                <a:spcPct val="100000"/>
+              </a:lnSpc>
+              <a:spcBef>
+                <a:spcPts val="0"/>
+              </a:spcBef>
+              <a:spcAft>
+                <a:spcPts val="0"/>
+              </a:spcAft>
+              <a:buClr>
+                <a:srgbClr val="000000"/>
+              </a:buClr>
+              <a:buSzPts val="1000"/>
+              <a:buFont typeface="Arial"/>
+              <a:buNone/>
+            </a:pPr>
+            <a:r>
+              <a:rPr b="0" i="0" lang="en-GB" sz="1000" u="none" cap="none" strike="noStrike">
+                <a:solidFill>
+                  <a:srgbClr val="000000"/>
+                </a:solidFill>
+                <a:latin typeface="Arial"/>
+                <a:ea typeface="Arial"/>
+                <a:cs typeface="Arial"/>
+                <a:sym typeface="Arial"/>
+              </a:rPr>
+              <a:t>User interface</a:t>
+            </a:r>
+            <a:endParaRPr b="0" i="0" sz="1000" u="none" cap="none" strike="noStrike">
+              <a:solidFill>
+                <a:srgbClr val="000000"/>
+              </a:solidFill>
+              <a:latin typeface="Arial"/>
+              <a:ea typeface="Arial"/>
+              <a:cs typeface="Arial"/>
+              <a:sym typeface="Arial"/>
+            </a:endParaRPr>
+          </a:p>
+          <a:p>
+            <a:pPr indent="0" lvl="0" marL="89999" marR="0" rtl="0" algn="l">
+              <a:lnSpc>
+                <a:spcPct val="100000"/>
+              </a:lnSpc>
+              <a:spcBef>
+                <a:spcPts val="0"/>
+              </a:spcBef>
+              <a:spcAft>
+                <a:spcPts val="0"/>
+              </a:spcAft>
+              <a:buClr>
+                <a:schemeClr val="dk1"/>
+              </a:buClr>
+              <a:buSzPts val="1100"/>
+              <a:buFont typeface="Arial"/>
+              <a:buNone/>
+            </a:pPr>
+            <a:r>
+              <a:rPr b="0" i="0" lang="en-GB" sz="1000" u="none" cap="none" strike="noStrike">
+                <a:solidFill>
+                  <a:schemeClr val="dk1"/>
+                </a:solidFill>
+                <a:latin typeface="Arial"/>
+                <a:ea typeface="Arial"/>
+                <a:cs typeface="Arial"/>
+                <a:sym typeface="Arial"/>
+              </a:rPr>
+              <a:t>Manipulate</a:t>
+            </a:r>
+            <a:endParaRPr b="0" i="0" sz="1000" u="none" cap="none" strike="noStrike">
+              <a:solidFill>
+                <a:srgbClr val="000000"/>
+              </a:solidFill>
+              <a:latin typeface="Arial"/>
+              <a:ea typeface="Arial"/>
+              <a:cs typeface="Arial"/>
+              <a:sym typeface="Arial"/>
+            </a:endParaRPr>
+          </a:p>
+          <a:p>
+            <a:pPr indent="0" lvl="0" marL="89999" marR="0" rtl="0" algn="l">
+              <a:lnSpc>
+                <a:spcPct val="100000"/>
+              </a:lnSpc>
+              <a:spcBef>
+                <a:spcPts val="0"/>
+              </a:spcBef>
+              <a:spcAft>
+                <a:spcPts val="0"/>
+              </a:spcAft>
+              <a:buClr>
+                <a:srgbClr val="000000"/>
+              </a:buClr>
+              <a:buSzPts val="1000"/>
+              <a:buFont typeface="Arial"/>
+              <a:buNone/>
+            </a:pPr>
+            <a:r>
+              <a:rPr b="0" i="0" lang="en-GB" sz="1000" u="none" cap="none" strike="noStrike">
+                <a:solidFill>
+                  <a:srgbClr val="000000"/>
+                </a:solidFill>
+                <a:latin typeface="Arial"/>
+                <a:ea typeface="Arial"/>
+                <a:cs typeface="Arial"/>
+                <a:sym typeface="Arial"/>
+              </a:rPr>
+              <a:t>Visualize</a:t>
+            </a:r>
+            <a:endParaRPr b="0" i="0" sz="1000" u="none" cap="none" strike="noStrike">
+              <a:solidFill>
+                <a:srgbClr val="000000"/>
+              </a:solidFill>
+              <a:latin typeface="Arial"/>
+              <a:ea typeface="Arial"/>
+              <a:cs typeface="Arial"/>
+              <a:sym typeface="Arial"/>
+            </a:endParaRPr>
+          </a:p>
+          <a:p>
+            <a:pPr indent="0" lvl="0" marL="89999" marR="0" rtl="0" algn="l">
+              <a:lnSpc>
+                <a:spcPct val="100000"/>
+              </a:lnSpc>
+              <a:spcBef>
+                <a:spcPts val="0"/>
+              </a:spcBef>
+              <a:spcAft>
+                <a:spcPts val="0"/>
+              </a:spcAft>
+              <a:buClr>
+                <a:srgbClr val="000000"/>
+              </a:buClr>
+              <a:buSzPts val="1000"/>
+              <a:buFont typeface="Arial"/>
+              <a:buNone/>
+            </a:pPr>
+            <a:r>
+              <a:rPr b="0" i="0" lang="en-GB" sz="1000" u="none" cap="none" strike="noStrike">
+                <a:solidFill>
+                  <a:schemeClr val="dk1"/>
+                </a:solidFill>
+                <a:latin typeface="Arial"/>
+                <a:ea typeface="Arial"/>
+                <a:cs typeface="Arial"/>
+                <a:sym typeface="Arial"/>
+              </a:rPr>
+              <a:t>List</a:t>
+            </a:r>
+            <a:endParaRPr b="0" i="0" sz="1000" u="none" cap="none" strike="noStrike">
+              <a:solidFill>
+                <a:schemeClr val="dk1"/>
+              </a:solidFill>
+              <a:latin typeface="Arial"/>
+              <a:ea typeface="Arial"/>
+              <a:cs typeface="Arial"/>
+              <a:sym typeface="Arial"/>
+            </a:endParaRPr>
+          </a:p>
+          <a:p>
+            <a:pPr indent="0" lvl="0" marL="89999" marR="0" rtl="0" algn="l">
+              <a:lnSpc>
+                <a:spcPct val="100000"/>
+              </a:lnSpc>
+              <a:spcBef>
+                <a:spcPts val="0"/>
+              </a:spcBef>
+              <a:spcAft>
+                <a:spcPts val="0"/>
+              </a:spcAft>
+              <a:buClr>
+                <a:schemeClr val="dk1"/>
+              </a:buClr>
+              <a:buSzPts val="1100"/>
+              <a:buFont typeface="Arial"/>
+              <a:buNone/>
+            </a:pPr>
+            <a:r>
+              <a:rPr b="0" i="0" lang="en-GB" sz="1000" u="none" cap="none" strike="noStrike">
+                <a:solidFill>
+                  <a:schemeClr val="dk1"/>
+                </a:solidFill>
+                <a:latin typeface="Arial"/>
+                <a:ea typeface="Arial"/>
+                <a:cs typeface="Arial"/>
+                <a:sym typeface="Arial"/>
+              </a:rPr>
+              <a:t>Alarm</a:t>
+            </a:r>
+            <a:endParaRPr b="0" i="0" sz="1000" u="none" cap="none" strike="noStrike">
+              <a:solidFill>
+                <a:schemeClr val="dk1"/>
+              </a:solidFill>
+              <a:latin typeface="Arial"/>
+              <a:ea typeface="Arial"/>
+              <a:cs typeface="Arial"/>
+              <a:sym typeface="Arial"/>
+            </a:endParaRPr>
+          </a:p>
+        </p:txBody>
+      </p:sp>
+      <p:sp>
+        <p:nvSpPr>
+          <p:cNvPr id="66" name="Google Shape;66;p2"/>
+          <p:cNvSpPr txBox="1"/>
+          <p:nvPr/>
+        </p:nvSpPr>
+        <p:spPr>
+          <a:xfrm>
+            <a:off x="1325263" y="3464613"/>
+            <a:ext cx="1560600" cy="1169700"/>
+          </a:xfrm>
+          <a:prstGeom prst="rect">
+            <a:avLst/>
+          </a:prstGeom>
+          <a:solidFill>
+            <a:schemeClr val="lt1"/>
+          </a:solidFill>
+          <a:ln cap="flat" cmpd="sng" w="9525">
+            <a:solidFill>
+              <a:schemeClr val="dk1"/>
+            </a:solidFill>
+            <a:prstDash val="solid"/>
+            <a:round/>
+            <a:headEnd len="sm" w="sm" type="none"/>
+            <a:tailEnd len="sm" w="sm" type="none"/>
+          </a:ln>
+        </p:spPr>
+        <p:txBody>
+          <a:bodyPr anchorCtr="0" anchor="t" bIns="91425" lIns="91425" spcFirstLastPara="1" rIns="91425" wrap="square" tIns="91425">
+            <a:spAutoFit/>
+          </a:bodyPr>
+          <a:lstStyle/>
+          <a:p>
+            <a:pPr indent="0" lvl="0" marL="0" marR="0" rtl="0" algn="l">
+              <a:lnSpc>
+                <a:spcPct val="100000"/>
+              </a:lnSpc>
+              <a:spcBef>
+                <a:spcPts val="0"/>
+              </a:spcBef>
+              <a:spcAft>
+                <a:spcPts val="0"/>
+              </a:spcAft>
+              <a:buClr>
+                <a:srgbClr val="000000"/>
+              </a:buClr>
+              <a:buSzPts val="1400"/>
+              <a:buFont typeface="Arial"/>
+              <a:buNone/>
+            </a:pPr>
+            <a:r>
+              <a:rPr b="0" i="0" lang="en-GB" sz="1400" u="none" cap="none" strike="noStrike">
+                <a:solidFill>
+                  <a:srgbClr val="000000"/>
+                </a:solidFill>
+                <a:latin typeface="Arial"/>
+                <a:ea typeface="Arial"/>
+                <a:cs typeface="Arial"/>
+                <a:sym typeface="Arial"/>
+              </a:rPr>
+              <a:t>App database</a:t>
+            </a:r>
+            <a:endParaRPr b="0" i="0" sz="1400" u="none" cap="none" strike="noStrike">
+              <a:solidFill>
+                <a:srgbClr val="000000"/>
+              </a:solidFill>
+              <a:latin typeface="Arial"/>
+              <a:ea typeface="Arial"/>
+              <a:cs typeface="Arial"/>
+              <a:sym typeface="Arial"/>
+            </a:endParaRPr>
+          </a:p>
+          <a:p>
+            <a:pPr indent="0" lvl="0" marL="0" rtl="0" algn="l">
+              <a:spcBef>
+                <a:spcPts val="0"/>
+              </a:spcBef>
+              <a:spcAft>
+                <a:spcPts val="0"/>
+              </a:spcAft>
+              <a:buClr>
+                <a:schemeClr val="dk1"/>
+              </a:buClr>
+              <a:buSzPts val="1100"/>
+              <a:buFont typeface="Arial"/>
+              <a:buNone/>
+            </a:pPr>
+            <a:r>
+              <a:rPr lang="en-GB" sz="1000">
+                <a:solidFill>
+                  <a:schemeClr val="dk1"/>
+                </a:solidFill>
+              </a:rPr>
+              <a:t>Settings</a:t>
+            </a:r>
+            <a:endParaRPr sz="1000">
+              <a:solidFill>
+                <a:schemeClr val="dk1"/>
+              </a:solidFill>
+            </a:endParaRPr>
+          </a:p>
+          <a:p>
+            <a:pPr indent="0" lvl="0" marL="0" rtl="0" algn="l">
+              <a:spcBef>
+                <a:spcPts val="0"/>
+              </a:spcBef>
+              <a:spcAft>
+                <a:spcPts val="0"/>
+              </a:spcAft>
+              <a:buClr>
+                <a:schemeClr val="dk1"/>
+              </a:buClr>
+              <a:buSzPts val="1100"/>
+              <a:buFont typeface="Arial"/>
+              <a:buNone/>
+            </a:pPr>
+            <a:r>
+              <a:rPr lang="en-GB" sz="1000">
+                <a:solidFill>
+                  <a:schemeClr val="dk1"/>
+                </a:solidFill>
+              </a:rPr>
+              <a:t>Indicator</a:t>
+            </a:r>
+            <a:endParaRPr sz="1000">
+              <a:solidFill>
+                <a:schemeClr val="dk1"/>
+              </a:solidFill>
+            </a:endParaRPr>
+          </a:p>
+          <a:p>
+            <a:pPr indent="0" lvl="0" marL="0" rtl="0" algn="l">
+              <a:spcBef>
+                <a:spcPts val="0"/>
+              </a:spcBef>
+              <a:spcAft>
+                <a:spcPts val="0"/>
+              </a:spcAft>
+              <a:buClr>
+                <a:schemeClr val="dk1"/>
+              </a:buClr>
+              <a:buSzPts val="1100"/>
+              <a:buFont typeface="Arial"/>
+              <a:buNone/>
+            </a:pPr>
+            <a:r>
+              <a:rPr lang="en-GB" sz="1000">
+                <a:solidFill>
+                  <a:schemeClr val="dk1"/>
+                </a:solidFill>
+              </a:rPr>
+              <a:t>Lists</a:t>
+            </a:r>
+            <a:endParaRPr sz="1000">
+              <a:solidFill>
+                <a:schemeClr val="dk1"/>
+              </a:solidFill>
+            </a:endParaRPr>
+          </a:p>
+          <a:p>
+            <a:pPr indent="0" lvl="0" marL="0" rtl="0" algn="l">
+              <a:spcBef>
+                <a:spcPts val="0"/>
+              </a:spcBef>
+              <a:spcAft>
+                <a:spcPts val="0"/>
+              </a:spcAft>
+              <a:buClr>
+                <a:schemeClr val="dk1"/>
+              </a:buClr>
+              <a:buSzPts val="1100"/>
+              <a:buFont typeface="Arial"/>
+              <a:buNone/>
+            </a:pPr>
+            <a:r>
+              <a:rPr lang="en-GB" sz="1000">
+                <a:solidFill>
+                  <a:schemeClr val="dk1"/>
+                </a:solidFill>
+              </a:rPr>
+              <a:t>Etc…</a:t>
+            </a:r>
+            <a:endParaRPr sz="1000">
+              <a:solidFill>
+                <a:schemeClr val="dk1"/>
+              </a:solidFill>
+            </a:endParaRPr>
+          </a:p>
+          <a:p>
+            <a:pPr indent="0" lvl="0" marL="0" marR="0" rtl="0" algn="l">
+              <a:lnSpc>
+                <a:spcPct val="100000"/>
+              </a:lnSpc>
+              <a:spcBef>
+                <a:spcPts val="0"/>
+              </a:spcBef>
+              <a:spcAft>
+                <a:spcPts val="0"/>
+              </a:spcAft>
+              <a:buClr>
+                <a:srgbClr val="000000"/>
+              </a:buClr>
+              <a:buSzPts val="1000"/>
+              <a:buFont typeface="Arial"/>
+              <a:buNone/>
+            </a:pPr>
+            <a:r>
+              <a:t/>
+            </a:r>
+            <a:endParaRPr b="0" i="0" sz="1000" u="none" cap="none" strike="noStrike">
+              <a:solidFill>
+                <a:srgbClr val="000000"/>
+              </a:solidFill>
+              <a:latin typeface="Arial"/>
+              <a:ea typeface="Arial"/>
+              <a:cs typeface="Arial"/>
+              <a:sym typeface="Arial"/>
+            </a:endParaRPr>
+          </a:p>
+        </p:txBody>
+      </p:sp>
+      <p:sp>
+        <p:nvSpPr>
+          <p:cNvPr id="67" name="Google Shape;67;p2"/>
+          <p:cNvSpPr txBox="1"/>
+          <p:nvPr/>
+        </p:nvSpPr>
+        <p:spPr>
+          <a:xfrm>
+            <a:off x="1325263" y="2078913"/>
+            <a:ext cx="1560600" cy="554100"/>
+          </a:xfrm>
+          <a:prstGeom prst="rect">
+            <a:avLst/>
+          </a:prstGeom>
+          <a:solidFill>
+            <a:schemeClr val="lt1"/>
+          </a:solidFill>
+          <a:ln cap="flat" cmpd="sng" w="9525">
+            <a:solidFill>
+              <a:srgbClr val="000000"/>
+            </a:solidFill>
+            <a:prstDash val="solid"/>
+            <a:round/>
+            <a:headEnd len="sm" w="sm" type="none"/>
+            <a:tailEnd len="sm" w="sm" type="none"/>
+          </a:ln>
+        </p:spPr>
+        <p:txBody>
+          <a:bodyPr anchorCtr="0" anchor="t" bIns="91425" lIns="91425" spcFirstLastPara="1" rIns="91425" wrap="square" tIns="91425">
+            <a:spAutoFit/>
+          </a:bodyPr>
+          <a:lstStyle/>
+          <a:p>
+            <a:pPr indent="0" lvl="0" marL="0" marR="0" rtl="0" algn="l">
+              <a:lnSpc>
+                <a:spcPct val="100000"/>
+              </a:lnSpc>
+              <a:spcBef>
+                <a:spcPts val="0"/>
+              </a:spcBef>
+              <a:spcAft>
+                <a:spcPts val="0"/>
+              </a:spcAft>
+              <a:buClr>
+                <a:srgbClr val="000000"/>
+              </a:buClr>
+              <a:buSzPts val="1400"/>
+              <a:buFont typeface="Arial"/>
+              <a:buNone/>
+            </a:pPr>
+            <a:r>
+              <a:rPr b="0" i="0" lang="en-GB" sz="1400" u="none" cap="none" strike="noStrike">
+                <a:solidFill>
+                  <a:srgbClr val="000000"/>
+                </a:solidFill>
+                <a:latin typeface="Arial"/>
+                <a:ea typeface="Arial"/>
+                <a:cs typeface="Arial"/>
+                <a:sym typeface="Arial"/>
+              </a:rPr>
+              <a:t>Plugin</a:t>
+            </a:r>
+            <a:endParaRPr b="0" i="0" sz="1400" u="none" cap="none" strike="noStrike">
+              <a:solidFill>
+                <a:srgbClr val="000000"/>
+              </a:solidFill>
+              <a:latin typeface="Arial"/>
+              <a:ea typeface="Arial"/>
+              <a:cs typeface="Arial"/>
+              <a:sym typeface="Arial"/>
+            </a:endParaRPr>
+          </a:p>
+          <a:p>
+            <a:pPr indent="0" lvl="0" marL="0" marR="0" rtl="0" algn="l">
+              <a:lnSpc>
+                <a:spcPct val="100000"/>
+              </a:lnSpc>
+              <a:spcBef>
+                <a:spcPts val="0"/>
+              </a:spcBef>
+              <a:spcAft>
+                <a:spcPts val="0"/>
+              </a:spcAft>
+              <a:buClr>
+                <a:srgbClr val="000000"/>
+              </a:buClr>
+              <a:buSzPts val="1000"/>
+              <a:buFont typeface="Arial"/>
+              <a:buNone/>
+            </a:pPr>
+            <a:r>
+              <a:rPr b="0" i="0" lang="en-GB" sz="1000" u="none" cap="none" strike="noStrike">
+                <a:solidFill>
+                  <a:srgbClr val="000000"/>
+                </a:solidFill>
+                <a:latin typeface="Arial"/>
+                <a:ea typeface="Arial"/>
+                <a:cs typeface="Arial"/>
+                <a:sym typeface="Arial"/>
+              </a:rPr>
+              <a:t>External data retrieval</a:t>
+            </a:r>
+            <a:endParaRPr b="0" i="0" sz="1000" u="none" cap="none" strike="noStrike">
+              <a:solidFill>
+                <a:srgbClr val="000000"/>
+              </a:solidFill>
+              <a:latin typeface="Arial"/>
+              <a:ea typeface="Arial"/>
+              <a:cs typeface="Arial"/>
+              <a:sym typeface="Arial"/>
+            </a:endParaRPr>
+          </a:p>
+        </p:txBody>
+      </p:sp>
+      <p:sp>
+        <p:nvSpPr>
+          <p:cNvPr id="68" name="Google Shape;68;p2"/>
+          <p:cNvSpPr txBox="1"/>
+          <p:nvPr/>
+        </p:nvSpPr>
+        <p:spPr>
+          <a:xfrm>
+            <a:off x="1325275" y="2771763"/>
+            <a:ext cx="1560600" cy="554100"/>
+          </a:xfrm>
+          <a:prstGeom prst="rect">
+            <a:avLst/>
+          </a:prstGeom>
+          <a:solidFill>
+            <a:schemeClr val="lt1"/>
+          </a:solidFill>
+          <a:ln cap="flat" cmpd="sng" w="9525">
+            <a:solidFill>
+              <a:schemeClr val="dk1"/>
+            </a:solidFill>
+            <a:prstDash val="solid"/>
+            <a:round/>
+            <a:headEnd len="sm" w="sm" type="none"/>
+            <a:tailEnd len="sm" w="sm" type="none"/>
+          </a:ln>
+        </p:spPr>
+        <p:txBody>
+          <a:bodyPr anchorCtr="0" anchor="t" bIns="91425" lIns="91425" spcFirstLastPara="1" rIns="91425" wrap="square" tIns="91425">
+            <a:spAutoFit/>
+          </a:bodyPr>
+          <a:lstStyle/>
+          <a:p>
+            <a:pPr indent="0" lvl="0" marL="0" rtl="0" algn="l">
+              <a:spcBef>
+                <a:spcPts val="0"/>
+              </a:spcBef>
+              <a:spcAft>
+                <a:spcPts val="0"/>
+              </a:spcAft>
+              <a:buClr>
+                <a:schemeClr val="dk1"/>
+              </a:buClr>
+              <a:buSzPts val="1100"/>
+              <a:buFont typeface="Arial"/>
+              <a:buNone/>
+            </a:pPr>
+            <a:r>
+              <a:rPr lang="en-GB">
+                <a:solidFill>
+                  <a:schemeClr val="dk1"/>
+                </a:solidFill>
+              </a:rPr>
+              <a:t>Stock </a:t>
+            </a:r>
+            <a:r>
+              <a:rPr lang="en-GB">
+                <a:solidFill>
+                  <a:schemeClr val="dk1"/>
+                </a:solidFill>
+              </a:rPr>
+              <a:t>database</a:t>
+            </a:r>
+            <a:endParaRPr>
+              <a:solidFill>
+                <a:schemeClr val="dk1"/>
+              </a:solidFill>
+            </a:endParaRPr>
+          </a:p>
+          <a:p>
+            <a:pPr indent="0" lvl="0" marL="0" rtl="0" algn="l">
+              <a:spcBef>
+                <a:spcPts val="0"/>
+              </a:spcBef>
+              <a:spcAft>
+                <a:spcPts val="0"/>
+              </a:spcAft>
+              <a:buClr>
+                <a:schemeClr val="dk1"/>
+              </a:buClr>
+              <a:buSzPts val="1100"/>
+              <a:buFont typeface="Arial"/>
+              <a:buNone/>
+            </a:pPr>
+            <a:r>
+              <a:rPr lang="en-GB" sz="1000">
+                <a:solidFill>
+                  <a:schemeClr val="dk1"/>
+                </a:solidFill>
+              </a:rPr>
+              <a:t>Stock data</a:t>
+            </a:r>
+            <a:endParaRPr sz="1000">
+              <a:solidFill>
+                <a:schemeClr val="dk1"/>
+              </a:solidFill>
+            </a:endParaRPr>
+          </a:p>
+        </p:txBody>
+      </p:sp>
+      <p:cxnSp>
+        <p:nvCxnSpPr>
+          <p:cNvPr id="69" name="Google Shape;69;p2"/>
+          <p:cNvCxnSpPr>
+            <a:stCxn id="65" idx="1"/>
+            <a:endCxn id="64" idx="3"/>
+          </p:cNvCxnSpPr>
+          <p:nvPr/>
+        </p:nvCxnSpPr>
+        <p:spPr>
+          <a:xfrm rot="10800000">
+            <a:off x="2885813" y="1834976"/>
+            <a:ext cx="2229000" cy="307800"/>
+          </a:xfrm>
+          <a:prstGeom prst="bentConnector3">
+            <a:avLst>
+              <a:gd fmla="val 68225" name="adj1"/>
+            </a:avLst>
+          </a:prstGeom>
+          <a:noFill/>
+          <a:ln cap="flat" cmpd="sng" w="28575">
+            <a:solidFill>
+              <a:schemeClr val="dk2"/>
+            </a:solidFill>
+            <a:prstDash val="solid"/>
+            <a:round/>
+            <a:headEnd len="med" w="med" type="none"/>
+            <a:tailEnd len="med" w="med" type="triangle"/>
+          </a:ln>
+        </p:spPr>
+      </p:cxnSp>
+      <p:sp>
+        <p:nvSpPr>
+          <p:cNvPr id="70" name="Google Shape;70;p2"/>
+          <p:cNvSpPr txBox="1"/>
+          <p:nvPr/>
+        </p:nvSpPr>
+        <p:spPr>
+          <a:xfrm>
+            <a:off x="3682050" y="1742575"/>
+            <a:ext cx="1139400" cy="400200"/>
+          </a:xfrm>
+          <a:prstGeom prst="rect">
+            <a:avLst/>
+          </a:prstGeom>
+          <a:noFill/>
+          <a:ln>
+            <a:noFill/>
+          </a:ln>
+        </p:spPr>
+        <p:txBody>
+          <a:bodyPr anchorCtr="0" anchor="t" bIns="91425" lIns="91425" spcFirstLastPara="1" rIns="91425" wrap="square" tIns="91425">
+            <a:spAutoFit/>
+          </a:bodyPr>
+          <a:lstStyle/>
+          <a:p>
             <a:pPr indent="0" lvl="0" marL="0" rtl="0" algn="l">
               <a:spcBef>
                 <a:spcPts val="0"/>
@@ -6200,10 +10107,64 @@
             </a:pPr>
             <a:r>
               <a:rPr lang="en-GB"/>
-              <a:t>Plugin</a:t>
+              <a:t>REST API</a:t>
             </a:r>
             <a:endParaRPr/>
           </a:p>
+        </p:txBody>
+      </p:sp>
+      <p:cxnSp>
+        <p:nvCxnSpPr>
+          <p:cNvPr id="71" name="Google Shape;71;p2"/>
+          <p:cNvCxnSpPr>
+            <a:endCxn id="67" idx="1"/>
+          </p:cNvCxnSpPr>
+          <p:nvPr/>
+        </p:nvCxnSpPr>
+        <p:spPr>
+          <a:xfrm flipH="1" rot="10800000">
+            <a:off x="205963" y="2355963"/>
+            <a:ext cx="1119300" cy="900"/>
+          </a:xfrm>
+          <a:prstGeom prst="straightConnector1">
+            <a:avLst/>
+          </a:prstGeom>
+          <a:noFill/>
+          <a:ln cap="flat" cmpd="sng" w="28575">
+            <a:solidFill>
+              <a:schemeClr val="dk2"/>
+            </a:solidFill>
+            <a:prstDash val="solid"/>
+            <a:round/>
+            <a:headEnd len="med" w="med" type="none"/>
+            <a:tailEnd len="med" w="med" type="triangle"/>
+          </a:ln>
+        </p:spPr>
+      </p:cxnSp>
+      <p:sp>
+        <p:nvSpPr>
+          <p:cNvPr id="72" name="Google Shape;72;p2"/>
+          <p:cNvSpPr txBox="1"/>
+          <p:nvPr/>
+        </p:nvSpPr>
+        <p:spPr>
+          <a:xfrm>
+            <a:off x="311700" y="1956675"/>
+            <a:ext cx="766500" cy="400200"/>
+          </a:xfrm>
+          <a:prstGeom prst="rect">
+            <a:avLst/>
+          </a:prstGeom>
+          <a:noFill/>
+          <a:ln>
+            <a:noFill/>
+          </a:ln>
+        </p:spPr>
+        <p:txBody>
+          <a:bodyPr anchorCtr="0" anchor="t" bIns="91425" lIns="91425" spcFirstLastPara="1" rIns="91425" wrap="square" tIns="91425">
+            <a:spAutoFit/>
+          </a:bodyPr>
+          <a:lstStyle/>
           <a:p>
             <a:pPr indent="0" lvl="0" marL="0" rtl="0" algn="l">
               <a:spcBef>
@@ -6215,10 +10176,628 @@
               <a:buNone/>
             </a:pPr>
             <a:r>
-              <a:rPr lang="en-GB" sz="1000"/>
-              <a:t>External data retrieval</a:t>
+              <a:rPr lang="en-GB"/>
+              <a:t>WWW</a:t>
             </a:r>
-            <a:endParaRPr sz="1000"/>
+            <a:endParaRPr/>
+          </a:p>
+        </p:txBody>
+      </p:sp>
+      <p:sp>
+        <p:nvSpPr>
+          <p:cNvPr id="73" name="Google Shape;73;p2"/>
+          <p:cNvSpPr txBox="1"/>
+          <p:nvPr/>
+        </p:nvSpPr>
+        <p:spPr>
+          <a:xfrm>
+            <a:off x="1067275" y="1017725"/>
+            <a:ext cx="2076600" cy="431100"/>
+          </a:xfrm>
+          <a:prstGeom prst="rect">
+            <a:avLst/>
+          </a:prstGeom>
+          <a:noFill/>
+          <a:ln>
+            <a:noFill/>
+          </a:ln>
+        </p:spPr>
+        <p:txBody>
+          <a:bodyPr anchorCtr="0" anchor="t" bIns="91425" lIns="91425" spcFirstLastPara="1" rIns="91425" wrap="square" tIns="91425">
+            <a:spAutoFit/>
+          </a:bodyPr>
+          <a:lstStyle/>
+          <a:p>
+            <a:pPr indent="0" lvl="0" marL="0" rtl="0" algn="ctr">
+              <a:spcBef>
+                <a:spcPts val="0"/>
+              </a:spcBef>
+              <a:spcAft>
+                <a:spcPts val="0"/>
+              </a:spcAft>
+              <a:buNone/>
+            </a:pPr>
+            <a:r>
+              <a:rPr b="1" lang="en-GB" sz="1600"/>
+              <a:t>Backend</a:t>
+            </a:r>
+            <a:endParaRPr b="1" sz="1600"/>
+          </a:p>
+        </p:txBody>
+      </p:sp>
+      <p:sp>
+        <p:nvSpPr>
+          <p:cNvPr id="74" name="Google Shape;74;p2"/>
+          <p:cNvSpPr txBox="1"/>
+          <p:nvPr/>
+        </p:nvSpPr>
+        <p:spPr>
+          <a:xfrm>
+            <a:off x="5359025" y="2771775"/>
+            <a:ext cx="1316400" cy="354000"/>
+          </a:xfrm>
+          <a:prstGeom prst="rect">
+            <a:avLst/>
+          </a:prstGeom>
+          <a:solidFill>
+            <a:schemeClr val="lt1"/>
+          </a:solidFill>
+          <a:ln cap="flat" cmpd="sng" w="9525">
+            <a:solidFill>
+              <a:schemeClr val="dk1"/>
+            </a:solidFill>
+            <a:prstDash val="solid"/>
+            <a:round/>
+            <a:headEnd len="sm" w="sm" type="none"/>
+            <a:tailEnd len="sm" w="sm" type="none"/>
+          </a:ln>
+        </p:spPr>
+        <p:txBody>
+          <a:bodyPr anchorCtr="0" anchor="t" bIns="91425" lIns="91425" spcFirstLastPara="1" rIns="91425" wrap="square" tIns="91425">
+            <a:spAutoFit/>
+          </a:bodyPr>
+          <a:lstStyle/>
+          <a:p>
+            <a:pPr indent="0" lvl="0" marL="0" rtl="0" algn="l">
+              <a:spcBef>
+                <a:spcPts val="0"/>
+              </a:spcBef>
+              <a:spcAft>
+                <a:spcPts val="0"/>
+              </a:spcAft>
+              <a:buClr>
+                <a:schemeClr val="dk1"/>
+              </a:buClr>
+              <a:buSzPts val="1100"/>
+              <a:buFont typeface="Arial"/>
+              <a:buNone/>
+            </a:pPr>
+            <a:r>
+              <a:rPr lang="en-GB" sz="1100">
+                <a:solidFill>
+                  <a:schemeClr val="dk1"/>
+                </a:solidFill>
+              </a:rPr>
+              <a:t>Web app</a:t>
+            </a:r>
+            <a:endParaRPr sz="700">
+              <a:solidFill>
+                <a:schemeClr val="dk1"/>
+              </a:solidFill>
+            </a:endParaRPr>
+          </a:p>
+        </p:txBody>
+      </p:sp>
+      <p:sp>
+        <p:nvSpPr>
+          <p:cNvPr id="75" name="Google Shape;75;p2"/>
+          <p:cNvSpPr txBox="1"/>
+          <p:nvPr/>
+        </p:nvSpPr>
+        <p:spPr>
+          <a:xfrm>
+            <a:off x="5359025" y="3171975"/>
+            <a:ext cx="1316400" cy="354000"/>
+          </a:xfrm>
+          <a:prstGeom prst="rect">
+            <a:avLst/>
+          </a:prstGeom>
+          <a:solidFill>
+            <a:schemeClr val="lt1"/>
+          </a:solidFill>
+          <a:ln cap="flat" cmpd="sng" w="9525">
+            <a:solidFill>
+              <a:schemeClr val="dk1"/>
+            </a:solidFill>
+            <a:prstDash val="solid"/>
+            <a:round/>
+            <a:headEnd len="sm" w="sm" type="none"/>
+            <a:tailEnd len="sm" w="sm" type="none"/>
+          </a:ln>
+        </p:spPr>
+        <p:txBody>
+          <a:bodyPr anchorCtr="0" anchor="t" bIns="91425" lIns="91425" spcFirstLastPara="1" rIns="91425" wrap="square" tIns="91425">
+            <a:spAutoFit/>
+          </a:bodyPr>
+          <a:lstStyle/>
+          <a:p>
+            <a:pPr indent="0" lvl="0" marL="0" rtl="0" algn="l">
+              <a:spcBef>
+                <a:spcPts val="0"/>
+              </a:spcBef>
+              <a:spcAft>
+                <a:spcPts val="0"/>
+              </a:spcAft>
+              <a:buClr>
+                <a:schemeClr val="dk1"/>
+              </a:buClr>
+              <a:buSzPts val="1100"/>
+              <a:buFont typeface="Arial"/>
+              <a:buNone/>
+            </a:pPr>
+            <a:r>
+              <a:rPr lang="en-GB" sz="1100">
+                <a:solidFill>
+                  <a:schemeClr val="dk1"/>
+                </a:solidFill>
+              </a:rPr>
+              <a:t>Linux native</a:t>
+            </a:r>
+            <a:endParaRPr sz="700">
+              <a:solidFill>
+                <a:schemeClr val="dk1"/>
+              </a:solidFill>
+            </a:endParaRPr>
+          </a:p>
+        </p:txBody>
+      </p:sp>
+      <p:sp>
+        <p:nvSpPr>
+          <p:cNvPr id="76" name="Google Shape;76;p2"/>
+          <p:cNvSpPr txBox="1"/>
+          <p:nvPr/>
+        </p:nvSpPr>
+        <p:spPr>
+          <a:xfrm>
+            <a:off x="5359025" y="3572175"/>
+            <a:ext cx="1316400" cy="354000"/>
+          </a:xfrm>
+          <a:prstGeom prst="rect">
+            <a:avLst/>
+          </a:prstGeom>
+          <a:solidFill>
+            <a:schemeClr val="lt1"/>
+          </a:solidFill>
+          <a:ln cap="flat" cmpd="sng" w="9525">
+            <a:solidFill>
+              <a:schemeClr val="dk1"/>
+            </a:solidFill>
+            <a:prstDash val="solid"/>
+            <a:round/>
+            <a:headEnd len="sm" w="sm" type="none"/>
+            <a:tailEnd len="sm" w="sm" type="none"/>
+          </a:ln>
+        </p:spPr>
+        <p:txBody>
+          <a:bodyPr anchorCtr="0" anchor="t" bIns="91425" lIns="91425" spcFirstLastPara="1" rIns="91425" wrap="square" tIns="91425">
+            <a:spAutoFit/>
+          </a:bodyPr>
+          <a:lstStyle/>
+          <a:p>
+            <a:pPr indent="0" lvl="0" marL="0" rtl="0" algn="l">
+              <a:spcBef>
+                <a:spcPts val="0"/>
+              </a:spcBef>
+              <a:spcAft>
+                <a:spcPts val="0"/>
+              </a:spcAft>
+              <a:buClr>
+                <a:schemeClr val="dk1"/>
+              </a:buClr>
+              <a:buSzPts val="1100"/>
+              <a:buFont typeface="Arial"/>
+              <a:buNone/>
+            </a:pPr>
+            <a:r>
+              <a:rPr lang="en-GB" sz="1100">
+                <a:solidFill>
+                  <a:schemeClr val="dk1"/>
+                </a:solidFill>
+              </a:rPr>
+              <a:t>Windows </a:t>
+            </a:r>
+            <a:r>
+              <a:rPr lang="en-GB" sz="1100">
+                <a:solidFill>
+                  <a:schemeClr val="dk1"/>
+                </a:solidFill>
+              </a:rPr>
+              <a:t>native</a:t>
+            </a:r>
+            <a:endParaRPr sz="700">
+              <a:solidFill>
+                <a:schemeClr val="dk1"/>
+              </a:solidFill>
+            </a:endParaRPr>
+          </a:p>
+        </p:txBody>
+      </p:sp>
+      <p:sp>
+        <p:nvSpPr>
+          <p:cNvPr id="77" name="Google Shape;77;p2"/>
+          <p:cNvSpPr txBox="1"/>
+          <p:nvPr/>
+        </p:nvSpPr>
+        <p:spPr>
+          <a:xfrm>
+            <a:off x="5359025" y="3972375"/>
+            <a:ext cx="1316400" cy="354000"/>
+          </a:xfrm>
+          <a:prstGeom prst="rect">
+            <a:avLst/>
+          </a:prstGeom>
+          <a:solidFill>
+            <a:schemeClr val="lt1"/>
+          </a:solidFill>
+          <a:ln cap="flat" cmpd="sng" w="9525">
+            <a:solidFill>
+              <a:schemeClr val="dk1"/>
+            </a:solidFill>
+            <a:prstDash val="solid"/>
+            <a:round/>
+            <a:headEnd len="sm" w="sm" type="none"/>
+            <a:tailEnd len="sm" w="sm" type="none"/>
+          </a:ln>
+        </p:spPr>
+        <p:txBody>
+          <a:bodyPr anchorCtr="0" anchor="t" bIns="91425" lIns="91425" spcFirstLastPara="1" rIns="91425" wrap="square" tIns="91425">
+            <a:spAutoFit/>
+          </a:bodyPr>
+          <a:lstStyle/>
+          <a:p>
+            <a:pPr indent="0" lvl="0" marL="0" rtl="0" algn="l">
+              <a:spcBef>
+                <a:spcPts val="0"/>
+              </a:spcBef>
+              <a:spcAft>
+                <a:spcPts val="0"/>
+              </a:spcAft>
+              <a:buClr>
+                <a:schemeClr val="dk1"/>
+              </a:buClr>
+              <a:buSzPts val="1100"/>
+              <a:buFont typeface="Arial"/>
+              <a:buNone/>
+            </a:pPr>
+            <a:r>
+              <a:rPr lang="en-GB" sz="1100">
+                <a:solidFill>
+                  <a:schemeClr val="dk1"/>
+                </a:solidFill>
+              </a:rPr>
+              <a:t>MacOS </a:t>
+            </a:r>
+            <a:r>
+              <a:rPr lang="en-GB" sz="1100">
+                <a:solidFill>
+                  <a:schemeClr val="dk1"/>
+                </a:solidFill>
+              </a:rPr>
+              <a:t>native</a:t>
+            </a:r>
+            <a:endParaRPr sz="700">
+              <a:solidFill>
+                <a:schemeClr val="dk1"/>
+              </a:solidFill>
+            </a:endParaRPr>
+          </a:p>
+        </p:txBody>
+      </p:sp>
+      <p:cxnSp>
+        <p:nvCxnSpPr>
+          <p:cNvPr id="78" name="Google Shape;78;p2"/>
+          <p:cNvCxnSpPr/>
+          <p:nvPr/>
+        </p:nvCxnSpPr>
+        <p:spPr>
+          <a:xfrm flipH="1" rot="10800000">
+            <a:off x="2886575" y="2306425"/>
+            <a:ext cx="2242800" cy="764100"/>
+          </a:xfrm>
+          <a:prstGeom prst="bentConnector3">
+            <a:avLst>
+              <a:gd fmla="val 75078" name="adj1"/>
+            </a:avLst>
+          </a:prstGeom>
+          <a:noFill/>
+          <a:ln cap="flat" cmpd="sng" w="28575">
+            <a:solidFill>
+              <a:schemeClr val="dk2"/>
+            </a:solidFill>
+            <a:prstDash val="solid"/>
+            <a:round/>
+            <a:headEnd len="med" w="med" type="none"/>
+            <a:tailEnd len="med" w="med" type="triangle"/>
+          </a:ln>
+        </p:spPr>
+      </p:cxnSp>
+      <p:sp>
+        <p:nvSpPr>
+          <p:cNvPr id="79" name="Google Shape;79;p2"/>
+          <p:cNvSpPr txBox="1"/>
+          <p:nvPr/>
+        </p:nvSpPr>
+        <p:spPr>
+          <a:xfrm>
+            <a:off x="3548122" y="2670375"/>
+            <a:ext cx="869100" cy="400200"/>
+          </a:xfrm>
+          <a:prstGeom prst="rect">
+            <a:avLst/>
+          </a:prstGeom>
+          <a:noFill/>
+          <a:ln>
+            <a:noFill/>
+          </a:ln>
+        </p:spPr>
+        <p:txBody>
+          <a:bodyPr anchorCtr="0" anchor="t" bIns="91425" lIns="91425" spcFirstLastPara="1" rIns="91425" wrap="square" tIns="91425">
+            <a:spAutoFit/>
+          </a:bodyPr>
+          <a:lstStyle/>
+          <a:p>
+            <a:pPr indent="0" lvl="0" marL="0" rtl="0" algn="l">
+              <a:spcBef>
+                <a:spcPts val="0"/>
+              </a:spcBef>
+              <a:spcAft>
+                <a:spcPts val="0"/>
+              </a:spcAft>
+              <a:buNone/>
+            </a:pPr>
+            <a:r>
+              <a:rPr lang="en-GB"/>
+              <a:t>JSON</a:t>
+            </a:r>
+            <a:endParaRPr/>
+          </a:p>
+        </p:txBody>
+      </p:sp>
+      <p:cxnSp>
+        <p:nvCxnSpPr>
+          <p:cNvPr id="80" name="Google Shape;80;p2"/>
+          <p:cNvCxnSpPr>
+            <a:stCxn id="66" idx="3"/>
+          </p:cNvCxnSpPr>
+          <p:nvPr/>
+        </p:nvCxnSpPr>
+        <p:spPr>
+          <a:xfrm flipH="1" rot="10800000">
+            <a:off x="2885863" y="3070563"/>
+            <a:ext cx="533100" cy="978900"/>
+          </a:xfrm>
+          <a:prstGeom prst="bentConnector2">
+            <a:avLst/>
+          </a:prstGeom>
+          <a:noFill/>
+          <a:ln cap="flat" cmpd="sng" w="28575">
+            <a:solidFill>
+              <a:schemeClr val="dk2"/>
+            </a:solidFill>
+            <a:prstDash val="solid"/>
+            <a:round/>
+            <a:headEnd len="med" w="med" type="none"/>
+            <a:tailEnd len="med" w="med" type="none"/>
+          </a:ln>
+        </p:spPr>
+      </p:cxnSp>
+    </p:spTree>
+  </p:cSld>
+  <p:clrMapOvr>
+    <a:masterClrMapping/>
+  </p:clrMapOvr>
+</p:sld>
+</file>
+
+<file path=ppt/slides/slide3.xml><?xml version="1.0" encoding="utf-8"?>
+<p:sld xmlns:a="http://schemas.openxmlformats.org/drawingml/2006/main" xmlns:r="http://schemas.openxmlformats.org/officeDocument/2006/relationships" xmlns:mc="http://schemas.openxmlformats.org/markup-compatibility/2006" xmlns:mv="urn:schemas-microsoft-com:mac:vml" xmlns:p="http://schemas.openxmlformats.org/presentationml/2006/main" xmlns:c="http://schemas.openxmlformats.org/drawingml/2006/chart" xmlns:dgm="http://schemas.openxmlformats.org/drawingml/2006/diagram" xmlns:o="urn:schemas-microsoft-com:office:office" xmlns:v="urn:schemas-microsoft-com:vml" xmlns:pvml="urn:schemas-microsoft-com:office:powerpoint" xmlns:com="http://schemas.openxmlformats.org/drawingml/2006/compatibility" xmlns:p14="http://schemas.microsoft.com/office/powerpoint/2010/main" xmlns:p15="http://schemas.microsoft.com/office/powerpoint/2012/main" xmlns:ahyp="http://schemas.microsoft.com/office/drawing/2018/hyperlinkcolor">
+  <p:cSld>
+    <p:spTree>
+      <p:nvGrpSpPr>
+        <p:cNvPr id="84" name="Shape 84"/>
+        <p:cNvGrpSpPr/>
+        <p:nvPr/>
+      </p:nvGrpSpPr>
+      <p:grpSpPr>
+        <a:xfrm>
+          <a:off x="0" y="0"/>
+          <a:ext cx="0" cy="0"/>
+          <a:chOff x="0" y="0"/>
+          <a:chExt cx="0" cy="0"/>
+        </a:xfrm>
+      </p:grpSpPr>
+      <p:sp>
+        <p:nvSpPr>
+          <p:cNvPr id="85" name="Google Shape;85;g11e33226e34_0_9"/>
+          <p:cNvSpPr txBox="1"/>
+          <p:nvPr>
+            <p:ph type="title"/>
+          </p:nvPr>
+        </p:nvSpPr>
+        <p:spPr>
+          <a:xfrm>
+            <a:off x="311700" y="445025"/>
+            <a:ext cx="8520600" cy="572700"/>
+          </a:xfrm>
+          <a:prstGeom prst="rect">
+            <a:avLst/>
+          </a:prstGeom>
+        </p:spPr>
+        <p:txBody>
+          <a:bodyPr anchorCtr="0" anchor="t" bIns="91425" lIns="91425" spcFirstLastPara="1" rIns="91425" wrap="square" tIns="91425">
+            <a:normAutofit fontScale="90000"/>
+          </a:bodyPr>
+          <a:lstStyle/>
+          <a:p>
+            <a:pPr indent="0" lvl="0" marL="0" rtl="0" algn="l">
+              <a:spcBef>
+                <a:spcPts val="0"/>
+              </a:spcBef>
+              <a:spcAft>
+                <a:spcPts val="0"/>
+              </a:spcAft>
+              <a:buNone/>
+            </a:pPr>
+            <a:r>
+              <a:rPr lang="en-GB"/>
+              <a:t>Server</a:t>
+            </a:r>
+            <a:endParaRPr/>
+          </a:p>
+        </p:txBody>
+      </p:sp>
+      <p:sp>
+        <p:nvSpPr>
+          <p:cNvPr id="86" name="Google Shape;86;g11e33226e34_0_9"/>
+          <p:cNvSpPr txBox="1"/>
+          <p:nvPr>
+            <p:ph idx="1" type="body"/>
+          </p:nvPr>
+        </p:nvSpPr>
+        <p:spPr>
+          <a:xfrm>
+            <a:off x="311700" y="1152475"/>
+            <a:ext cx="8520600" cy="3416400"/>
+          </a:xfrm>
+          <a:prstGeom prst="rect">
+            <a:avLst/>
+          </a:prstGeom>
+        </p:spPr>
+        <p:txBody>
+          <a:bodyPr anchorCtr="0" anchor="t" bIns="91425" lIns="91425" spcFirstLastPara="1" rIns="91425" wrap="square" tIns="91425">
+            <a:normAutofit/>
+          </a:bodyPr>
+          <a:lstStyle/>
+          <a:p>
+            <a:pPr indent="0" lvl="0" marL="0" rtl="0" algn="l">
+              <a:spcBef>
+                <a:spcPts val="0"/>
+              </a:spcBef>
+              <a:spcAft>
+                <a:spcPts val="0"/>
+              </a:spcAft>
+              <a:buNone/>
+            </a:pPr>
+            <a:r>
+              <a:rPr lang="en-GB"/>
+              <a:t>Programmed in Rust</a:t>
+            </a:r>
+            <a:endParaRPr/>
+          </a:p>
+        </p:txBody>
+      </p:sp>
+    </p:spTree>
+  </p:cSld>
+  <p:clrMapOvr>
+    <a:masterClrMapping/>
+  </p:clrMapOvr>
+</p:sld>
+</file>
+
+<file path=ppt/slides/slide4.xml><?xml version="1.0" encoding="utf-8"?>
+<p:sld xmlns:a="http://schemas.openxmlformats.org/drawingml/2006/main" xmlns:r="http://schemas.openxmlformats.org/officeDocument/2006/relationships" xmlns:mc="http://schemas.openxmlformats.org/markup-compatibility/2006" xmlns:mv="urn:schemas-microsoft-com:mac:vml" xmlns:p="http://schemas.openxmlformats.org/presentationml/2006/main" xmlns:c="http://schemas.openxmlformats.org/drawingml/2006/chart" xmlns:dgm="http://schemas.openxmlformats.org/drawingml/2006/diagram" xmlns:o="urn:schemas-microsoft-com:office:office" xmlns:v="urn:schemas-microsoft-com:vml" xmlns:pvml="urn:schemas-microsoft-com:office:powerpoint" xmlns:com="http://schemas.openxmlformats.org/drawingml/2006/compatibility" xmlns:p14="http://schemas.microsoft.com/office/powerpoint/2010/main" xmlns:p15="http://schemas.microsoft.com/office/powerpoint/2012/main" xmlns:ahyp="http://schemas.microsoft.com/office/drawing/2018/hyperlinkcolor">
+  <p:cSld>
+    <p:spTree>
+      <p:nvGrpSpPr>
+        <p:cNvPr id="90" name="Shape 90"/>
+        <p:cNvGrpSpPr/>
+        <p:nvPr/>
+      </p:nvGrpSpPr>
+      <p:grpSpPr>
+        <a:xfrm>
+          <a:off x="0" y="0"/>
+          <a:ext cx="0" cy="0"/>
+          <a:chOff x="0" y="0"/>
+          <a:chExt cx="0" cy="0"/>
+        </a:xfrm>
+      </p:grpSpPr>
+      <p:sp>
+        <p:nvSpPr>
+          <p:cNvPr id="91" name="Google Shape;91;g11e33226e34_0_4"/>
+          <p:cNvSpPr txBox="1"/>
+          <p:nvPr>
+            <p:ph type="title"/>
+          </p:nvPr>
+        </p:nvSpPr>
+        <p:spPr>
+          <a:xfrm>
+            <a:off x="311700" y="445025"/>
+            <a:ext cx="8520600" cy="572700"/>
+          </a:xfrm>
+          <a:prstGeom prst="rect">
+            <a:avLst/>
+          </a:prstGeom>
+        </p:spPr>
+        <p:txBody>
+          <a:bodyPr anchorCtr="0" anchor="t" bIns="91425" lIns="91425" spcFirstLastPara="1" rIns="91425" wrap="square" tIns="91425">
+            <a:normAutofit fontScale="90000"/>
+          </a:bodyPr>
+          <a:lstStyle/>
+          <a:p>
+            <a:pPr indent="0" lvl="0" marL="0" rtl="0" algn="l">
+              <a:spcBef>
+                <a:spcPts val="0"/>
+              </a:spcBef>
+              <a:spcAft>
+                <a:spcPts val="0"/>
+              </a:spcAft>
+              <a:buNone/>
+            </a:pPr>
+            <a:r>
+              <a:rPr lang="en-GB"/>
+              <a:t>Windows native client</a:t>
+            </a:r>
+            <a:endParaRPr/>
+          </a:p>
+        </p:txBody>
+      </p:sp>
+      <p:sp>
+        <p:nvSpPr>
+          <p:cNvPr id="92" name="Google Shape;92;g11e33226e34_0_4"/>
+          <p:cNvSpPr txBox="1"/>
+          <p:nvPr>
+            <p:ph idx="1" type="body"/>
+          </p:nvPr>
+        </p:nvSpPr>
+        <p:spPr>
+          <a:xfrm>
+            <a:off x="311700" y="1152475"/>
+            <a:ext cx="8520600" cy="3416400"/>
+          </a:xfrm>
+          <a:prstGeom prst="rect">
+            <a:avLst/>
+          </a:prstGeom>
+        </p:spPr>
+        <p:txBody>
+          <a:bodyPr anchorCtr="0" anchor="t" bIns="91425" lIns="91425" spcFirstLastPara="1" rIns="91425" wrap="square" tIns="91425">
+            <a:normAutofit/>
+          </a:bodyPr>
+          <a:lstStyle/>
+          <a:p>
+            <a:pPr indent="0" lvl="0" marL="0" rtl="0" algn="l">
+              <a:spcBef>
+                <a:spcPts val="0"/>
+              </a:spcBef>
+              <a:spcAft>
+                <a:spcPts val="0"/>
+              </a:spcAft>
+              <a:buNone/>
+            </a:pPr>
+            <a:r>
+              <a:rPr lang="en-GB"/>
+              <a:t>Programmed in C#</a:t>
+            </a:r>
+            <a:endParaRPr/>
           </a:p>
         </p:txBody>
       </p:sp>
@@ -6231,6 +10810,285 @@
 </file>
 
 <file path=ppt/theme/theme1.xml><?xml version="1.0" encoding="utf-8"?>
+<a:theme xmlns:a="http://schemas.openxmlformats.org/drawingml/2006/main" xmlns:r="http://schemas.openxmlformats.org/officeDocument/2006/relationships" name="Simple Light">
+  <a:themeElements>
+    <a:clrScheme name="Simple Light">
+      <a:dk1>
+        <a:srgbClr val="000000"/>
+      </a:dk1>
+      <a:lt1>
+        <a:srgbClr val="FFFFFF"/>
+      </a:lt1>
+      <a:dk2>
+        <a:srgbClr val="595959"/>
+      </a:dk2>
+      <a:lt2>
+        <a:srgbClr val="EEEEEE"/>
+      </a:lt2>
+      <a:accent1>
+        <a:srgbClr val="4285F4"/>
+      </a:accent1>
+      <a:accent2>
+        <a:srgbClr val="212121"/>
+      </a:accent2>
+      <a:accent3>
+        <a:srgbClr val="78909C"/>
+      </a:accent3>
+      <a:accent4>
+        <a:srgbClr val="FFAB40"/>
+      </a:accent4>
+      <a:accent5>
+        <a:srgbClr val="0097A7"/>
+      </a:accent5>
+      <a:accent6>
+        <a:srgbClr val="EEFF41"/>
+      </a:accent6>
+      <a:hlink>
+        <a:srgbClr val="0097A7"/>
+      </a:hlink>
+      <a:folHlink>
+        <a:srgbClr val="0097A7"/>
+      </a:folHlink>
+    </a:clrScheme>
+    <a:fontScheme name="Office">
+      <a:majorFont>
+        <a:latin typeface="Arial"/>
+        <a:ea typeface=""/>
+        <a:cs typeface=""/>
+        <a:font script="Jpan" typeface="ＭＳ Ｐゴシック"/>
+        <a:font script="Hang" typeface="맑은 고딕"/>
+        <a:font script="Hans" typeface="宋体"/>
+        <a:font script="Hant" typeface="新細明體"/>
+        <a:font script="Arab" typeface="Times New Roman"/>
+        <a:font script="Hebr" typeface="Times New Roman"/>
+        <a:font script="Thai" typeface="Angsana New"/>
+        <a:font script="Ethi" typeface="Nyala"/>
+        <a:font script="Beng" typeface="Vrinda"/>
+        <a:font script="Gujr" typeface="Shruti"/>
+        <a:font script="Khmr" typeface="MoolBoran"/>
+        <a:font script="Knda" typeface="Tunga"/>
+        <a:font script="Guru" typeface="Raavi"/>
+        <a:font script="Cans" typeface="Euphemia"/>
+        <a:font script="Cher" typeface="Plantagenet Cherokee"/>
+        <a:font script="Yiii" typeface="Microsoft Yi Baiti"/>
+        <a:font script="Tibt" typeface="Microsoft Himalaya"/>
+        <a:font script="Thaa" typeface="MV Boli"/>
+        <a:font script="Deva" typeface="Mangal"/>
+        <a:font script="Telu" typeface="Gautami"/>
+        <a:font script="Taml" typeface="Latha"/>
+        <a:font script="Syrc" typeface="Estrangelo Edessa"/>
+        <a:font script="Orya" typeface="Kalinga"/>
+        <a:font script="Mlym" typeface="Kartika"/>
+        <a:font script="Laoo" typeface="DokChampa"/>
+        <a:font script="Sinh" typeface="Iskoola Pota"/>
+        <a:font script="Mong" typeface="Mongolian Baiti"/>
+        <a:font script="Viet" typeface="Times New Roman"/>
+        <a:font script="Uigh" typeface="Microsoft Uighur"/>
+        <a:font script="Geor" typeface="Sylfaen"/>
+      </a:majorFont>
+      <a:minorFont>
+        <a:latin typeface="Arial"/>
+        <a:ea typeface=""/>
+        <a:cs typeface=""/>
+        <a:font script="Jpan" typeface="ＭＳ Ｐゴシック"/>
+        <a:font script="Hang" typeface="맑은 고딕"/>
+        <a:font script="Hans" typeface="宋体"/>
+        <a:font script="Hant" typeface="新細明體"/>
+        <a:font script="Arab" typeface="Arial"/>
+        <a:font script="Hebr" typeface="Arial"/>
+        <a:font script="Thai" typeface="Cordia New"/>
+        <a:font script="Ethi" typeface="Nyala"/>
+        <a:font script="Beng" typeface="Vrinda"/>
+        <a:font script="Gujr" typeface="Shruti"/>
+        <a:font script="Khmr" typeface="DaunPenh"/>
+        <a:font script="Knda" typeface="Tunga"/>
+        <a:font script="Guru" typeface="Raavi"/>
+        <a:font script="Cans" typeface="Euphemia"/>
+        <a:font script="Cher" typeface="Plantagenet Cherokee"/>
+        <a:font script="Yiii" typeface="Microsoft Yi Baiti"/>
+        <a:font script="Tibt" typeface="Microsoft Himalaya"/>
+        <a:font script="Thaa" typeface="MV Boli"/>
+        <a:font script="Deva" typeface="Mangal"/>
+        <a:font script="Telu" typeface="Gautami"/>
+        <a:font script="Taml" typeface="Latha"/>
+        <a:font script="Syrc" typeface="Estrangelo Edessa"/>
+        <a:font script="Orya" typeface="Kalinga"/>
+        <a:font script="Mlym" typeface="Kartika"/>
+        <a:font script="Laoo" typeface="DokChampa"/>
+        <a:font script="Sinh" typeface="Iskoola Pota"/>
+        <a:font script="Mong" typeface="Mongolian Baiti"/>
+        <a:font script="Viet" typeface="Arial"/>
+        <a:font script="Uigh" typeface="Microsoft Uighur"/>
+        <a:font script="Geor" typeface="Sylfaen"/>
+      </a:minorFont>
+    </a:fontScheme>
+    <a:fmtScheme name="Office">
+      <a:fillStyleLst>
+        <a:solidFill>
+          <a:schemeClr val="phClr"/>
+        </a:solidFill>
+        <a:gradFill rotWithShape="1">
+          <a:gsLst>
+            <a:gs pos="0">
+              <a:schemeClr val="phClr">
+                <a:tint val="50000"/>
+                <a:satMod val="300000"/>
+              </a:schemeClr>
+            </a:gs>
+            <a:gs pos="35000">
+              <a:schemeClr val="phClr">
+                <a:tint val="37000"/>
+                <a:satMod val="300000"/>
+              </a:schemeClr>
+            </a:gs>
+            <a:gs pos="100000">
+              <a:schemeClr val="phClr">
+                <a:tint val="15000"/>
+                <a:satMod val="350000"/>
+              </a:schemeClr>
+            </a:gs>
+          </a:gsLst>
+          <a:lin ang="16200000" scaled="1"/>
+        </a:gradFill>
+        <a:gradFill rotWithShape="1">
+          <a:gsLst>
+            <a:gs pos="0">
+              <a:schemeClr val="phClr">
+                <a:tint val="100000"/>
+                <a:shade val="100000"/>
+                <a:satMod val="130000"/>
+              </a:schemeClr>
+            </a:gs>
+            <a:gs pos="100000">
+              <a:schemeClr val="phClr">
+                <a:tint val="50000"/>
+                <a:shade val="100000"/>
+                <a:satMod val="350000"/>
+              </a:schemeClr>
+            </a:gs>
+          </a:gsLst>
+          <a:lin ang="16200000" scaled="0"/>
+        </a:gradFill>
+      </a:fillStyleLst>
+      <a:lnStyleLst>
+        <a:ln w="9525" cap="flat" cmpd="sng" algn="ctr">
+          <a:solidFill>
+            <a:schemeClr val="phClr">
+              <a:shade val="95000"/>
+              <a:satMod val="105000"/>
+            </a:schemeClr>
+          </a:solidFill>
+          <a:prstDash val="solid"/>
+        </a:ln>
+        <a:ln w="25400" cap="flat" cmpd="sng" algn="ctr">
+          <a:solidFill>
+            <a:schemeClr val="phClr"/>
+          </a:solidFill>
+          <a:prstDash val="solid"/>
+        </a:ln>
+        <a:ln w="38100" cap="flat" cmpd="sng" algn="ctr">
+          <a:solidFill>
+            <a:schemeClr val="phClr"/>
+          </a:solidFill>
+          <a:prstDash val="solid"/>
+        </a:ln>
+      </a:lnStyleLst>
+      <a:effectStyleLst>
+        <a:effectStyle>
+          <a:effectLst>
+            <a:outerShdw blurRad="40000" dist="20000" dir="5400000" rotWithShape="0">
+              <a:srgbClr val="000000">
+                <a:alpha val="38000"/>
+              </a:srgbClr>
+            </a:outerShdw>
+          </a:effectLst>
+        </a:effectStyle>
+        <a:effectStyle>
+          <a:effectLst>
+            <a:outerShdw blurRad="40000" dist="23000" dir="5400000" rotWithShape="0">
+              <a:srgbClr val="000000">
+                <a:alpha val="35000"/>
+              </a:srgbClr>
+            </a:outerShdw>
+          </a:effectLst>
+        </a:effectStyle>
+        <a:effectStyle>
+          <a:effectLst>
+            <a:outerShdw blurRad="40000" dist="23000" dir="5400000" rotWithShape="0">
+              <a:srgbClr val="000000">
+                <a:alpha val="35000"/>
+              </a:srgbClr>
+            </a:outerShdw>
+          </a:effectLst>
+          <a:scene3d>
+            <a:camera prst="orthographicFront">
+              <a:rot lat="0" lon="0" rev="0"/>
+            </a:camera>
+            <a:lightRig rig="threePt" dir="t">
+              <a:rot lat="0" lon="0" rev="1200000"/>
+            </a:lightRig>
+          </a:scene3d>
+          <a:sp3d>
+            <a:bevelT w="63500" h="25400"/>
+          </a:sp3d>
+        </a:effectStyle>
+      </a:effectStyleLst>
+      <a:bgFillStyleLst>
+        <a:solidFill>
+          <a:schemeClr val="phClr"/>
+        </a:solidFill>
+        <a:gradFill rotWithShape="1">
+          <a:gsLst>
+            <a:gs pos="0">
+              <a:schemeClr val="phClr">
+                <a:tint val="40000"/>
+                <a:satMod val="350000"/>
+              </a:schemeClr>
+            </a:gs>
+            <a:gs pos="40000">
+              <a:schemeClr val="phClr">
+                <a:tint val="45000"/>
+                <a:shade val="99000"/>
+                <a:satMod val="350000"/>
+              </a:schemeClr>
+            </a:gs>
+            <a:gs pos="100000">
+              <a:schemeClr val="phClr">
+                <a:shade val="20000"/>
+                <a:satMod val="255000"/>
+              </a:schemeClr>
+            </a:gs>
+          </a:gsLst>
+          <a:path path="circle">
+            <a:fillToRect l="50000" t="-80000" r="50000" b="180000"/>
+          </a:path>
+        </a:gradFill>
+        <a:gradFill rotWithShape="1">
+          <a:gsLst>
+            <a:gs pos="0">
+              <a:schemeClr val="phClr">
+                <a:tint val="80000"/>
+                <a:satMod val="300000"/>
+              </a:schemeClr>
+            </a:gs>
+            <a:gs pos="100000">
+              <a:schemeClr val="phClr">
+                <a:shade val="30000"/>
+                <a:satMod val="200000"/>
+              </a:schemeClr>
+            </a:gs>
+          </a:gsLst>
+          <a:path path="circle">
+            <a:fillToRect l="50000" t="50000" r="50000" b="50000"/>
+          </a:path>
+        </a:gradFill>
+      </a:bgFillStyleLst>
+    </a:fmtScheme>
+  </a:themeElements>
+</a:theme>
+</file>
+
+<file path=ppt/theme/theme2.xml><?xml version="1.0" encoding="utf-8"?>
 <a:theme xmlns:a="http://schemas.openxmlformats.org/drawingml/2006/main" xmlns:r="http://schemas.openxmlformats.org/officeDocument/2006/relationships">
   <a:themeElements>
     <a:clrScheme name="Default">
@@ -6507,283 +11365,4 @@
     </a:fmtScheme>
   </a:themeElements>
 </a:theme>
-</file>
-
-<file path=ppt/theme/theme2.xml><?xml version="1.0" encoding="utf-8"?>
-<a:theme xmlns:a="http://schemas.openxmlformats.org/drawingml/2006/main" xmlns:r="http://schemas.openxmlformats.org/officeDocument/2006/relationships" name="Simple Light">
-  <a:themeElements>
-    <a:clrScheme name="Simple Light">
-      <a:dk1>
-        <a:srgbClr val="000000"/>
-      </a:dk1>
-      <a:lt1>
-        <a:srgbClr val="FFFFFF"/>
-      </a:lt1>
-      <a:dk2>
-        <a:srgbClr val="595959"/>
-      </a:dk2>
-      <a:lt2>
-        <a:srgbClr val="EEEEEE"/>
-      </a:lt2>
-      <a:accent1>
-        <a:srgbClr val="4285F4"/>
-      </a:accent1>
-      <a:accent2>
-        <a:srgbClr val="212121"/>
-      </a:accent2>
-      <a:accent3>
-        <a:srgbClr val="78909C"/>
-      </a:accent3>
-      <a:accent4>
-        <a:srgbClr val="FFAB40"/>
-      </a:accent4>
-      <a:accent5>
-        <a:srgbClr val="0097A7"/>
-      </a:accent5>
-      <a:accent6>
-        <a:srgbClr val="EEFF41"/>
-      </a:accent6>
-      <a:hlink>
-        <a:srgbClr val="0097A7"/>
-      </a:hlink>
-      <a:folHlink>
-        <a:srgbClr val="0097A7"/>
-      </a:folHlink>
-    </a:clrScheme>
-    <a:fontScheme name="Office">
-      <a:majorFont>
-        <a:latin typeface="Arial"/>
-        <a:ea typeface=""/>
-        <a:cs typeface=""/>
-        <a:font script="Jpan" typeface="ＭＳ Ｐゴシック"/>
-        <a:font script="Hang" typeface="맑은 고딕"/>
-        <a:font script="Hans" typeface="宋体"/>
-        <a:font script="Hant" typeface="新細明體"/>
-        <a:font script="Arab" typeface="Times New Roman"/>
-        <a:font script="Hebr" typeface="Times New Roman"/>
-        <a:font script="Thai" typeface="Angsana New"/>
-        <a:font script="Ethi" typeface="Nyala"/>
-        <a:font script="Beng" typeface="Vrinda"/>
-        <a:font script="Gujr" typeface="Shruti"/>
-        <a:font script="Khmr" typeface="MoolBoran"/>
-        <a:font script="Knda" typeface="Tunga"/>
-        <a:font script="Guru" typeface="Raavi"/>
-        <a:font script="Cans" typeface="Euphemia"/>
-        <a:font script="Cher" typeface="Plantagenet Cherokee"/>
-        <a:font script="Yiii" typeface="Microsoft Yi Baiti"/>
-        <a:font script="Tibt" typeface="Microsoft Himalaya"/>
-        <a:font script="Thaa" typeface="MV Boli"/>
-        <a:font script="Deva" typeface="Mangal"/>
-        <a:font script="Telu" typeface="Gautami"/>
-        <a:font script="Taml" typeface="Latha"/>
-        <a:font script="Syrc" typeface="Estrangelo Edessa"/>
-        <a:font script="Orya" typeface="Kalinga"/>
-        <a:font script="Mlym" typeface="Kartika"/>
-        <a:font script="Laoo" typeface="DokChampa"/>
-        <a:font script="Sinh" typeface="Iskoola Pota"/>
-        <a:font script="Mong" typeface="Mongolian Baiti"/>
-        <a:font script="Viet" typeface="Times New Roman"/>
-        <a:font script="Uigh" typeface="Microsoft Uighur"/>
-        <a:font script="Geor" typeface="Sylfaen"/>
-      </a:majorFont>
-      <a:minorFont>
-        <a:latin typeface="Arial"/>
-        <a:ea typeface=""/>
-        <a:cs typeface=""/>
-        <a:font script="Jpan" typeface="ＭＳ Ｐゴシック"/>
-        <a:font script="Hang" typeface="맑은 고딕"/>
-        <a:font script="Hans" typeface="宋体"/>
-        <a:font script="Hant" typeface="新細明體"/>
-        <a:font script="Arab" typeface="Arial"/>
-        <a:font script="Hebr" typeface="Arial"/>
-        <a:font script="Thai" typeface="Cordia New"/>
-        <a:font script="Ethi" typeface="Nyala"/>
-        <a:font script="Beng" typeface="Vrinda"/>
-        <a:font script="Gujr" typeface="Shruti"/>
-        <a:font script="Khmr" typeface="DaunPenh"/>
-        <a:font script="Knda" typeface="Tunga"/>
-        <a:font script="Guru" typeface="Raavi"/>
-        <a:font script="Cans" typeface="Euphemia"/>
-        <a:font script="Cher" typeface="Plantagenet Cherokee"/>
-        <a:font script="Yiii" typeface="Microsoft Yi Baiti"/>
-        <a:font script="Tibt" typeface="Microsoft Himalaya"/>
-        <a:font script="Thaa" typeface="MV Boli"/>
-        <a:font script="Deva" typeface="Mangal"/>
-        <a:font script="Telu" typeface="Gautami"/>
-        <a:font script="Taml" typeface="Latha"/>
-        <a:font script="Syrc" typeface="Estrangelo Edessa"/>
-        <a:font script="Orya" typeface="Kalinga"/>
-        <a:font script="Mlym" typeface="Kartika"/>
-        <a:font script="Laoo" typeface="DokChampa"/>
-        <a:font script="Sinh" typeface="Iskoola Pota"/>
-        <a:font script="Mong" typeface="Mongolian Baiti"/>
-        <a:font script="Viet" typeface="Arial"/>
-        <a:font script="Uigh" typeface="Microsoft Uighur"/>
-        <a:font script="Geor" typeface="Sylfaen"/>
-      </a:minorFont>
-    </a:fontScheme>
-    <a:fmtScheme name="Office">
-      <a:fillStyleLst>
-        <a:solidFill>
-          <a:schemeClr val="phClr"/>
-        </a:solidFill>
-        <a:gradFill rotWithShape="1">
-          <a:gsLst>
-            <a:gs pos="0">
-              <a:schemeClr val="phClr">
-                <a:tint val="50000"/>
-                <a:satMod val="300000"/>
-              </a:schemeClr>
-            </a:gs>
-            <a:gs pos="35000">
-              <a:schemeClr val="phClr">
-                <a:tint val="37000"/>
-                <a:satMod val="300000"/>
-              </a:schemeClr>
-            </a:gs>
-            <a:gs pos="100000">
-              <a:schemeClr val="phClr">
-                <a:tint val="15000"/>
-                <a:satMod val="350000"/>
-              </a:schemeClr>
-            </a:gs>
-          </a:gsLst>
-          <a:lin ang="16200000" scaled="1"/>
-        </a:gradFill>
-        <a:gradFill rotWithShape="1">
-          <a:gsLst>
-            <a:gs pos="0">
-              <a:schemeClr val="phClr">
-                <a:tint val="100000"/>
-                <a:shade val="100000"/>
-                <a:satMod val="130000"/>
-              </a:schemeClr>
-            </a:gs>
-            <a:gs pos="100000">
-              <a:schemeClr val="phClr">
-                <a:tint val="50000"/>
-                <a:shade val="100000"/>
-                <a:satMod val="350000"/>
-              </a:schemeClr>
-            </a:gs>
-          </a:gsLst>
-          <a:lin ang="16200000" scaled="0"/>
-        </a:gradFill>
-      </a:fillStyleLst>
-      <a:lnStyleLst>
-        <a:ln w="9525" cap="flat" cmpd="sng" algn="ctr">
-          <a:solidFill>
-            <a:schemeClr val="phClr">
-              <a:shade val="95000"/>
-              <a:satMod val="105000"/>
-            </a:schemeClr>
-          </a:solidFill>
-          <a:prstDash val="solid"/>
-        </a:ln>
-        <a:ln w="25400" cap="flat" cmpd="sng" algn="ctr">
-          <a:solidFill>
-            <a:schemeClr val="phClr"/>
-          </a:solidFill>
-          <a:prstDash val="solid"/>
-        </a:ln>
-        <a:ln w="38100" cap="flat" cmpd="sng" algn="ctr">
-          <a:solidFill>
-            <a:schemeClr val="phClr"/>
-          </a:solidFill>
-          <a:prstDash val="solid"/>
-        </a:ln>
-      </a:lnStyleLst>
-      <a:effectStyleLst>
-        <a:effectStyle>
-          <a:effectLst>
-            <a:outerShdw blurRad="40000" dist="20000" dir="5400000" rotWithShape="0">
-              <a:srgbClr val="000000">
-                <a:alpha val="38000"/>
-              </a:srgbClr>
-            </a:outerShdw>
-          </a:effectLst>
-        </a:effectStyle>
-        <a:effectStyle>
-          <a:effectLst>
-            <a:outerShdw blurRad="40000" dist="23000" dir="5400000" rotWithShape="0">
-              <a:srgbClr val="000000">
-                <a:alpha val="35000"/>
-              </a:srgbClr>
-            </a:outerShdw>
-          </a:effectLst>
-        </a:effectStyle>
-        <a:effectStyle>
-          <a:effectLst>
-            <a:outerShdw blurRad="40000" dist="23000" dir="5400000" rotWithShape="0">
-              <a:srgbClr val="000000">
-                <a:alpha val="35000"/>
-              </a:srgbClr>
-            </a:outerShdw>
-          </a:effectLst>
-          <a:scene3d>
-            <a:camera prst="orthographicFront">
-              <a:rot lat="0" lon="0" rev="0"/>
-            </a:camera>
-            <a:lightRig rig="threePt" dir="t">
-              <a:rot lat="0" lon="0" rev="1200000"/>
-            </a:lightRig>
-          </a:scene3d>
-          <a:sp3d>
-            <a:bevelT w="63500" h="25400"/>
-          </a:sp3d>
-        </a:effectStyle>
-      </a:effectStyleLst>
-      <a:bgFillStyleLst>
-        <a:solidFill>
-          <a:schemeClr val="phClr"/>
-        </a:solidFill>
-        <a:gradFill rotWithShape="1">
-          <a:gsLst>
-            <a:gs pos="0">
-              <a:schemeClr val="phClr">
-                <a:tint val="40000"/>
-                <a:satMod val="350000"/>
-              </a:schemeClr>
-            </a:gs>
-            <a:gs pos="40000">
-              <a:schemeClr val="phClr">
-                <a:tint val="45000"/>
-                <a:shade val="99000"/>
-                <a:satMod val="350000"/>
-              </a:schemeClr>
-            </a:gs>
-            <a:gs pos="100000">
-              <a:schemeClr val="phClr">
-                <a:shade val="20000"/>
-                <a:satMod val="255000"/>
-              </a:schemeClr>
-            </a:gs>
-          </a:gsLst>
-          <a:path path="circle">
-            <a:fillToRect l="50000" t="-80000" r="50000" b="180000"/>
-          </a:path>
-        </a:gradFill>
-        <a:gradFill rotWithShape="1">
-          <a:gsLst>
-            <a:gs pos="0">
-              <a:schemeClr val="phClr">
-                <a:tint val="80000"/>
-                <a:satMod val="300000"/>
-              </a:schemeClr>
-            </a:gs>
-            <a:gs pos="100000">
-              <a:schemeClr val="phClr">
-                <a:shade val="30000"/>
-                <a:satMod val="200000"/>
-              </a:schemeClr>
-            </a:gs>
-          </a:gsLst>
-          <a:path path="circle">
-            <a:fillToRect l="50000" t="50000" r="50000" b="50000"/>
-          </a:path>
-        </a:gradFill>
-      </a:bgFillStyleLst>
-    </a:fmtScheme>
-  </a:themeElements>
-</a:theme>
 </file>